--- a/slide/part2.pptx
+++ b/slide/part2.pptx
@@ -251,7 +251,7 @@
           <a:p>
             <a:fld id="{A6E431DA-83A9-BA4B-A104-448117B2FB99}" type="datetimeFigureOut">
               <a:rPr kumimoji="1" lang="ja-JP" altLang="en-US" smtClean="0"/>
-              <a:t>2018/7/10</a:t>
+              <a:t>2018/7/11</a:t>
             </a:fld>
             <a:endParaRPr kumimoji="1" lang="ja-JP" altLang="en-US"/>
           </a:p>
@@ -461,7 +461,7 @@
           <a:p>
             <a:fld id="{A6E431DA-83A9-BA4B-A104-448117B2FB99}" type="datetimeFigureOut">
               <a:rPr kumimoji="1" lang="ja-JP" altLang="en-US" smtClean="0"/>
-              <a:t>2018/7/10</a:t>
+              <a:t>2018/7/11</a:t>
             </a:fld>
             <a:endParaRPr kumimoji="1" lang="ja-JP" altLang="en-US"/>
           </a:p>
@@ -649,7 +649,7 @@
           <a:p>
             <a:fld id="{A6E431DA-83A9-BA4B-A104-448117B2FB99}" type="datetimeFigureOut">
               <a:rPr kumimoji="1" lang="ja-JP" altLang="en-US" smtClean="0"/>
-              <a:t>2018/7/10</a:t>
+              <a:t>2018/7/11</a:t>
             </a:fld>
             <a:endParaRPr kumimoji="1" lang="ja-JP" altLang="en-US"/>
           </a:p>
@@ -827,7 +827,7 @@
           <a:p>
             <a:fld id="{A6E431DA-83A9-BA4B-A104-448117B2FB99}" type="datetimeFigureOut">
               <a:rPr kumimoji="1" lang="ja-JP" altLang="en-US" smtClean="0"/>
-              <a:t>2018/7/10</a:t>
+              <a:t>2018/7/11</a:t>
             </a:fld>
             <a:endParaRPr kumimoji="1" lang="ja-JP" altLang="en-US"/>
           </a:p>
@@ -1138,7 +1138,7 @@
           <a:p>
             <a:fld id="{A6E431DA-83A9-BA4B-A104-448117B2FB99}" type="datetimeFigureOut">
               <a:rPr kumimoji="1" lang="ja-JP" altLang="en-US" smtClean="0"/>
-              <a:t>2018/7/10</a:t>
+              <a:t>2018/7/11</a:t>
             </a:fld>
             <a:endParaRPr kumimoji="1" lang="ja-JP" altLang="en-US"/>
           </a:p>
@@ -1386,7 +1386,7 @@
           <a:p>
             <a:fld id="{A6E431DA-83A9-BA4B-A104-448117B2FB99}" type="datetimeFigureOut">
               <a:rPr kumimoji="1" lang="ja-JP" altLang="en-US" smtClean="0"/>
-              <a:t>2018/7/10</a:t>
+              <a:t>2018/7/11</a:t>
             </a:fld>
             <a:endParaRPr kumimoji="1" lang="ja-JP" altLang="en-US"/>
           </a:p>
@@ -1843,7 +1843,7 @@
           <a:p>
             <a:fld id="{A6E431DA-83A9-BA4B-A104-448117B2FB99}" type="datetimeFigureOut">
               <a:rPr kumimoji="1" lang="ja-JP" altLang="en-US" smtClean="0"/>
-              <a:t>2018/7/10</a:t>
+              <a:t>2018/7/11</a:t>
             </a:fld>
             <a:endParaRPr kumimoji="1" lang="ja-JP" altLang="en-US"/>
           </a:p>
@@ -1961,7 +1961,7 @@
           <a:p>
             <a:fld id="{A6E431DA-83A9-BA4B-A104-448117B2FB99}" type="datetimeFigureOut">
               <a:rPr kumimoji="1" lang="ja-JP" altLang="en-US" smtClean="0"/>
-              <a:t>2018/7/10</a:t>
+              <a:t>2018/7/11</a:t>
             </a:fld>
             <a:endParaRPr kumimoji="1" lang="ja-JP" altLang="en-US"/>
           </a:p>
@@ -2086,7 +2086,7 @@
           <a:p>
             <a:fld id="{A6E431DA-83A9-BA4B-A104-448117B2FB99}" type="datetimeFigureOut">
               <a:rPr kumimoji="1" lang="ja-JP" altLang="en-US" smtClean="0"/>
-              <a:t>2018/7/10</a:t>
+              <a:t>2018/7/11</a:t>
             </a:fld>
             <a:endParaRPr kumimoji="1" lang="ja-JP" altLang="en-US"/>
           </a:p>
@@ -2438,7 +2438,7 @@
           <a:p>
             <a:fld id="{A6E431DA-83A9-BA4B-A104-448117B2FB99}" type="datetimeFigureOut">
               <a:rPr kumimoji="1" lang="ja-JP" altLang="en-US" smtClean="0"/>
-              <a:t>2018/7/10</a:t>
+              <a:t>2018/7/11</a:t>
             </a:fld>
             <a:endParaRPr kumimoji="1" lang="ja-JP" altLang="en-US"/>
           </a:p>
@@ -2732,7 +2732,7 @@
           <a:p>
             <a:fld id="{A6E431DA-83A9-BA4B-A104-448117B2FB99}" type="datetimeFigureOut">
               <a:rPr kumimoji="1" lang="ja-JP" altLang="en-US" smtClean="0"/>
-              <a:t>2018/7/10</a:t>
+              <a:t>2018/7/11</a:t>
             </a:fld>
             <a:endParaRPr kumimoji="1" lang="ja-JP" altLang="en-US"/>
           </a:p>
@@ -2953,7 +2953,7 @@
           <a:p>
             <a:fld id="{A6E431DA-83A9-BA4B-A104-448117B2FB99}" type="datetimeFigureOut">
               <a:rPr kumimoji="1" lang="ja-JP" altLang="en-US" smtClean="0"/>
-              <a:t>2018/7/10</a:t>
+              <a:t>2018/7/11</a:t>
             </a:fld>
             <a:endParaRPr kumimoji="1" lang="ja-JP" altLang="en-US"/>
           </a:p>
@@ -3473,6 +3473,14 @@
               </a:rPr>
               <a:t>git</a:t>
             </a:r>
+            <a:r>
+              <a:rPr lang="en-US" altLang="ja-JP" sz="8000" b="1" dirty="0">
+                <a:latin typeface="Gen Shin Gothic" panose="020B0402020203020207" pitchFamily="34" charset="-128"/>
+                <a:ea typeface="Gen Shin Gothic" panose="020B0402020203020207" pitchFamily="34" charset="-128"/>
+                <a:cs typeface="Gen Shin Gothic" panose="020B0402020203020207" pitchFamily="34" charset="-128"/>
+              </a:rPr>
+              <a:t/>
+            </a:r>
             <a:br>
               <a:rPr lang="en-US" altLang="ja-JP" sz="8000" b="1" dirty="0">
                 <a:latin typeface="Gen Shin Gothic" panose="020B0402020203020207" pitchFamily="34" charset="-128"/>
@@ -3646,6 +3654,14 @@
                 <a:cs typeface="Gen Shin Gothic" panose="020B0402020203020207" pitchFamily="34" charset="-128"/>
               </a:rPr>
               <a:t>art 2</a:t>
+            </a:r>
+            <a:r>
+              <a:rPr kumimoji="1" lang="en-US" altLang="ja-JP" sz="8000" b="1" dirty="0">
+                <a:latin typeface="Gen Shin Gothic" panose="020B0402020203020207" pitchFamily="34" charset="-128"/>
+                <a:ea typeface="Gen Shin Gothic" panose="020B0402020203020207" pitchFamily="34" charset="-128"/>
+                <a:cs typeface="Gen Shin Gothic" panose="020B0402020203020207" pitchFamily="34" charset="-128"/>
+              </a:rPr>
+              <a:t/>
             </a:r>
             <a:br>
               <a:rPr kumimoji="1" lang="en-US" altLang="ja-JP" sz="8000" b="1" dirty="0">
@@ -4085,7 +4101,7 @@
               <a:t>	</a:t>
             </a:r>
             <a:r>
-              <a:rPr lang="ja-JP" altLang="en-US">
+              <a:rPr lang="ja-JP" altLang="en-US" dirty="0">
                 <a:latin typeface="Gen Shin Gothic Medium" panose="020B0402020203020207" pitchFamily="34" charset="-128"/>
                 <a:ea typeface="Gen Shin Gothic Medium" panose="020B0402020203020207" pitchFamily="34" charset="-128"/>
                 <a:cs typeface="Gen Shin Gothic Medium" panose="020B0402020203020207" pitchFamily="34" charset="-128"/>
@@ -4138,7 +4154,7 @@
               <a:t>	</a:t>
             </a:r>
             <a:r>
-              <a:rPr lang="ja-JP" altLang="en-US">
+              <a:rPr lang="ja-JP" altLang="en-US" dirty="0">
                 <a:latin typeface="Gen Shin Gothic Medium" panose="020B0402020203020207" pitchFamily="34" charset="-128"/>
                 <a:ea typeface="Gen Shin Gothic Medium" panose="020B0402020203020207" pitchFamily="34" charset="-128"/>
                 <a:cs typeface="Gen Shin Gothic Medium" panose="020B0402020203020207" pitchFamily="34" charset="-128"/>
@@ -4191,7 +4207,7 @@
               <a:t>	</a:t>
             </a:r>
             <a:r>
-              <a:rPr lang="ja-JP" altLang="en-US">
+              <a:rPr lang="ja-JP" altLang="en-US" dirty="0">
                 <a:latin typeface="Gen Shin Gothic Medium" panose="020B0402020203020207" pitchFamily="34" charset="-128"/>
                 <a:ea typeface="Gen Shin Gothic Medium" panose="020B0402020203020207" pitchFamily="34" charset="-128"/>
                 <a:cs typeface="Gen Shin Gothic Medium" panose="020B0402020203020207" pitchFamily="34" charset="-128"/>
@@ -4207,7 +4223,7 @@
               <a:t>(</a:t>
             </a:r>
             <a:r>
-              <a:rPr lang="ja-JP" altLang="en-US">
+              <a:rPr lang="ja-JP" altLang="en-US" dirty="0">
                 <a:latin typeface="Gen Shin Gothic Medium" panose="020B0402020203020207" pitchFamily="34" charset="-128"/>
                 <a:ea typeface="Gen Shin Gothic Medium" panose="020B0402020203020207" pitchFamily="34" charset="-128"/>
                 <a:cs typeface="Gen Shin Gothic Medium" panose="020B0402020203020207" pitchFamily="34" charset="-128"/>
@@ -4223,7 +4239,7 @@
               <a:t>)</a:t>
             </a:r>
             <a:r>
-              <a:rPr lang="ja-JP" altLang="en-US">
+              <a:rPr lang="ja-JP" altLang="en-US" dirty="0">
                 <a:latin typeface="Gen Shin Gothic Medium" panose="020B0402020203020207" pitchFamily="34" charset="-128"/>
                 <a:ea typeface="Gen Shin Gothic Medium" panose="020B0402020203020207" pitchFamily="34" charset="-128"/>
                 <a:cs typeface="Gen Shin Gothic Medium" panose="020B0402020203020207" pitchFamily="34" charset="-128"/>
@@ -4241,7 +4257,7 @@
               </a:buClr>
               <a:buNone/>
             </a:pPr>
-            <a:endParaRPr lang="ja-JP" altLang="en-US">
+            <a:endParaRPr lang="ja-JP" altLang="en-US" dirty="0">
               <a:latin typeface="Gen Shin Gothic Medium" panose="020B0402020203020207" pitchFamily="34" charset="-128"/>
               <a:ea typeface="Gen Shin Gothic Medium" panose="020B0402020203020207" pitchFamily="34" charset="-128"/>
               <a:cs typeface="Gen Shin Gothic Medium" panose="020B0402020203020207" pitchFamily="34" charset="-128"/>
@@ -4774,6 +4790,345 @@
           </a:p>
         </p:txBody>
       </p:sp>
+      <p:cxnSp>
+        <p:nvCxnSpPr>
+          <p:cNvPr id="7" name="直線コネクタ 6"/>
+          <p:cNvCxnSpPr/>
+          <p:nvPr/>
+        </p:nvCxnSpPr>
+        <p:spPr>
+          <a:xfrm>
+            <a:off x="1074183" y="2010729"/>
+            <a:ext cx="0" cy="2831182"/>
+          </a:xfrm>
+          <a:prstGeom prst="line">
+            <a:avLst/>
+          </a:prstGeom>
+          <a:ln w="292100">
+            <a:solidFill>
+              <a:schemeClr val="accent1"/>
+            </a:solidFill>
+          </a:ln>
+        </p:spPr>
+        <p:style>
+          <a:lnRef idx="3">
+            <a:schemeClr val="accent5"/>
+          </a:lnRef>
+          <a:fillRef idx="0">
+            <a:schemeClr val="accent5"/>
+          </a:fillRef>
+          <a:effectRef idx="2">
+            <a:schemeClr val="accent5"/>
+          </a:effectRef>
+          <a:fontRef idx="minor">
+            <a:schemeClr val="tx1"/>
+          </a:fontRef>
+        </p:style>
+      </p:cxnSp>
+      <p:sp>
+        <p:nvSpPr>
+          <p:cNvPr id="2" name="楕円 1"/>
+          <p:cNvSpPr/>
+          <p:nvPr/>
+        </p:nvSpPr>
+        <p:spPr>
+          <a:xfrm>
+            <a:off x="754143" y="1690689"/>
+            <a:ext cx="640080" cy="640080"/>
+          </a:xfrm>
+          <a:prstGeom prst="ellipse">
+            <a:avLst/>
+          </a:prstGeom>
+          <a:solidFill>
+            <a:schemeClr val="accent1"/>
+          </a:solidFill>
+          <a:ln>
+            <a:noFill/>
+          </a:ln>
+        </p:spPr>
+        <p:style>
+          <a:lnRef idx="2">
+            <a:schemeClr val="accent5">
+              <a:shade val="50000"/>
+            </a:schemeClr>
+          </a:lnRef>
+          <a:fillRef idx="1">
+            <a:schemeClr val="accent5"/>
+          </a:fillRef>
+          <a:effectRef idx="0">
+            <a:schemeClr val="accent5"/>
+          </a:effectRef>
+          <a:fontRef idx="minor">
+            <a:schemeClr val="lt1"/>
+          </a:fontRef>
+        </p:style>
+        <p:txBody>
+          <a:bodyPr rtlCol="0" anchor="ctr"/>
+          <a:lstStyle/>
+          <a:p>
+            <a:pPr algn="ctr"/>
+            <a:endParaRPr kumimoji="1" lang="ja-JP" altLang="en-US"/>
+          </a:p>
+        </p:txBody>
+      </p:sp>
+      <p:sp>
+        <p:nvSpPr>
+          <p:cNvPr id="4" name="楕円 3"/>
+          <p:cNvSpPr/>
+          <p:nvPr/>
+        </p:nvSpPr>
+        <p:spPr>
+          <a:xfrm>
+            <a:off x="754143" y="3106280"/>
+            <a:ext cx="640080" cy="640080"/>
+          </a:xfrm>
+          <a:prstGeom prst="ellipse">
+            <a:avLst/>
+          </a:prstGeom>
+          <a:solidFill>
+            <a:schemeClr val="accent1"/>
+          </a:solidFill>
+          <a:ln>
+            <a:noFill/>
+          </a:ln>
+        </p:spPr>
+        <p:style>
+          <a:lnRef idx="2">
+            <a:schemeClr val="accent5">
+              <a:shade val="50000"/>
+            </a:schemeClr>
+          </a:lnRef>
+          <a:fillRef idx="1">
+            <a:schemeClr val="accent5"/>
+          </a:fillRef>
+          <a:effectRef idx="0">
+            <a:schemeClr val="accent5"/>
+          </a:effectRef>
+          <a:fontRef idx="minor">
+            <a:schemeClr val="lt1"/>
+          </a:fontRef>
+        </p:style>
+        <p:txBody>
+          <a:bodyPr rtlCol="0" anchor="ctr"/>
+          <a:lstStyle/>
+          <a:p>
+            <a:pPr algn="ctr"/>
+            <a:endParaRPr kumimoji="1" lang="ja-JP" altLang="en-US"/>
+          </a:p>
+        </p:txBody>
+      </p:sp>
+      <p:sp>
+        <p:nvSpPr>
+          <p:cNvPr id="5" name="楕円 4"/>
+          <p:cNvSpPr/>
+          <p:nvPr/>
+        </p:nvSpPr>
+        <p:spPr>
+          <a:xfrm>
+            <a:off x="754143" y="4521871"/>
+            <a:ext cx="640080" cy="640080"/>
+          </a:xfrm>
+          <a:prstGeom prst="ellipse">
+            <a:avLst/>
+          </a:prstGeom>
+          <a:solidFill>
+            <a:schemeClr val="accent1"/>
+          </a:solidFill>
+          <a:ln>
+            <a:noFill/>
+          </a:ln>
+        </p:spPr>
+        <p:style>
+          <a:lnRef idx="2">
+            <a:schemeClr val="accent5">
+              <a:shade val="50000"/>
+            </a:schemeClr>
+          </a:lnRef>
+          <a:fillRef idx="1">
+            <a:schemeClr val="accent5"/>
+          </a:fillRef>
+          <a:effectRef idx="0">
+            <a:schemeClr val="accent5"/>
+          </a:effectRef>
+          <a:fontRef idx="minor">
+            <a:schemeClr val="lt1"/>
+          </a:fontRef>
+        </p:style>
+        <p:txBody>
+          <a:bodyPr rtlCol="0" anchor="ctr"/>
+          <a:lstStyle/>
+          <a:p>
+            <a:pPr algn="ctr"/>
+            <a:endParaRPr kumimoji="1" lang="ja-JP" altLang="en-US"/>
+          </a:p>
+        </p:txBody>
+      </p:sp>
+      <p:sp>
+        <p:nvSpPr>
+          <p:cNvPr id="13" name="テキスト ボックス 12"/>
+          <p:cNvSpPr txBox="1"/>
+          <p:nvPr/>
+        </p:nvSpPr>
+        <p:spPr>
+          <a:xfrm>
+            <a:off x="1394223" y="4657245"/>
+            <a:ext cx="829073" cy="369332"/>
+          </a:xfrm>
+          <a:prstGeom prst="rect">
+            <a:avLst/>
+          </a:prstGeom>
+          <a:noFill/>
+        </p:spPr>
+        <p:txBody>
+          <a:bodyPr wrap="none" rtlCol="0">
+            <a:spAutoFit/>
+          </a:bodyPr>
+          <a:lstStyle/>
+          <a:p>
+            <a:r>
+              <a:rPr kumimoji="1" lang="en-US" altLang="ja-JP" dirty="0" smtClean="0">
+                <a:solidFill>
+                  <a:schemeClr val="tx1">
+                    <a:lumMod val="75000"/>
+                    <a:lumOff val="25000"/>
+                  </a:schemeClr>
+                </a:solidFill>
+                <a:latin typeface="源真ゴシック Heavy" panose="020B0702020203020207" pitchFamily="50" charset="-128"/>
+                <a:ea typeface="源真ゴシック Heavy" panose="020B0702020203020207" pitchFamily="50" charset="-128"/>
+                <a:cs typeface="源真ゴシック Heavy" panose="020B0702020203020207" pitchFamily="50" charset="-128"/>
+              </a:rPr>
+              <a:t>HEAD</a:t>
+            </a:r>
+            <a:endParaRPr kumimoji="1" lang="ja-JP" altLang="en-US" dirty="0">
+              <a:solidFill>
+                <a:schemeClr val="tx1">
+                  <a:lumMod val="75000"/>
+                  <a:lumOff val="25000"/>
+                </a:schemeClr>
+              </a:solidFill>
+              <a:latin typeface="源真ゴシック Heavy" panose="020B0702020203020207" pitchFamily="50" charset="-128"/>
+              <a:ea typeface="源真ゴシック Heavy" panose="020B0702020203020207" pitchFamily="50" charset="-128"/>
+              <a:cs typeface="源真ゴシック Heavy" panose="020B0702020203020207" pitchFamily="50" charset="-128"/>
+            </a:endParaRPr>
+          </a:p>
+        </p:txBody>
+      </p:sp>
+      <p:sp>
+        <p:nvSpPr>
+          <p:cNvPr id="14" name="テキスト ボックス 13"/>
+          <p:cNvSpPr txBox="1"/>
+          <p:nvPr/>
+        </p:nvSpPr>
+        <p:spPr>
+          <a:xfrm>
+            <a:off x="1394223" y="3240337"/>
+            <a:ext cx="829073" cy="369332"/>
+          </a:xfrm>
+          <a:prstGeom prst="rect">
+            <a:avLst/>
+          </a:prstGeom>
+          <a:noFill/>
+        </p:spPr>
+        <p:txBody>
+          <a:bodyPr wrap="none" rtlCol="0">
+            <a:spAutoFit/>
+          </a:bodyPr>
+          <a:lstStyle/>
+          <a:p>
+            <a:r>
+              <a:rPr kumimoji="1" lang="en-US" altLang="ja-JP" dirty="0" smtClean="0">
+                <a:solidFill>
+                  <a:schemeClr val="bg1">
+                    <a:lumMod val="75000"/>
+                  </a:schemeClr>
+                </a:solidFill>
+                <a:latin typeface="源真ゴシック Heavy" panose="020B0702020203020207" pitchFamily="50" charset="-128"/>
+                <a:ea typeface="源真ゴシック Heavy" panose="020B0702020203020207" pitchFamily="50" charset="-128"/>
+                <a:cs typeface="源真ゴシック Heavy" panose="020B0702020203020207" pitchFamily="50" charset="-128"/>
+              </a:rPr>
+              <a:t>HEAD</a:t>
+            </a:r>
+            <a:endParaRPr kumimoji="1" lang="ja-JP" altLang="en-US" dirty="0">
+              <a:solidFill>
+                <a:schemeClr val="bg1">
+                  <a:lumMod val="75000"/>
+                </a:schemeClr>
+              </a:solidFill>
+              <a:latin typeface="源真ゴシック Heavy" panose="020B0702020203020207" pitchFamily="50" charset="-128"/>
+              <a:ea typeface="源真ゴシック Heavy" panose="020B0702020203020207" pitchFamily="50" charset="-128"/>
+              <a:cs typeface="源真ゴシック Heavy" panose="020B0702020203020207" pitchFamily="50" charset="-128"/>
+            </a:endParaRPr>
+          </a:p>
+        </p:txBody>
+      </p:sp>
+      <p:sp>
+        <p:nvSpPr>
+          <p:cNvPr id="15" name="右矢印 14"/>
+          <p:cNvSpPr/>
+          <p:nvPr/>
+        </p:nvSpPr>
+        <p:spPr>
+          <a:xfrm rot="5400000">
+            <a:off x="1498397" y="4008185"/>
+            <a:ext cx="620721" cy="250546"/>
+          </a:xfrm>
+          <a:prstGeom prst="rightArrow">
+            <a:avLst>
+              <a:gd name="adj1" fmla="val 50000"/>
+              <a:gd name="adj2" fmla="val 80099"/>
+            </a:avLst>
+          </a:prstGeom>
+          <a:gradFill flip="none" rotWithShape="1">
+            <a:gsLst>
+              <a:gs pos="0">
+                <a:schemeClr val="tx1"/>
+              </a:gs>
+              <a:gs pos="38000">
+                <a:schemeClr val="tx1">
+                  <a:lumMod val="75000"/>
+                  <a:lumOff val="25000"/>
+                </a:schemeClr>
+              </a:gs>
+              <a:gs pos="100000">
+                <a:schemeClr val="bg1">
+                  <a:lumMod val="95000"/>
+                </a:schemeClr>
+              </a:gs>
+            </a:gsLst>
+            <a:path path="circle">
+              <a:fillToRect l="100000" b="100000"/>
+            </a:path>
+            <a:tileRect t="-100000" r="-100000"/>
+          </a:gradFill>
+          <a:ln>
+            <a:noFill/>
+          </a:ln>
+        </p:spPr>
+        <p:style>
+          <a:lnRef idx="2">
+            <a:schemeClr val="accent1">
+              <a:shade val="50000"/>
+            </a:schemeClr>
+          </a:lnRef>
+          <a:fillRef idx="1">
+            <a:schemeClr val="accent1"/>
+          </a:fillRef>
+          <a:effectRef idx="0">
+            <a:schemeClr val="accent1"/>
+          </a:effectRef>
+          <a:fontRef idx="minor">
+            <a:schemeClr val="lt1"/>
+          </a:fontRef>
+        </p:style>
+        <p:txBody>
+          <a:bodyPr rtlCol="0" anchor="ctr"/>
+          <a:lstStyle/>
+          <a:p>
+            <a:pPr algn="ctr"/>
+            <a:endParaRPr kumimoji="1" lang="ja-JP" altLang="en-US"/>
+          </a:p>
+        </p:txBody>
+      </p:sp>
     </p:spTree>
     <p:extLst>
       <p:ext uri="{BB962C8B-B14F-4D97-AF65-F5344CB8AC3E}">
@@ -4846,6 +5201,345 @@
           </a:p>
         </p:txBody>
       </p:sp>
+      <p:sp>
+        <p:nvSpPr>
+          <p:cNvPr id="8" name="テキスト ボックス 7"/>
+          <p:cNvSpPr txBox="1"/>
+          <p:nvPr/>
+        </p:nvSpPr>
+        <p:spPr>
+          <a:xfrm>
+            <a:off x="1394223" y="4657245"/>
+            <a:ext cx="829073" cy="369332"/>
+          </a:xfrm>
+          <a:prstGeom prst="rect">
+            <a:avLst/>
+          </a:prstGeom>
+          <a:noFill/>
+        </p:spPr>
+        <p:txBody>
+          <a:bodyPr wrap="none" rtlCol="0">
+            <a:spAutoFit/>
+          </a:bodyPr>
+          <a:lstStyle/>
+          <a:p>
+            <a:r>
+              <a:rPr kumimoji="1" lang="en-US" altLang="ja-JP" dirty="0" smtClean="0">
+                <a:solidFill>
+                  <a:schemeClr val="bg1">
+                    <a:lumMod val="75000"/>
+                  </a:schemeClr>
+                </a:solidFill>
+                <a:latin typeface="源真ゴシック Heavy" panose="020B0702020203020207" pitchFamily="50" charset="-128"/>
+                <a:ea typeface="源真ゴシック Heavy" panose="020B0702020203020207" pitchFamily="50" charset="-128"/>
+                <a:cs typeface="源真ゴシック Heavy" panose="020B0702020203020207" pitchFamily="50" charset="-128"/>
+              </a:rPr>
+              <a:t>HEAD</a:t>
+            </a:r>
+            <a:endParaRPr kumimoji="1" lang="ja-JP" altLang="en-US" dirty="0">
+              <a:solidFill>
+                <a:schemeClr val="bg1">
+                  <a:lumMod val="75000"/>
+                </a:schemeClr>
+              </a:solidFill>
+              <a:latin typeface="源真ゴシック Heavy" panose="020B0702020203020207" pitchFamily="50" charset="-128"/>
+              <a:ea typeface="源真ゴシック Heavy" panose="020B0702020203020207" pitchFamily="50" charset="-128"/>
+              <a:cs typeface="源真ゴシック Heavy" panose="020B0702020203020207" pitchFamily="50" charset="-128"/>
+            </a:endParaRPr>
+          </a:p>
+        </p:txBody>
+      </p:sp>
+      <p:sp>
+        <p:nvSpPr>
+          <p:cNvPr id="9" name="テキスト ボックス 8"/>
+          <p:cNvSpPr txBox="1"/>
+          <p:nvPr/>
+        </p:nvSpPr>
+        <p:spPr>
+          <a:xfrm>
+            <a:off x="1394223" y="3240337"/>
+            <a:ext cx="829073" cy="369332"/>
+          </a:xfrm>
+          <a:prstGeom prst="rect">
+            <a:avLst/>
+          </a:prstGeom>
+          <a:noFill/>
+        </p:spPr>
+        <p:txBody>
+          <a:bodyPr wrap="none" rtlCol="0">
+            <a:spAutoFit/>
+          </a:bodyPr>
+          <a:lstStyle/>
+          <a:p>
+            <a:r>
+              <a:rPr kumimoji="1" lang="en-US" altLang="ja-JP" dirty="0" smtClean="0">
+                <a:solidFill>
+                  <a:schemeClr val="tx1">
+                    <a:lumMod val="75000"/>
+                    <a:lumOff val="25000"/>
+                  </a:schemeClr>
+                </a:solidFill>
+                <a:latin typeface="源真ゴシック Heavy" panose="020B0702020203020207" pitchFamily="50" charset="-128"/>
+                <a:ea typeface="源真ゴシック Heavy" panose="020B0702020203020207" pitchFamily="50" charset="-128"/>
+                <a:cs typeface="源真ゴシック Heavy" panose="020B0702020203020207" pitchFamily="50" charset="-128"/>
+              </a:rPr>
+              <a:t>HEAD</a:t>
+            </a:r>
+            <a:endParaRPr kumimoji="1" lang="ja-JP" altLang="en-US" dirty="0">
+              <a:solidFill>
+                <a:schemeClr val="tx1">
+                  <a:lumMod val="75000"/>
+                  <a:lumOff val="25000"/>
+                </a:schemeClr>
+              </a:solidFill>
+              <a:latin typeface="源真ゴシック Heavy" panose="020B0702020203020207" pitchFamily="50" charset="-128"/>
+              <a:ea typeface="源真ゴシック Heavy" panose="020B0702020203020207" pitchFamily="50" charset="-128"/>
+              <a:cs typeface="源真ゴシック Heavy" panose="020B0702020203020207" pitchFamily="50" charset="-128"/>
+            </a:endParaRPr>
+          </a:p>
+        </p:txBody>
+      </p:sp>
+      <p:sp>
+        <p:nvSpPr>
+          <p:cNvPr id="10" name="右矢印 9"/>
+          <p:cNvSpPr/>
+          <p:nvPr/>
+        </p:nvSpPr>
+        <p:spPr>
+          <a:xfrm rot="16200000" flipV="1">
+            <a:off x="1498397" y="4008185"/>
+            <a:ext cx="620721" cy="250546"/>
+          </a:xfrm>
+          <a:prstGeom prst="rightArrow">
+            <a:avLst>
+              <a:gd name="adj1" fmla="val 50000"/>
+              <a:gd name="adj2" fmla="val 80099"/>
+            </a:avLst>
+          </a:prstGeom>
+          <a:gradFill flip="none" rotWithShape="1">
+            <a:gsLst>
+              <a:gs pos="0">
+                <a:schemeClr val="tx1"/>
+              </a:gs>
+              <a:gs pos="38000">
+                <a:schemeClr val="tx1">
+                  <a:lumMod val="75000"/>
+                  <a:lumOff val="25000"/>
+                </a:schemeClr>
+              </a:gs>
+              <a:gs pos="100000">
+                <a:schemeClr val="bg1">
+                  <a:lumMod val="95000"/>
+                </a:schemeClr>
+              </a:gs>
+            </a:gsLst>
+            <a:path path="circle">
+              <a:fillToRect l="100000" b="100000"/>
+            </a:path>
+            <a:tileRect t="-100000" r="-100000"/>
+          </a:gradFill>
+          <a:ln>
+            <a:noFill/>
+          </a:ln>
+        </p:spPr>
+        <p:style>
+          <a:lnRef idx="2">
+            <a:schemeClr val="accent1">
+              <a:shade val="50000"/>
+            </a:schemeClr>
+          </a:lnRef>
+          <a:fillRef idx="1">
+            <a:schemeClr val="accent1"/>
+          </a:fillRef>
+          <a:effectRef idx="0">
+            <a:schemeClr val="accent1"/>
+          </a:effectRef>
+          <a:fontRef idx="minor">
+            <a:schemeClr val="lt1"/>
+          </a:fontRef>
+        </p:style>
+        <p:txBody>
+          <a:bodyPr rtlCol="0" anchor="ctr"/>
+          <a:lstStyle/>
+          <a:p>
+            <a:pPr algn="ctr"/>
+            <a:endParaRPr kumimoji="1" lang="ja-JP" altLang="en-US"/>
+          </a:p>
+        </p:txBody>
+      </p:sp>
+      <p:cxnSp>
+        <p:nvCxnSpPr>
+          <p:cNvPr id="15" name="直線コネクタ 14"/>
+          <p:cNvCxnSpPr/>
+          <p:nvPr/>
+        </p:nvCxnSpPr>
+        <p:spPr>
+          <a:xfrm>
+            <a:off x="1074183" y="2010729"/>
+            <a:ext cx="0" cy="2831182"/>
+          </a:xfrm>
+          <a:prstGeom prst="line">
+            <a:avLst/>
+          </a:prstGeom>
+          <a:ln w="292100">
+            <a:solidFill>
+              <a:schemeClr val="accent1"/>
+            </a:solidFill>
+          </a:ln>
+        </p:spPr>
+        <p:style>
+          <a:lnRef idx="3">
+            <a:schemeClr val="accent5"/>
+          </a:lnRef>
+          <a:fillRef idx="0">
+            <a:schemeClr val="accent5"/>
+          </a:fillRef>
+          <a:effectRef idx="2">
+            <a:schemeClr val="accent5"/>
+          </a:effectRef>
+          <a:fontRef idx="minor">
+            <a:schemeClr val="tx1"/>
+          </a:fontRef>
+        </p:style>
+      </p:cxnSp>
+      <p:sp>
+        <p:nvSpPr>
+          <p:cNvPr id="16" name="楕円 15"/>
+          <p:cNvSpPr/>
+          <p:nvPr/>
+        </p:nvSpPr>
+        <p:spPr>
+          <a:xfrm>
+            <a:off x="754143" y="1690689"/>
+            <a:ext cx="640080" cy="640080"/>
+          </a:xfrm>
+          <a:prstGeom prst="ellipse">
+            <a:avLst/>
+          </a:prstGeom>
+          <a:solidFill>
+            <a:schemeClr val="accent1"/>
+          </a:solidFill>
+          <a:ln>
+            <a:noFill/>
+          </a:ln>
+        </p:spPr>
+        <p:style>
+          <a:lnRef idx="2">
+            <a:schemeClr val="accent5">
+              <a:shade val="50000"/>
+            </a:schemeClr>
+          </a:lnRef>
+          <a:fillRef idx="1">
+            <a:schemeClr val="accent5"/>
+          </a:fillRef>
+          <a:effectRef idx="0">
+            <a:schemeClr val="accent5"/>
+          </a:effectRef>
+          <a:fontRef idx="minor">
+            <a:schemeClr val="lt1"/>
+          </a:fontRef>
+        </p:style>
+        <p:txBody>
+          <a:bodyPr rtlCol="0" anchor="ctr"/>
+          <a:lstStyle/>
+          <a:p>
+            <a:pPr algn="ctr"/>
+            <a:endParaRPr kumimoji="1" lang="ja-JP" altLang="en-US"/>
+          </a:p>
+        </p:txBody>
+      </p:sp>
+      <p:sp>
+        <p:nvSpPr>
+          <p:cNvPr id="17" name="楕円 16"/>
+          <p:cNvSpPr/>
+          <p:nvPr/>
+        </p:nvSpPr>
+        <p:spPr>
+          <a:xfrm>
+            <a:off x="754143" y="3106280"/>
+            <a:ext cx="640080" cy="640080"/>
+          </a:xfrm>
+          <a:prstGeom prst="ellipse">
+            <a:avLst/>
+          </a:prstGeom>
+          <a:solidFill>
+            <a:schemeClr val="accent1"/>
+          </a:solidFill>
+          <a:ln>
+            <a:noFill/>
+          </a:ln>
+        </p:spPr>
+        <p:style>
+          <a:lnRef idx="2">
+            <a:schemeClr val="accent5">
+              <a:shade val="50000"/>
+            </a:schemeClr>
+          </a:lnRef>
+          <a:fillRef idx="1">
+            <a:schemeClr val="accent5"/>
+          </a:fillRef>
+          <a:effectRef idx="0">
+            <a:schemeClr val="accent5"/>
+          </a:effectRef>
+          <a:fontRef idx="minor">
+            <a:schemeClr val="lt1"/>
+          </a:fontRef>
+        </p:style>
+        <p:txBody>
+          <a:bodyPr rtlCol="0" anchor="ctr"/>
+          <a:lstStyle/>
+          <a:p>
+            <a:pPr algn="ctr"/>
+            <a:endParaRPr kumimoji="1" lang="ja-JP" altLang="en-US"/>
+          </a:p>
+        </p:txBody>
+      </p:sp>
+      <p:sp>
+        <p:nvSpPr>
+          <p:cNvPr id="18" name="楕円 17"/>
+          <p:cNvSpPr/>
+          <p:nvPr/>
+        </p:nvSpPr>
+        <p:spPr>
+          <a:xfrm>
+            <a:off x="754143" y="4521871"/>
+            <a:ext cx="640080" cy="640080"/>
+          </a:xfrm>
+          <a:prstGeom prst="ellipse">
+            <a:avLst/>
+          </a:prstGeom>
+          <a:solidFill>
+            <a:schemeClr val="accent1"/>
+          </a:solidFill>
+          <a:ln>
+            <a:noFill/>
+          </a:ln>
+        </p:spPr>
+        <p:style>
+          <a:lnRef idx="2">
+            <a:schemeClr val="accent5">
+              <a:shade val="50000"/>
+            </a:schemeClr>
+          </a:lnRef>
+          <a:fillRef idx="1">
+            <a:schemeClr val="accent5"/>
+          </a:fillRef>
+          <a:effectRef idx="0">
+            <a:schemeClr val="accent5"/>
+          </a:effectRef>
+          <a:fontRef idx="minor">
+            <a:schemeClr val="lt1"/>
+          </a:fontRef>
+        </p:style>
+        <p:txBody>
+          <a:bodyPr rtlCol="0" anchor="ctr"/>
+          <a:lstStyle/>
+          <a:p>
+            <a:pPr algn="ctr"/>
+            <a:endParaRPr kumimoji="1" lang="ja-JP" altLang="en-US"/>
+          </a:p>
+        </p:txBody>
+      </p:sp>
     </p:spTree>
     <p:extLst>
       <p:ext uri="{BB962C8B-B14F-4D97-AF65-F5344CB8AC3E}">
@@ -4918,6 +5612,426 @@
           </a:p>
         </p:txBody>
       </p:sp>
+      <p:sp>
+        <p:nvSpPr>
+          <p:cNvPr id="8" name="テキスト ボックス 7"/>
+          <p:cNvSpPr txBox="1"/>
+          <p:nvPr/>
+        </p:nvSpPr>
+        <p:spPr>
+          <a:xfrm>
+            <a:off x="2567534" y="4657245"/>
+            <a:ext cx="829073" cy="369332"/>
+          </a:xfrm>
+          <a:prstGeom prst="rect">
+            <a:avLst/>
+          </a:prstGeom>
+          <a:noFill/>
+        </p:spPr>
+        <p:txBody>
+          <a:bodyPr wrap="none" rtlCol="0">
+            <a:spAutoFit/>
+          </a:bodyPr>
+          <a:lstStyle/>
+          <a:p>
+            <a:r>
+              <a:rPr kumimoji="1" lang="en-US" altLang="ja-JP" dirty="0" smtClean="0">
+                <a:solidFill>
+                  <a:schemeClr val="tx1">
+                    <a:lumMod val="75000"/>
+                    <a:lumOff val="25000"/>
+                  </a:schemeClr>
+                </a:solidFill>
+                <a:latin typeface="源真ゴシック Heavy" panose="020B0702020203020207" pitchFamily="50" charset="-128"/>
+                <a:ea typeface="源真ゴシック Heavy" panose="020B0702020203020207" pitchFamily="50" charset="-128"/>
+                <a:cs typeface="源真ゴシック Heavy" panose="020B0702020203020207" pitchFamily="50" charset="-128"/>
+              </a:rPr>
+              <a:t>HEAD</a:t>
+            </a:r>
+            <a:endParaRPr kumimoji="1" lang="ja-JP" altLang="en-US" dirty="0">
+              <a:solidFill>
+                <a:schemeClr val="tx1">
+                  <a:lumMod val="75000"/>
+                  <a:lumOff val="25000"/>
+                </a:schemeClr>
+              </a:solidFill>
+              <a:latin typeface="源真ゴシック Heavy" panose="020B0702020203020207" pitchFamily="50" charset="-128"/>
+              <a:ea typeface="源真ゴシック Heavy" panose="020B0702020203020207" pitchFamily="50" charset="-128"/>
+              <a:cs typeface="源真ゴシック Heavy" panose="020B0702020203020207" pitchFamily="50" charset="-128"/>
+            </a:endParaRPr>
+          </a:p>
+        </p:txBody>
+      </p:sp>
+      <p:sp>
+        <p:nvSpPr>
+          <p:cNvPr id="9" name="テキスト ボックス 8"/>
+          <p:cNvSpPr txBox="1"/>
+          <p:nvPr/>
+        </p:nvSpPr>
+        <p:spPr>
+          <a:xfrm>
+            <a:off x="1394223" y="3240337"/>
+            <a:ext cx="829073" cy="369332"/>
+          </a:xfrm>
+          <a:prstGeom prst="rect">
+            <a:avLst/>
+          </a:prstGeom>
+          <a:noFill/>
+        </p:spPr>
+        <p:txBody>
+          <a:bodyPr wrap="none" rtlCol="0">
+            <a:spAutoFit/>
+          </a:bodyPr>
+          <a:lstStyle/>
+          <a:p>
+            <a:r>
+              <a:rPr kumimoji="1" lang="en-US" altLang="ja-JP" dirty="0" smtClean="0">
+                <a:solidFill>
+                  <a:schemeClr val="bg1">
+                    <a:lumMod val="75000"/>
+                  </a:schemeClr>
+                </a:solidFill>
+                <a:latin typeface="源真ゴシック Heavy" panose="020B0702020203020207" pitchFamily="50" charset="-128"/>
+                <a:ea typeface="源真ゴシック Heavy" panose="020B0702020203020207" pitchFamily="50" charset="-128"/>
+                <a:cs typeface="源真ゴシック Heavy" panose="020B0702020203020207" pitchFamily="50" charset="-128"/>
+              </a:rPr>
+              <a:t>HEAD</a:t>
+            </a:r>
+            <a:endParaRPr kumimoji="1" lang="ja-JP" altLang="en-US" dirty="0">
+              <a:solidFill>
+                <a:schemeClr val="bg1">
+                  <a:lumMod val="75000"/>
+                </a:schemeClr>
+              </a:solidFill>
+              <a:latin typeface="源真ゴシック Heavy" panose="020B0702020203020207" pitchFamily="50" charset="-128"/>
+              <a:ea typeface="源真ゴシック Heavy" panose="020B0702020203020207" pitchFamily="50" charset="-128"/>
+              <a:cs typeface="源真ゴシック Heavy" panose="020B0702020203020207" pitchFamily="50" charset="-128"/>
+            </a:endParaRPr>
+          </a:p>
+        </p:txBody>
+      </p:sp>
+      <p:sp>
+        <p:nvSpPr>
+          <p:cNvPr id="10" name="右矢印 9"/>
+          <p:cNvSpPr/>
+          <p:nvPr/>
+        </p:nvSpPr>
+        <p:spPr>
+          <a:xfrm rot="2966908" flipV="1">
+            <a:off x="2037808" y="3940497"/>
+            <a:ext cx="620721" cy="250546"/>
+          </a:xfrm>
+          <a:prstGeom prst="rightArrow">
+            <a:avLst>
+              <a:gd name="adj1" fmla="val 50000"/>
+              <a:gd name="adj2" fmla="val 80099"/>
+            </a:avLst>
+          </a:prstGeom>
+          <a:gradFill flip="none" rotWithShape="1">
+            <a:gsLst>
+              <a:gs pos="0">
+                <a:schemeClr val="tx1"/>
+              </a:gs>
+              <a:gs pos="38000">
+                <a:schemeClr val="tx1">
+                  <a:lumMod val="75000"/>
+                  <a:lumOff val="25000"/>
+                </a:schemeClr>
+              </a:gs>
+              <a:gs pos="100000">
+                <a:schemeClr val="bg1">
+                  <a:lumMod val="95000"/>
+                </a:schemeClr>
+              </a:gs>
+            </a:gsLst>
+            <a:path path="circle">
+              <a:fillToRect l="100000" b="100000"/>
+            </a:path>
+            <a:tileRect t="-100000" r="-100000"/>
+          </a:gradFill>
+          <a:ln>
+            <a:noFill/>
+          </a:ln>
+        </p:spPr>
+        <p:style>
+          <a:lnRef idx="2">
+            <a:schemeClr val="accent1">
+              <a:shade val="50000"/>
+            </a:schemeClr>
+          </a:lnRef>
+          <a:fillRef idx="1">
+            <a:schemeClr val="accent1"/>
+          </a:fillRef>
+          <a:effectRef idx="0">
+            <a:schemeClr val="accent1"/>
+          </a:effectRef>
+          <a:fontRef idx="minor">
+            <a:schemeClr val="lt1"/>
+          </a:fontRef>
+        </p:style>
+        <p:txBody>
+          <a:bodyPr rtlCol="0" anchor="ctr"/>
+          <a:lstStyle/>
+          <a:p>
+            <a:pPr algn="ctr"/>
+            <a:endParaRPr kumimoji="1" lang="ja-JP" altLang="en-US"/>
+          </a:p>
+        </p:txBody>
+      </p:sp>
+      <p:cxnSp>
+        <p:nvCxnSpPr>
+          <p:cNvPr id="11" name="直線コネクタ 10"/>
+          <p:cNvCxnSpPr/>
+          <p:nvPr/>
+        </p:nvCxnSpPr>
+        <p:spPr>
+          <a:xfrm>
+            <a:off x="1074183" y="2010729"/>
+            <a:ext cx="0" cy="2831182"/>
+          </a:xfrm>
+          <a:prstGeom prst="line">
+            <a:avLst/>
+          </a:prstGeom>
+          <a:ln w="292100">
+            <a:solidFill>
+              <a:schemeClr val="accent1"/>
+            </a:solidFill>
+          </a:ln>
+        </p:spPr>
+        <p:style>
+          <a:lnRef idx="3">
+            <a:schemeClr val="accent5"/>
+          </a:lnRef>
+          <a:fillRef idx="0">
+            <a:schemeClr val="accent5"/>
+          </a:fillRef>
+          <a:effectRef idx="2">
+            <a:schemeClr val="accent5"/>
+          </a:effectRef>
+          <a:fontRef idx="minor">
+            <a:schemeClr val="tx1"/>
+          </a:fontRef>
+        </p:style>
+      </p:cxnSp>
+      <p:sp>
+        <p:nvSpPr>
+          <p:cNvPr id="12" name="楕円 11"/>
+          <p:cNvSpPr/>
+          <p:nvPr/>
+        </p:nvSpPr>
+        <p:spPr>
+          <a:xfrm>
+            <a:off x="754143" y="1690689"/>
+            <a:ext cx="640080" cy="640080"/>
+          </a:xfrm>
+          <a:prstGeom prst="ellipse">
+            <a:avLst/>
+          </a:prstGeom>
+          <a:solidFill>
+            <a:schemeClr val="accent1"/>
+          </a:solidFill>
+          <a:ln>
+            <a:noFill/>
+          </a:ln>
+        </p:spPr>
+        <p:style>
+          <a:lnRef idx="2">
+            <a:schemeClr val="accent5">
+              <a:shade val="50000"/>
+            </a:schemeClr>
+          </a:lnRef>
+          <a:fillRef idx="1">
+            <a:schemeClr val="accent5"/>
+          </a:fillRef>
+          <a:effectRef idx="0">
+            <a:schemeClr val="accent5"/>
+          </a:effectRef>
+          <a:fontRef idx="minor">
+            <a:schemeClr val="lt1"/>
+          </a:fontRef>
+        </p:style>
+        <p:txBody>
+          <a:bodyPr rtlCol="0" anchor="ctr"/>
+          <a:lstStyle/>
+          <a:p>
+            <a:pPr algn="ctr"/>
+            <a:endParaRPr kumimoji="1" lang="ja-JP" altLang="en-US"/>
+          </a:p>
+        </p:txBody>
+      </p:sp>
+      <p:sp>
+        <p:nvSpPr>
+          <p:cNvPr id="13" name="楕円 12"/>
+          <p:cNvSpPr/>
+          <p:nvPr/>
+        </p:nvSpPr>
+        <p:spPr>
+          <a:xfrm>
+            <a:off x="754143" y="3106280"/>
+            <a:ext cx="640080" cy="640080"/>
+          </a:xfrm>
+          <a:prstGeom prst="ellipse">
+            <a:avLst/>
+          </a:prstGeom>
+          <a:solidFill>
+            <a:schemeClr val="accent1"/>
+          </a:solidFill>
+          <a:ln>
+            <a:noFill/>
+          </a:ln>
+        </p:spPr>
+        <p:style>
+          <a:lnRef idx="2">
+            <a:schemeClr val="accent5">
+              <a:shade val="50000"/>
+            </a:schemeClr>
+          </a:lnRef>
+          <a:fillRef idx="1">
+            <a:schemeClr val="accent5"/>
+          </a:fillRef>
+          <a:effectRef idx="0">
+            <a:schemeClr val="accent5"/>
+          </a:effectRef>
+          <a:fontRef idx="minor">
+            <a:schemeClr val="lt1"/>
+          </a:fontRef>
+        </p:style>
+        <p:txBody>
+          <a:bodyPr rtlCol="0" anchor="ctr"/>
+          <a:lstStyle/>
+          <a:p>
+            <a:pPr algn="ctr"/>
+            <a:endParaRPr kumimoji="1" lang="ja-JP" altLang="en-US"/>
+          </a:p>
+        </p:txBody>
+      </p:sp>
+      <p:sp>
+        <p:nvSpPr>
+          <p:cNvPr id="14" name="楕円 13"/>
+          <p:cNvSpPr/>
+          <p:nvPr/>
+        </p:nvSpPr>
+        <p:spPr>
+          <a:xfrm>
+            <a:off x="754143" y="4521871"/>
+            <a:ext cx="640080" cy="640080"/>
+          </a:xfrm>
+          <a:prstGeom prst="ellipse">
+            <a:avLst/>
+          </a:prstGeom>
+          <a:solidFill>
+            <a:schemeClr val="accent1"/>
+          </a:solidFill>
+          <a:ln>
+            <a:noFill/>
+          </a:ln>
+        </p:spPr>
+        <p:style>
+          <a:lnRef idx="2">
+            <a:schemeClr val="accent5">
+              <a:shade val="50000"/>
+            </a:schemeClr>
+          </a:lnRef>
+          <a:fillRef idx="1">
+            <a:schemeClr val="accent5"/>
+          </a:fillRef>
+          <a:effectRef idx="0">
+            <a:schemeClr val="accent5"/>
+          </a:effectRef>
+          <a:fontRef idx="minor">
+            <a:schemeClr val="lt1"/>
+          </a:fontRef>
+        </p:style>
+        <p:txBody>
+          <a:bodyPr rtlCol="0" anchor="ctr"/>
+          <a:lstStyle/>
+          <a:p>
+            <a:pPr algn="ctr"/>
+            <a:endParaRPr kumimoji="1" lang="ja-JP" altLang="en-US"/>
+          </a:p>
+        </p:txBody>
+      </p:sp>
+      <p:sp>
+        <p:nvSpPr>
+          <p:cNvPr id="15" name="楕円 14"/>
+          <p:cNvSpPr/>
+          <p:nvPr/>
+        </p:nvSpPr>
+        <p:spPr>
+          <a:xfrm>
+            <a:off x="1868107" y="4521871"/>
+            <a:ext cx="640080" cy="640080"/>
+          </a:xfrm>
+          <a:prstGeom prst="ellipse">
+            <a:avLst/>
+          </a:prstGeom>
+          <a:solidFill>
+            <a:schemeClr val="accent1"/>
+          </a:solidFill>
+          <a:ln>
+            <a:noFill/>
+          </a:ln>
+        </p:spPr>
+        <p:style>
+          <a:lnRef idx="2">
+            <a:schemeClr val="accent5">
+              <a:shade val="50000"/>
+            </a:schemeClr>
+          </a:lnRef>
+          <a:fillRef idx="1">
+            <a:schemeClr val="accent5"/>
+          </a:fillRef>
+          <a:effectRef idx="0">
+            <a:schemeClr val="accent5"/>
+          </a:effectRef>
+          <a:fontRef idx="minor">
+            <a:schemeClr val="lt1"/>
+          </a:fontRef>
+        </p:style>
+        <p:txBody>
+          <a:bodyPr rtlCol="0" anchor="ctr"/>
+          <a:lstStyle/>
+          <a:p>
+            <a:pPr algn="ctr"/>
+            <a:endParaRPr kumimoji="1" lang="ja-JP" altLang="en-US"/>
+          </a:p>
+        </p:txBody>
+      </p:sp>
+      <p:cxnSp>
+        <p:nvCxnSpPr>
+          <p:cNvPr id="16" name="直線コネクタ 15"/>
+          <p:cNvCxnSpPr/>
+          <p:nvPr/>
+        </p:nvCxnSpPr>
+        <p:spPr>
+          <a:xfrm>
+            <a:off x="1074183" y="3420901"/>
+            <a:ext cx="1113964" cy="1421010"/>
+          </a:xfrm>
+          <a:prstGeom prst="line">
+            <a:avLst/>
+          </a:prstGeom>
+          <a:ln w="292100">
+            <a:solidFill>
+              <a:schemeClr val="accent1"/>
+            </a:solidFill>
+          </a:ln>
+        </p:spPr>
+        <p:style>
+          <a:lnRef idx="3">
+            <a:schemeClr val="accent5"/>
+          </a:lnRef>
+          <a:fillRef idx="0">
+            <a:schemeClr val="accent5"/>
+          </a:fillRef>
+          <a:effectRef idx="2">
+            <a:schemeClr val="accent5"/>
+          </a:effectRef>
+          <a:fontRef idx="minor">
+            <a:schemeClr val="tx1"/>
+          </a:fontRef>
+        </p:style>
+      </p:cxnSp>
     </p:spTree>
     <p:extLst>
       <p:ext uri="{BB962C8B-B14F-4D97-AF65-F5344CB8AC3E}">
@@ -4990,6 +6104,391 @@
           </a:p>
         </p:txBody>
       </p:sp>
+      <p:sp>
+        <p:nvSpPr>
+          <p:cNvPr id="14" name="テキスト ボックス 13"/>
+          <p:cNvSpPr txBox="1"/>
+          <p:nvPr/>
+        </p:nvSpPr>
+        <p:spPr>
+          <a:xfrm>
+            <a:off x="1402674" y="6078255"/>
+            <a:ext cx="829073" cy="369332"/>
+          </a:xfrm>
+          <a:prstGeom prst="rect">
+            <a:avLst/>
+          </a:prstGeom>
+          <a:noFill/>
+        </p:spPr>
+        <p:txBody>
+          <a:bodyPr wrap="none" rtlCol="0">
+            <a:spAutoFit/>
+          </a:bodyPr>
+          <a:lstStyle/>
+          <a:p>
+            <a:r>
+              <a:rPr kumimoji="1" lang="en-US" altLang="ja-JP" dirty="0" smtClean="0">
+                <a:solidFill>
+                  <a:schemeClr val="tx1">
+                    <a:lumMod val="75000"/>
+                    <a:lumOff val="25000"/>
+                  </a:schemeClr>
+                </a:solidFill>
+                <a:latin typeface="源真ゴシック Heavy" panose="020B0702020203020207" pitchFamily="50" charset="-128"/>
+                <a:ea typeface="源真ゴシック Heavy" panose="020B0702020203020207" pitchFamily="50" charset="-128"/>
+                <a:cs typeface="源真ゴシック Heavy" panose="020B0702020203020207" pitchFamily="50" charset="-128"/>
+              </a:rPr>
+              <a:t>HEAD</a:t>
+            </a:r>
+            <a:endParaRPr kumimoji="1" lang="ja-JP" altLang="en-US" dirty="0">
+              <a:solidFill>
+                <a:schemeClr val="tx1">
+                  <a:lumMod val="75000"/>
+                  <a:lumOff val="25000"/>
+                </a:schemeClr>
+              </a:solidFill>
+              <a:latin typeface="源真ゴシック Heavy" panose="020B0702020203020207" pitchFamily="50" charset="-128"/>
+              <a:ea typeface="源真ゴシック Heavy" panose="020B0702020203020207" pitchFamily="50" charset="-128"/>
+              <a:cs typeface="源真ゴシック Heavy" panose="020B0702020203020207" pitchFamily="50" charset="-128"/>
+            </a:endParaRPr>
+          </a:p>
+        </p:txBody>
+      </p:sp>
+      <p:cxnSp>
+        <p:nvCxnSpPr>
+          <p:cNvPr id="16" name="直線コネクタ 15"/>
+          <p:cNvCxnSpPr/>
+          <p:nvPr/>
+        </p:nvCxnSpPr>
+        <p:spPr>
+          <a:xfrm>
+            <a:off x="1074183" y="2010729"/>
+            <a:ext cx="0" cy="4245388"/>
+          </a:xfrm>
+          <a:prstGeom prst="line">
+            <a:avLst/>
+          </a:prstGeom>
+          <a:ln w="292100">
+            <a:solidFill>
+              <a:schemeClr val="accent1"/>
+            </a:solidFill>
+          </a:ln>
+        </p:spPr>
+        <p:style>
+          <a:lnRef idx="3">
+            <a:schemeClr val="accent5"/>
+          </a:lnRef>
+          <a:fillRef idx="0">
+            <a:schemeClr val="accent5"/>
+          </a:fillRef>
+          <a:effectRef idx="2">
+            <a:schemeClr val="accent5"/>
+          </a:effectRef>
+          <a:fontRef idx="minor">
+            <a:schemeClr val="tx1"/>
+          </a:fontRef>
+        </p:style>
+      </p:cxnSp>
+      <p:sp>
+        <p:nvSpPr>
+          <p:cNvPr id="17" name="楕円 16"/>
+          <p:cNvSpPr/>
+          <p:nvPr/>
+        </p:nvSpPr>
+        <p:spPr>
+          <a:xfrm>
+            <a:off x="754143" y="1690689"/>
+            <a:ext cx="640080" cy="640080"/>
+          </a:xfrm>
+          <a:prstGeom prst="ellipse">
+            <a:avLst/>
+          </a:prstGeom>
+          <a:solidFill>
+            <a:schemeClr val="accent1"/>
+          </a:solidFill>
+          <a:ln>
+            <a:noFill/>
+          </a:ln>
+        </p:spPr>
+        <p:style>
+          <a:lnRef idx="2">
+            <a:schemeClr val="accent5">
+              <a:shade val="50000"/>
+            </a:schemeClr>
+          </a:lnRef>
+          <a:fillRef idx="1">
+            <a:schemeClr val="accent5"/>
+          </a:fillRef>
+          <a:effectRef idx="0">
+            <a:schemeClr val="accent5"/>
+          </a:effectRef>
+          <a:fontRef idx="minor">
+            <a:schemeClr val="lt1"/>
+          </a:fontRef>
+        </p:style>
+        <p:txBody>
+          <a:bodyPr rtlCol="0" anchor="ctr"/>
+          <a:lstStyle/>
+          <a:p>
+            <a:pPr algn="ctr"/>
+            <a:endParaRPr kumimoji="1" lang="ja-JP" altLang="en-US"/>
+          </a:p>
+        </p:txBody>
+      </p:sp>
+      <p:sp>
+        <p:nvSpPr>
+          <p:cNvPr id="18" name="楕円 17"/>
+          <p:cNvSpPr/>
+          <p:nvPr/>
+        </p:nvSpPr>
+        <p:spPr>
+          <a:xfrm>
+            <a:off x="754143" y="3106280"/>
+            <a:ext cx="640080" cy="640080"/>
+          </a:xfrm>
+          <a:prstGeom prst="ellipse">
+            <a:avLst/>
+          </a:prstGeom>
+          <a:solidFill>
+            <a:schemeClr val="accent1"/>
+          </a:solidFill>
+          <a:ln>
+            <a:noFill/>
+          </a:ln>
+        </p:spPr>
+        <p:style>
+          <a:lnRef idx="2">
+            <a:schemeClr val="accent5">
+              <a:shade val="50000"/>
+            </a:schemeClr>
+          </a:lnRef>
+          <a:fillRef idx="1">
+            <a:schemeClr val="accent5"/>
+          </a:fillRef>
+          <a:effectRef idx="0">
+            <a:schemeClr val="accent5"/>
+          </a:effectRef>
+          <a:fontRef idx="minor">
+            <a:schemeClr val="lt1"/>
+          </a:fontRef>
+        </p:style>
+        <p:txBody>
+          <a:bodyPr rtlCol="0" anchor="ctr"/>
+          <a:lstStyle/>
+          <a:p>
+            <a:pPr algn="ctr"/>
+            <a:endParaRPr kumimoji="1" lang="ja-JP" altLang="en-US"/>
+          </a:p>
+        </p:txBody>
+      </p:sp>
+      <p:sp>
+        <p:nvSpPr>
+          <p:cNvPr id="19" name="楕円 18"/>
+          <p:cNvSpPr/>
+          <p:nvPr/>
+        </p:nvSpPr>
+        <p:spPr>
+          <a:xfrm>
+            <a:off x="754143" y="4521871"/>
+            <a:ext cx="640080" cy="640080"/>
+          </a:xfrm>
+          <a:prstGeom prst="ellipse">
+            <a:avLst/>
+          </a:prstGeom>
+          <a:solidFill>
+            <a:schemeClr val="accent1"/>
+          </a:solidFill>
+          <a:ln>
+            <a:noFill/>
+          </a:ln>
+        </p:spPr>
+        <p:style>
+          <a:lnRef idx="2">
+            <a:schemeClr val="accent5">
+              <a:shade val="50000"/>
+            </a:schemeClr>
+          </a:lnRef>
+          <a:fillRef idx="1">
+            <a:schemeClr val="accent5"/>
+          </a:fillRef>
+          <a:effectRef idx="0">
+            <a:schemeClr val="accent5"/>
+          </a:effectRef>
+          <a:fontRef idx="minor">
+            <a:schemeClr val="lt1"/>
+          </a:fontRef>
+        </p:style>
+        <p:txBody>
+          <a:bodyPr rtlCol="0" anchor="ctr"/>
+          <a:lstStyle/>
+          <a:p>
+            <a:pPr algn="ctr"/>
+            <a:endParaRPr kumimoji="1" lang="ja-JP" altLang="en-US"/>
+          </a:p>
+        </p:txBody>
+      </p:sp>
+      <p:sp>
+        <p:nvSpPr>
+          <p:cNvPr id="20" name="楕円 19"/>
+          <p:cNvSpPr/>
+          <p:nvPr/>
+        </p:nvSpPr>
+        <p:spPr>
+          <a:xfrm>
+            <a:off x="1868107" y="4521871"/>
+            <a:ext cx="640080" cy="640080"/>
+          </a:xfrm>
+          <a:prstGeom prst="ellipse">
+            <a:avLst/>
+          </a:prstGeom>
+          <a:solidFill>
+            <a:schemeClr val="accent1"/>
+          </a:solidFill>
+          <a:ln>
+            <a:noFill/>
+          </a:ln>
+        </p:spPr>
+        <p:style>
+          <a:lnRef idx="2">
+            <a:schemeClr val="accent5">
+              <a:shade val="50000"/>
+            </a:schemeClr>
+          </a:lnRef>
+          <a:fillRef idx="1">
+            <a:schemeClr val="accent5"/>
+          </a:fillRef>
+          <a:effectRef idx="0">
+            <a:schemeClr val="accent5"/>
+          </a:effectRef>
+          <a:fontRef idx="minor">
+            <a:schemeClr val="lt1"/>
+          </a:fontRef>
+        </p:style>
+        <p:txBody>
+          <a:bodyPr rtlCol="0" anchor="ctr"/>
+          <a:lstStyle/>
+          <a:p>
+            <a:pPr algn="ctr"/>
+            <a:endParaRPr kumimoji="1" lang="ja-JP" altLang="en-US"/>
+          </a:p>
+        </p:txBody>
+      </p:sp>
+      <p:cxnSp>
+        <p:nvCxnSpPr>
+          <p:cNvPr id="21" name="直線コネクタ 20"/>
+          <p:cNvCxnSpPr/>
+          <p:nvPr/>
+        </p:nvCxnSpPr>
+        <p:spPr>
+          <a:xfrm>
+            <a:off x="1074183" y="3420901"/>
+            <a:ext cx="1113964" cy="1421010"/>
+          </a:xfrm>
+          <a:prstGeom prst="line">
+            <a:avLst/>
+          </a:prstGeom>
+          <a:ln w="292100">
+            <a:solidFill>
+              <a:schemeClr val="accent1"/>
+            </a:solidFill>
+          </a:ln>
+        </p:spPr>
+        <p:style>
+          <a:lnRef idx="3">
+            <a:schemeClr val="accent5"/>
+          </a:lnRef>
+          <a:fillRef idx="0">
+            <a:schemeClr val="accent5"/>
+          </a:fillRef>
+          <a:effectRef idx="2">
+            <a:schemeClr val="accent5"/>
+          </a:effectRef>
+          <a:fontRef idx="minor">
+            <a:schemeClr val="tx1"/>
+          </a:fontRef>
+        </p:style>
+      </p:cxnSp>
+      <p:sp>
+        <p:nvSpPr>
+          <p:cNvPr id="22" name="楕円 21"/>
+          <p:cNvSpPr/>
+          <p:nvPr/>
+        </p:nvSpPr>
+        <p:spPr>
+          <a:xfrm>
+            <a:off x="754143" y="5936077"/>
+            <a:ext cx="640080" cy="640080"/>
+          </a:xfrm>
+          <a:prstGeom prst="ellipse">
+            <a:avLst/>
+          </a:prstGeom>
+          <a:solidFill>
+            <a:schemeClr val="accent1"/>
+          </a:solidFill>
+          <a:ln>
+            <a:noFill/>
+          </a:ln>
+        </p:spPr>
+        <p:style>
+          <a:lnRef idx="2">
+            <a:schemeClr val="accent5">
+              <a:shade val="50000"/>
+            </a:schemeClr>
+          </a:lnRef>
+          <a:fillRef idx="1">
+            <a:schemeClr val="accent5"/>
+          </a:fillRef>
+          <a:effectRef idx="0">
+            <a:schemeClr val="accent5"/>
+          </a:effectRef>
+          <a:fontRef idx="minor">
+            <a:schemeClr val="lt1"/>
+          </a:fontRef>
+        </p:style>
+        <p:txBody>
+          <a:bodyPr rtlCol="0" anchor="ctr"/>
+          <a:lstStyle/>
+          <a:p>
+            <a:pPr algn="ctr"/>
+            <a:endParaRPr kumimoji="1" lang="ja-JP" altLang="en-US"/>
+          </a:p>
+        </p:txBody>
+      </p:sp>
+      <p:cxnSp>
+        <p:nvCxnSpPr>
+          <p:cNvPr id="23" name="直線コネクタ 22"/>
+          <p:cNvCxnSpPr/>
+          <p:nvPr/>
+        </p:nvCxnSpPr>
+        <p:spPr>
+          <a:xfrm flipV="1">
+            <a:off x="1065732" y="4841911"/>
+            <a:ext cx="1122415" cy="1414206"/>
+          </a:xfrm>
+          <a:prstGeom prst="line">
+            <a:avLst/>
+          </a:prstGeom>
+          <a:ln w="292100">
+            <a:solidFill>
+              <a:schemeClr val="accent1"/>
+            </a:solidFill>
+          </a:ln>
+        </p:spPr>
+        <p:style>
+          <a:lnRef idx="3">
+            <a:schemeClr val="accent5"/>
+          </a:lnRef>
+          <a:fillRef idx="0">
+            <a:schemeClr val="accent5"/>
+          </a:fillRef>
+          <a:effectRef idx="2">
+            <a:schemeClr val="accent5"/>
+          </a:effectRef>
+          <a:fontRef idx="minor">
+            <a:schemeClr val="tx1"/>
+          </a:fontRef>
+        </p:style>
+      </p:cxnSp>
     </p:spTree>
     <p:extLst>
       <p:ext uri="{BB962C8B-B14F-4D97-AF65-F5344CB8AC3E}">

--- a/slide/part2.pptx
+++ b/slide/part2.pptx
@@ -251,7 +251,7 @@
           <a:p>
             <a:fld id="{A6E431DA-83A9-BA4B-A104-448117B2FB99}" type="datetimeFigureOut">
               <a:rPr kumimoji="1" lang="ja-JP" altLang="en-US" smtClean="0"/>
-              <a:t>2018/7/11</a:t>
+              <a:t>2018/7/12</a:t>
             </a:fld>
             <a:endParaRPr kumimoji="1" lang="ja-JP" altLang="en-US"/>
           </a:p>
@@ -461,7 +461,7 @@
           <a:p>
             <a:fld id="{A6E431DA-83A9-BA4B-A104-448117B2FB99}" type="datetimeFigureOut">
               <a:rPr kumimoji="1" lang="ja-JP" altLang="en-US" smtClean="0"/>
-              <a:t>2018/7/11</a:t>
+              <a:t>2018/7/12</a:t>
             </a:fld>
             <a:endParaRPr kumimoji="1" lang="ja-JP" altLang="en-US"/>
           </a:p>
@@ -649,7 +649,7 @@
           <a:p>
             <a:fld id="{A6E431DA-83A9-BA4B-A104-448117B2FB99}" type="datetimeFigureOut">
               <a:rPr kumimoji="1" lang="ja-JP" altLang="en-US" smtClean="0"/>
-              <a:t>2018/7/11</a:t>
+              <a:t>2018/7/12</a:t>
             </a:fld>
             <a:endParaRPr kumimoji="1" lang="ja-JP" altLang="en-US"/>
           </a:p>
@@ -827,7 +827,7 @@
           <a:p>
             <a:fld id="{A6E431DA-83A9-BA4B-A104-448117B2FB99}" type="datetimeFigureOut">
               <a:rPr kumimoji="1" lang="ja-JP" altLang="en-US" smtClean="0"/>
-              <a:t>2018/7/11</a:t>
+              <a:t>2018/7/12</a:t>
             </a:fld>
             <a:endParaRPr kumimoji="1" lang="ja-JP" altLang="en-US"/>
           </a:p>
@@ -1138,7 +1138,7 @@
           <a:p>
             <a:fld id="{A6E431DA-83A9-BA4B-A104-448117B2FB99}" type="datetimeFigureOut">
               <a:rPr kumimoji="1" lang="ja-JP" altLang="en-US" smtClean="0"/>
-              <a:t>2018/7/11</a:t>
+              <a:t>2018/7/12</a:t>
             </a:fld>
             <a:endParaRPr kumimoji="1" lang="ja-JP" altLang="en-US"/>
           </a:p>
@@ -1386,7 +1386,7 @@
           <a:p>
             <a:fld id="{A6E431DA-83A9-BA4B-A104-448117B2FB99}" type="datetimeFigureOut">
               <a:rPr kumimoji="1" lang="ja-JP" altLang="en-US" smtClean="0"/>
-              <a:t>2018/7/11</a:t>
+              <a:t>2018/7/12</a:t>
             </a:fld>
             <a:endParaRPr kumimoji="1" lang="ja-JP" altLang="en-US"/>
           </a:p>
@@ -1843,7 +1843,7 @@
           <a:p>
             <a:fld id="{A6E431DA-83A9-BA4B-A104-448117B2FB99}" type="datetimeFigureOut">
               <a:rPr kumimoji="1" lang="ja-JP" altLang="en-US" smtClean="0"/>
-              <a:t>2018/7/11</a:t>
+              <a:t>2018/7/12</a:t>
             </a:fld>
             <a:endParaRPr kumimoji="1" lang="ja-JP" altLang="en-US"/>
           </a:p>
@@ -1961,7 +1961,7 @@
           <a:p>
             <a:fld id="{A6E431DA-83A9-BA4B-A104-448117B2FB99}" type="datetimeFigureOut">
               <a:rPr kumimoji="1" lang="ja-JP" altLang="en-US" smtClean="0"/>
-              <a:t>2018/7/11</a:t>
+              <a:t>2018/7/12</a:t>
             </a:fld>
             <a:endParaRPr kumimoji="1" lang="ja-JP" altLang="en-US"/>
           </a:p>
@@ -2086,7 +2086,7 @@
           <a:p>
             <a:fld id="{A6E431DA-83A9-BA4B-A104-448117B2FB99}" type="datetimeFigureOut">
               <a:rPr kumimoji="1" lang="ja-JP" altLang="en-US" smtClean="0"/>
-              <a:t>2018/7/11</a:t>
+              <a:t>2018/7/12</a:t>
             </a:fld>
             <a:endParaRPr kumimoji="1" lang="ja-JP" altLang="en-US"/>
           </a:p>
@@ -2438,7 +2438,7 @@
           <a:p>
             <a:fld id="{A6E431DA-83A9-BA4B-A104-448117B2FB99}" type="datetimeFigureOut">
               <a:rPr kumimoji="1" lang="ja-JP" altLang="en-US" smtClean="0"/>
-              <a:t>2018/7/11</a:t>
+              <a:t>2018/7/12</a:t>
             </a:fld>
             <a:endParaRPr kumimoji="1" lang="ja-JP" altLang="en-US"/>
           </a:p>
@@ -2732,7 +2732,7 @@
           <a:p>
             <a:fld id="{A6E431DA-83A9-BA4B-A104-448117B2FB99}" type="datetimeFigureOut">
               <a:rPr kumimoji="1" lang="ja-JP" altLang="en-US" smtClean="0"/>
-              <a:t>2018/7/11</a:t>
+              <a:t>2018/7/12</a:t>
             </a:fld>
             <a:endParaRPr kumimoji="1" lang="ja-JP" altLang="en-US"/>
           </a:p>
@@ -2953,7 +2953,7 @@
           <a:p>
             <a:fld id="{A6E431DA-83A9-BA4B-A104-448117B2FB99}" type="datetimeFigureOut">
               <a:rPr kumimoji="1" lang="ja-JP" altLang="en-US" smtClean="0"/>
-              <a:t>2018/7/11</a:t>
+              <a:t>2018/7/12</a:t>
             </a:fld>
             <a:endParaRPr kumimoji="1" lang="ja-JP" altLang="en-US"/>
           </a:p>
@@ -3473,14 +3473,6 @@
               </a:rPr>
               <a:t>git</a:t>
             </a:r>
-            <a:r>
-              <a:rPr lang="en-US" altLang="ja-JP" sz="8000" b="1" dirty="0">
-                <a:latin typeface="Gen Shin Gothic" panose="020B0402020203020207" pitchFamily="34" charset="-128"/>
-                <a:ea typeface="Gen Shin Gothic" panose="020B0402020203020207" pitchFamily="34" charset="-128"/>
-                <a:cs typeface="Gen Shin Gothic" panose="020B0402020203020207" pitchFamily="34" charset="-128"/>
-              </a:rPr>
-              <a:t/>
-            </a:r>
             <a:br>
               <a:rPr lang="en-US" altLang="ja-JP" sz="8000" b="1" dirty="0">
                 <a:latin typeface="Gen Shin Gothic" panose="020B0402020203020207" pitchFamily="34" charset="-128"/>
@@ -3655,14 +3647,6 @@
               </a:rPr>
               <a:t>art 2</a:t>
             </a:r>
-            <a:r>
-              <a:rPr kumimoji="1" lang="en-US" altLang="ja-JP" sz="8000" b="1" dirty="0">
-                <a:latin typeface="Gen Shin Gothic" panose="020B0402020203020207" pitchFamily="34" charset="-128"/>
-                <a:ea typeface="Gen Shin Gothic" panose="020B0402020203020207" pitchFamily="34" charset="-128"/>
-                <a:cs typeface="Gen Shin Gothic" panose="020B0402020203020207" pitchFamily="34" charset="-128"/>
-              </a:rPr>
-              <a:t/>
-            </a:r>
             <a:br>
               <a:rPr kumimoji="1" lang="en-US" altLang="ja-JP" sz="8000" b="1" dirty="0">
                 <a:latin typeface="Gen Shin Gothic" panose="020B0402020203020207" pitchFamily="34" charset="-128"/>
@@ -3672,6 +3656,9 @@
             </a:br>
             <a:r>
               <a:rPr lang="en" altLang="ja-JP" sz="8000" b="1" dirty="0">
+                <a:solidFill>
+                  <a:schemeClr val="accent1"/>
+                </a:solidFill>
                 <a:latin typeface="Gen Shin Gothic" panose="020B0402020203020207" pitchFamily="34" charset="-128"/>
                 <a:ea typeface="Gen Shin Gothic" panose="020B0402020203020207" pitchFamily="34" charset="-128"/>
                 <a:cs typeface="Gen Shin Gothic" panose="020B0402020203020207" pitchFamily="34" charset="-128"/>
@@ -4986,7 +4973,7 @@
           <a:lstStyle/>
           <a:p>
             <a:r>
-              <a:rPr kumimoji="1" lang="en-US" altLang="ja-JP" dirty="0" smtClean="0">
+              <a:rPr kumimoji="1" lang="en-US" altLang="ja-JP" dirty="0">
                 <a:solidFill>
                   <a:schemeClr val="tx1">
                     <a:lumMod val="75000"/>
@@ -5036,7 +5023,7 @@
           <a:lstStyle/>
           <a:p>
             <a:r>
-              <a:rPr kumimoji="1" lang="en-US" altLang="ja-JP" dirty="0" smtClean="0">
+              <a:rPr kumimoji="1" lang="en-US" altLang="ja-JP" dirty="0">
                 <a:solidFill>
                   <a:schemeClr val="bg1">
                     <a:lumMod val="75000"/>
@@ -5224,7 +5211,7 @@
           <a:lstStyle/>
           <a:p>
             <a:r>
-              <a:rPr kumimoji="1" lang="en-US" altLang="ja-JP" dirty="0" smtClean="0">
+              <a:rPr kumimoji="1" lang="en-US" altLang="ja-JP" dirty="0">
                 <a:solidFill>
                   <a:schemeClr val="bg1">
                     <a:lumMod val="75000"/>
@@ -5272,7 +5259,7 @@
           <a:lstStyle/>
           <a:p>
             <a:r>
-              <a:rPr kumimoji="1" lang="en-US" altLang="ja-JP" dirty="0" smtClean="0">
+              <a:rPr kumimoji="1" lang="en-US" altLang="ja-JP" dirty="0">
                 <a:solidFill>
                   <a:schemeClr val="tx1">
                     <a:lumMod val="75000"/>
@@ -5635,7 +5622,7 @@
           <a:lstStyle/>
           <a:p>
             <a:r>
-              <a:rPr kumimoji="1" lang="en-US" altLang="ja-JP" dirty="0" smtClean="0">
+              <a:rPr kumimoji="1" lang="en-US" altLang="ja-JP" dirty="0">
                 <a:solidFill>
                   <a:schemeClr val="tx1">
                     <a:lumMod val="75000"/>
@@ -5685,7 +5672,7 @@
           <a:lstStyle/>
           <a:p>
             <a:r>
-              <a:rPr kumimoji="1" lang="en-US" altLang="ja-JP" dirty="0" smtClean="0">
+              <a:rPr kumimoji="1" lang="en-US" altLang="ja-JP" dirty="0">
                 <a:solidFill>
                   <a:schemeClr val="bg1">
                     <a:lumMod val="75000"/>
@@ -6127,7 +6114,7 @@
           <a:lstStyle/>
           <a:p>
             <a:r>
-              <a:rPr kumimoji="1" lang="en-US" altLang="ja-JP" dirty="0" smtClean="0">
+              <a:rPr kumimoji="1" lang="en-US" altLang="ja-JP" dirty="0">
                 <a:solidFill>
                   <a:schemeClr val="tx1">
                     <a:lumMod val="75000"/>

--- a/slide/part2.pptx
+++ b/slide/part2.pptx
@@ -11,9 +11,12 @@
     <p:sldId id="269" r:id="rId5"/>
     <p:sldId id="260" r:id="rId6"/>
     <p:sldId id="270" r:id="rId7"/>
-    <p:sldId id="271" r:id="rId8"/>
-    <p:sldId id="272" r:id="rId9"/>
-    <p:sldId id="268" r:id="rId10"/>
+    <p:sldId id="273" r:id="rId8"/>
+    <p:sldId id="271" r:id="rId9"/>
+    <p:sldId id="274" r:id="rId10"/>
+    <p:sldId id="275" r:id="rId11"/>
+    <p:sldId id="272" r:id="rId12"/>
+    <p:sldId id="268" r:id="rId13"/>
   </p:sldIdLst>
   <p:sldSz cx="9144000" cy="6858000" type="screen4x3"/>
   <p:notesSz cx="6858000" cy="9144000"/>
@@ -3575,6 +3578,2521 @@
 </p:sld>
 </file>
 
+<file path=ppt/slides/slide10.xml><?xml version="1.0" encoding="utf-8"?>
+<p:sld xmlns:a="http://schemas.openxmlformats.org/drawingml/2006/main" xmlns:r="http://schemas.openxmlformats.org/officeDocument/2006/relationships" xmlns:p="http://schemas.openxmlformats.org/presentationml/2006/main">
+  <p:cSld>
+    <p:spTree>
+      <p:nvGrpSpPr>
+        <p:cNvPr id="1" name=""/>
+        <p:cNvGrpSpPr/>
+        <p:nvPr/>
+      </p:nvGrpSpPr>
+      <p:grpSpPr>
+        <a:xfrm>
+          <a:off x="0" y="0"/>
+          <a:ext cx="0" cy="0"/>
+          <a:chOff x="0" y="0"/>
+          <a:chExt cx="0" cy="0"/>
+        </a:xfrm>
+      </p:grpSpPr>
+      <p:sp>
+        <p:nvSpPr>
+          <p:cNvPr id="3" name="タイトル 1">
+            <a:extLst>
+              <a:ext uri="{FF2B5EF4-FFF2-40B4-BE49-F238E27FC236}">
+                <a16:creationId xmlns:a16="http://schemas.microsoft.com/office/drawing/2014/main" id="{C42FD8D5-0E8E-5E41-8BF1-95C92D30AA3A}"/>
+              </a:ext>
+            </a:extLst>
+          </p:cNvPr>
+          <p:cNvSpPr>
+            <a:spLocks noGrp="1"/>
+          </p:cNvSpPr>
+          <p:nvPr>
+            <p:ph type="title"/>
+          </p:nvPr>
+        </p:nvSpPr>
+        <p:spPr>
+          <a:xfrm>
+            <a:off x="628650" y="365126"/>
+            <a:ext cx="7886700" cy="1325563"/>
+          </a:xfrm>
+        </p:spPr>
+        <p:txBody>
+          <a:bodyPr/>
+          <a:lstStyle/>
+          <a:p>
+            <a:r>
+              <a:rPr lang="ja-JP" altLang="en-US">
+                <a:latin typeface="Gen Shin Gothic Medium" panose="020B0402020203020207" pitchFamily="34" charset="-128"/>
+                <a:ea typeface="Gen Shin Gothic Medium" panose="020B0402020203020207" pitchFamily="34" charset="-128"/>
+                <a:cs typeface="Gen Shin Gothic Medium" panose="020B0402020203020207" pitchFamily="34" charset="-128"/>
+              </a:rPr>
+              <a:t>パラレルワールド</a:t>
+            </a:r>
+            <a:endParaRPr kumimoji="1" lang="ja-JP" altLang="en-US">
+              <a:latin typeface="Gen Shin Gothic Medium" panose="020B0402020203020207" pitchFamily="34" charset="-128"/>
+              <a:ea typeface="Gen Shin Gothic Medium" panose="020B0402020203020207" pitchFamily="34" charset="-128"/>
+              <a:cs typeface="Gen Shin Gothic Medium" panose="020B0402020203020207" pitchFamily="34" charset="-128"/>
+            </a:endParaRPr>
+          </a:p>
+        </p:txBody>
+      </p:sp>
+      <p:sp>
+        <p:nvSpPr>
+          <p:cNvPr id="8" name="テキスト ボックス 7"/>
+          <p:cNvSpPr txBox="1"/>
+          <p:nvPr/>
+        </p:nvSpPr>
+        <p:spPr>
+          <a:xfrm>
+            <a:off x="2567534" y="4657245"/>
+            <a:ext cx="829073" cy="369332"/>
+          </a:xfrm>
+          <a:prstGeom prst="rect">
+            <a:avLst/>
+          </a:prstGeom>
+          <a:noFill/>
+        </p:spPr>
+        <p:txBody>
+          <a:bodyPr wrap="none" rtlCol="0">
+            <a:spAutoFit/>
+          </a:bodyPr>
+          <a:lstStyle/>
+          <a:p>
+            <a:r>
+              <a:rPr kumimoji="1" lang="en-US" altLang="ja-JP" dirty="0">
+                <a:solidFill>
+                  <a:schemeClr val="tx1">
+                    <a:lumMod val="75000"/>
+                    <a:lumOff val="25000"/>
+                  </a:schemeClr>
+                </a:solidFill>
+                <a:latin typeface="源真ゴシック Heavy" panose="020B0702020203020207" pitchFamily="50" charset="-128"/>
+                <a:ea typeface="源真ゴシック Heavy" panose="020B0702020203020207" pitchFamily="50" charset="-128"/>
+                <a:cs typeface="源真ゴシック Heavy" panose="020B0702020203020207" pitchFamily="50" charset="-128"/>
+              </a:rPr>
+              <a:t>HEAD</a:t>
+            </a:r>
+            <a:endParaRPr kumimoji="1" lang="ja-JP" altLang="en-US" dirty="0">
+              <a:solidFill>
+                <a:schemeClr val="tx1">
+                  <a:lumMod val="75000"/>
+                  <a:lumOff val="25000"/>
+                </a:schemeClr>
+              </a:solidFill>
+              <a:latin typeface="源真ゴシック Heavy" panose="020B0702020203020207" pitchFamily="50" charset="-128"/>
+              <a:ea typeface="源真ゴシック Heavy" panose="020B0702020203020207" pitchFamily="50" charset="-128"/>
+              <a:cs typeface="源真ゴシック Heavy" panose="020B0702020203020207" pitchFamily="50" charset="-128"/>
+            </a:endParaRPr>
+          </a:p>
+        </p:txBody>
+      </p:sp>
+      <p:sp>
+        <p:nvSpPr>
+          <p:cNvPr id="9" name="テキスト ボックス 8"/>
+          <p:cNvSpPr txBox="1"/>
+          <p:nvPr/>
+        </p:nvSpPr>
+        <p:spPr>
+          <a:xfrm>
+            <a:off x="1394223" y="3240337"/>
+            <a:ext cx="829073" cy="369332"/>
+          </a:xfrm>
+          <a:prstGeom prst="rect">
+            <a:avLst/>
+          </a:prstGeom>
+          <a:noFill/>
+        </p:spPr>
+        <p:txBody>
+          <a:bodyPr wrap="none" rtlCol="0">
+            <a:spAutoFit/>
+          </a:bodyPr>
+          <a:lstStyle/>
+          <a:p>
+            <a:r>
+              <a:rPr kumimoji="1" lang="en-US" altLang="ja-JP" dirty="0">
+                <a:solidFill>
+                  <a:schemeClr val="bg1">
+                    <a:lumMod val="75000"/>
+                  </a:schemeClr>
+                </a:solidFill>
+                <a:latin typeface="源真ゴシック Heavy" panose="020B0702020203020207" pitchFamily="50" charset="-128"/>
+                <a:ea typeface="源真ゴシック Heavy" panose="020B0702020203020207" pitchFamily="50" charset="-128"/>
+                <a:cs typeface="源真ゴシック Heavy" panose="020B0702020203020207" pitchFamily="50" charset="-128"/>
+              </a:rPr>
+              <a:t>HEAD</a:t>
+            </a:r>
+            <a:endParaRPr kumimoji="1" lang="ja-JP" altLang="en-US" dirty="0">
+              <a:solidFill>
+                <a:schemeClr val="bg1">
+                  <a:lumMod val="75000"/>
+                </a:schemeClr>
+              </a:solidFill>
+              <a:latin typeface="源真ゴシック Heavy" panose="020B0702020203020207" pitchFamily="50" charset="-128"/>
+              <a:ea typeface="源真ゴシック Heavy" panose="020B0702020203020207" pitchFamily="50" charset="-128"/>
+              <a:cs typeface="源真ゴシック Heavy" panose="020B0702020203020207" pitchFamily="50" charset="-128"/>
+            </a:endParaRPr>
+          </a:p>
+        </p:txBody>
+      </p:sp>
+      <p:sp>
+        <p:nvSpPr>
+          <p:cNvPr id="10" name="右矢印 9"/>
+          <p:cNvSpPr/>
+          <p:nvPr/>
+        </p:nvSpPr>
+        <p:spPr>
+          <a:xfrm rot="2966908" flipV="1">
+            <a:off x="2037808" y="3940497"/>
+            <a:ext cx="620721" cy="250546"/>
+          </a:xfrm>
+          <a:prstGeom prst="rightArrow">
+            <a:avLst>
+              <a:gd name="adj1" fmla="val 50000"/>
+              <a:gd name="adj2" fmla="val 80099"/>
+            </a:avLst>
+          </a:prstGeom>
+          <a:gradFill flip="none" rotWithShape="1">
+            <a:gsLst>
+              <a:gs pos="0">
+                <a:schemeClr val="tx1"/>
+              </a:gs>
+              <a:gs pos="38000">
+                <a:schemeClr val="tx1">
+                  <a:lumMod val="75000"/>
+                  <a:lumOff val="25000"/>
+                </a:schemeClr>
+              </a:gs>
+              <a:gs pos="100000">
+                <a:schemeClr val="bg1">
+                  <a:lumMod val="95000"/>
+                </a:schemeClr>
+              </a:gs>
+            </a:gsLst>
+            <a:path path="circle">
+              <a:fillToRect l="100000" b="100000"/>
+            </a:path>
+            <a:tileRect t="-100000" r="-100000"/>
+          </a:gradFill>
+          <a:ln>
+            <a:noFill/>
+          </a:ln>
+        </p:spPr>
+        <p:style>
+          <a:lnRef idx="2">
+            <a:schemeClr val="accent1">
+              <a:shade val="50000"/>
+            </a:schemeClr>
+          </a:lnRef>
+          <a:fillRef idx="1">
+            <a:schemeClr val="accent1"/>
+          </a:fillRef>
+          <a:effectRef idx="0">
+            <a:schemeClr val="accent1"/>
+          </a:effectRef>
+          <a:fontRef idx="minor">
+            <a:schemeClr val="lt1"/>
+          </a:fontRef>
+        </p:style>
+        <p:txBody>
+          <a:bodyPr rtlCol="0" anchor="ctr"/>
+          <a:lstStyle/>
+          <a:p>
+            <a:pPr algn="ctr"/>
+            <a:endParaRPr kumimoji="1" lang="ja-JP" altLang="en-US"/>
+          </a:p>
+        </p:txBody>
+      </p:sp>
+      <p:cxnSp>
+        <p:nvCxnSpPr>
+          <p:cNvPr id="11" name="直線コネクタ 10"/>
+          <p:cNvCxnSpPr/>
+          <p:nvPr/>
+        </p:nvCxnSpPr>
+        <p:spPr>
+          <a:xfrm>
+            <a:off x="1074183" y="2010729"/>
+            <a:ext cx="0" cy="2831182"/>
+          </a:xfrm>
+          <a:prstGeom prst="line">
+            <a:avLst/>
+          </a:prstGeom>
+          <a:ln w="292100">
+            <a:solidFill>
+              <a:schemeClr val="accent1"/>
+            </a:solidFill>
+          </a:ln>
+        </p:spPr>
+        <p:style>
+          <a:lnRef idx="3">
+            <a:schemeClr val="accent5"/>
+          </a:lnRef>
+          <a:fillRef idx="0">
+            <a:schemeClr val="accent5"/>
+          </a:fillRef>
+          <a:effectRef idx="2">
+            <a:schemeClr val="accent5"/>
+          </a:effectRef>
+          <a:fontRef idx="minor">
+            <a:schemeClr val="tx1"/>
+          </a:fontRef>
+        </p:style>
+      </p:cxnSp>
+      <p:sp>
+        <p:nvSpPr>
+          <p:cNvPr id="12" name="楕円 11"/>
+          <p:cNvSpPr/>
+          <p:nvPr/>
+        </p:nvSpPr>
+        <p:spPr>
+          <a:xfrm>
+            <a:off x="754143" y="1690689"/>
+            <a:ext cx="640080" cy="640080"/>
+          </a:xfrm>
+          <a:prstGeom prst="ellipse">
+            <a:avLst/>
+          </a:prstGeom>
+          <a:solidFill>
+            <a:schemeClr val="accent1"/>
+          </a:solidFill>
+          <a:ln>
+            <a:noFill/>
+          </a:ln>
+        </p:spPr>
+        <p:style>
+          <a:lnRef idx="2">
+            <a:schemeClr val="accent5">
+              <a:shade val="50000"/>
+            </a:schemeClr>
+          </a:lnRef>
+          <a:fillRef idx="1">
+            <a:schemeClr val="accent5"/>
+          </a:fillRef>
+          <a:effectRef idx="0">
+            <a:schemeClr val="accent5"/>
+          </a:effectRef>
+          <a:fontRef idx="minor">
+            <a:schemeClr val="lt1"/>
+          </a:fontRef>
+        </p:style>
+        <p:txBody>
+          <a:bodyPr rtlCol="0" anchor="ctr"/>
+          <a:lstStyle/>
+          <a:p>
+            <a:pPr algn="ctr"/>
+            <a:endParaRPr kumimoji="1" lang="ja-JP" altLang="en-US"/>
+          </a:p>
+        </p:txBody>
+      </p:sp>
+      <p:sp>
+        <p:nvSpPr>
+          <p:cNvPr id="13" name="楕円 12"/>
+          <p:cNvSpPr/>
+          <p:nvPr/>
+        </p:nvSpPr>
+        <p:spPr>
+          <a:xfrm>
+            <a:off x="754143" y="3106280"/>
+            <a:ext cx="640080" cy="640080"/>
+          </a:xfrm>
+          <a:prstGeom prst="ellipse">
+            <a:avLst/>
+          </a:prstGeom>
+          <a:solidFill>
+            <a:schemeClr val="accent1"/>
+          </a:solidFill>
+          <a:ln>
+            <a:noFill/>
+          </a:ln>
+        </p:spPr>
+        <p:style>
+          <a:lnRef idx="2">
+            <a:schemeClr val="accent5">
+              <a:shade val="50000"/>
+            </a:schemeClr>
+          </a:lnRef>
+          <a:fillRef idx="1">
+            <a:schemeClr val="accent5"/>
+          </a:fillRef>
+          <a:effectRef idx="0">
+            <a:schemeClr val="accent5"/>
+          </a:effectRef>
+          <a:fontRef idx="minor">
+            <a:schemeClr val="lt1"/>
+          </a:fontRef>
+        </p:style>
+        <p:txBody>
+          <a:bodyPr rtlCol="0" anchor="ctr"/>
+          <a:lstStyle/>
+          <a:p>
+            <a:pPr algn="ctr"/>
+            <a:endParaRPr kumimoji="1" lang="ja-JP" altLang="en-US"/>
+          </a:p>
+        </p:txBody>
+      </p:sp>
+      <p:sp>
+        <p:nvSpPr>
+          <p:cNvPr id="14" name="楕円 13"/>
+          <p:cNvSpPr/>
+          <p:nvPr/>
+        </p:nvSpPr>
+        <p:spPr>
+          <a:xfrm>
+            <a:off x="754143" y="4521871"/>
+            <a:ext cx="640080" cy="640080"/>
+          </a:xfrm>
+          <a:prstGeom prst="ellipse">
+            <a:avLst/>
+          </a:prstGeom>
+          <a:solidFill>
+            <a:schemeClr val="accent1"/>
+          </a:solidFill>
+          <a:ln>
+            <a:noFill/>
+          </a:ln>
+        </p:spPr>
+        <p:style>
+          <a:lnRef idx="2">
+            <a:schemeClr val="accent5">
+              <a:shade val="50000"/>
+            </a:schemeClr>
+          </a:lnRef>
+          <a:fillRef idx="1">
+            <a:schemeClr val="accent5"/>
+          </a:fillRef>
+          <a:effectRef idx="0">
+            <a:schemeClr val="accent5"/>
+          </a:effectRef>
+          <a:fontRef idx="minor">
+            <a:schemeClr val="lt1"/>
+          </a:fontRef>
+        </p:style>
+        <p:txBody>
+          <a:bodyPr rtlCol="0" anchor="ctr"/>
+          <a:lstStyle/>
+          <a:p>
+            <a:pPr algn="ctr"/>
+            <a:endParaRPr kumimoji="1" lang="ja-JP" altLang="en-US"/>
+          </a:p>
+        </p:txBody>
+      </p:sp>
+      <p:sp>
+        <p:nvSpPr>
+          <p:cNvPr id="15" name="楕円 14"/>
+          <p:cNvSpPr/>
+          <p:nvPr/>
+        </p:nvSpPr>
+        <p:spPr>
+          <a:xfrm>
+            <a:off x="1868107" y="4521871"/>
+            <a:ext cx="640080" cy="640080"/>
+          </a:xfrm>
+          <a:prstGeom prst="ellipse">
+            <a:avLst/>
+          </a:prstGeom>
+          <a:solidFill>
+            <a:schemeClr val="accent1"/>
+          </a:solidFill>
+          <a:ln>
+            <a:noFill/>
+          </a:ln>
+        </p:spPr>
+        <p:style>
+          <a:lnRef idx="2">
+            <a:schemeClr val="accent5">
+              <a:shade val="50000"/>
+            </a:schemeClr>
+          </a:lnRef>
+          <a:fillRef idx="1">
+            <a:schemeClr val="accent5"/>
+          </a:fillRef>
+          <a:effectRef idx="0">
+            <a:schemeClr val="accent5"/>
+          </a:effectRef>
+          <a:fontRef idx="minor">
+            <a:schemeClr val="lt1"/>
+          </a:fontRef>
+        </p:style>
+        <p:txBody>
+          <a:bodyPr rtlCol="0" anchor="ctr"/>
+          <a:lstStyle/>
+          <a:p>
+            <a:pPr algn="ctr"/>
+            <a:endParaRPr kumimoji="1" lang="ja-JP" altLang="en-US"/>
+          </a:p>
+        </p:txBody>
+      </p:sp>
+      <p:cxnSp>
+        <p:nvCxnSpPr>
+          <p:cNvPr id="16" name="直線コネクタ 15"/>
+          <p:cNvCxnSpPr/>
+          <p:nvPr/>
+        </p:nvCxnSpPr>
+        <p:spPr>
+          <a:xfrm>
+            <a:off x="1074183" y="3420901"/>
+            <a:ext cx="1113964" cy="1421010"/>
+          </a:xfrm>
+          <a:prstGeom prst="line">
+            <a:avLst/>
+          </a:prstGeom>
+          <a:ln w="292100">
+            <a:solidFill>
+              <a:schemeClr val="accent1"/>
+            </a:solidFill>
+          </a:ln>
+        </p:spPr>
+        <p:style>
+          <a:lnRef idx="3">
+            <a:schemeClr val="accent5"/>
+          </a:lnRef>
+          <a:fillRef idx="0">
+            <a:schemeClr val="accent5"/>
+          </a:fillRef>
+          <a:effectRef idx="2">
+            <a:schemeClr val="accent5"/>
+          </a:effectRef>
+          <a:fontRef idx="minor">
+            <a:schemeClr val="tx1"/>
+          </a:fontRef>
+        </p:style>
+      </p:cxnSp>
+      <p:sp>
+        <p:nvSpPr>
+          <p:cNvPr id="17" name="コンテンツ プレースホルダー 2">
+            <a:extLst>
+              <a:ext uri="{FF2B5EF4-FFF2-40B4-BE49-F238E27FC236}">
+                <a16:creationId xmlns:a16="http://schemas.microsoft.com/office/drawing/2014/main" id="{8E958CB8-3AFB-2340-B042-A22ED1ECA2B8}"/>
+              </a:ext>
+            </a:extLst>
+          </p:cNvPr>
+          <p:cNvSpPr txBox="1">
+            <a:spLocks/>
+          </p:cNvSpPr>
+          <p:nvPr/>
+        </p:nvSpPr>
+        <p:spPr>
+          <a:xfrm>
+            <a:off x="2543331" y="1825060"/>
+            <a:ext cx="5972019" cy="711313"/>
+          </a:xfrm>
+          <a:prstGeom prst="rect">
+            <a:avLst/>
+          </a:prstGeom>
+        </p:spPr>
+        <p:txBody>
+          <a:bodyPr>
+            <a:normAutofit/>
+          </a:bodyPr>
+          <a:lstStyle>
+            <a:lvl1pPr marL="228600" indent="-228600" algn="l" defTabSz="914400" rtl="0" eaLnBrk="1" latinLnBrk="0" hangingPunct="1">
+              <a:lnSpc>
+                <a:spcPct val="90000"/>
+              </a:lnSpc>
+              <a:spcBef>
+                <a:spcPts val="1000"/>
+              </a:spcBef>
+              <a:buFont typeface="Arial" panose="020B0604020202020204" pitchFamily="34" charset="0"/>
+              <a:buChar char="•"/>
+              <a:defRPr kumimoji="1" sz="2800" kern="1200">
+                <a:solidFill>
+                  <a:schemeClr val="tx1"/>
+                </a:solidFill>
+                <a:latin typeface="+mn-lt"/>
+                <a:ea typeface="+mn-ea"/>
+                <a:cs typeface="+mn-cs"/>
+              </a:defRPr>
+            </a:lvl1pPr>
+            <a:lvl2pPr marL="685800" indent="-228600" algn="l" defTabSz="914400" rtl="0" eaLnBrk="1" latinLnBrk="0" hangingPunct="1">
+              <a:lnSpc>
+                <a:spcPct val="90000"/>
+              </a:lnSpc>
+              <a:spcBef>
+                <a:spcPts val="500"/>
+              </a:spcBef>
+              <a:buFont typeface="Arial" panose="020B0604020202020204" pitchFamily="34" charset="0"/>
+              <a:buChar char="•"/>
+              <a:defRPr kumimoji="1" sz="2400" kern="1200">
+                <a:solidFill>
+                  <a:schemeClr val="tx1"/>
+                </a:solidFill>
+                <a:latin typeface="+mn-lt"/>
+                <a:ea typeface="+mn-ea"/>
+                <a:cs typeface="+mn-cs"/>
+              </a:defRPr>
+            </a:lvl2pPr>
+            <a:lvl3pPr marL="1143000" indent="-228600" algn="l" defTabSz="914400" rtl="0" eaLnBrk="1" latinLnBrk="0" hangingPunct="1">
+              <a:lnSpc>
+                <a:spcPct val="90000"/>
+              </a:lnSpc>
+              <a:spcBef>
+                <a:spcPts val="500"/>
+              </a:spcBef>
+              <a:buFont typeface="Arial" panose="020B0604020202020204" pitchFamily="34" charset="0"/>
+              <a:buChar char="•"/>
+              <a:defRPr kumimoji="1" sz="2000" kern="1200">
+                <a:solidFill>
+                  <a:schemeClr val="tx1"/>
+                </a:solidFill>
+                <a:latin typeface="+mn-lt"/>
+                <a:ea typeface="+mn-ea"/>
+                <a:cs typeface="+mn-cs"/>
+              </a:defRPr>
+            </a:lvl3pPr>
+            <a:lvl4pPr marL="1600200" indent="-228600" algn="l" defTabSz="914400" rtl="0" eaLnBrk="1" latinLnBrk="0" hangingPunct="1">
+              <a:lnSpc>
+                <a:spcPct val="90000"/>
+              </a:lnSpc>
+              <a:spcBef>
+                <a:spcPts val="500"/>
+              </a:spcBef>
+              <a:buFont typeface="Arial" panose="020B0604020202020204" pitchFamily="34" charset="0"/>
+              <a:buChar char="•"/>
+              <a:defRPr kumimoji="1" sz="1800" kern="1200">
+                <a:solidFill>
+                  <a:schemeClr val="tx1"/>
+                </a:solidFill>
+                <a:latin typeface="+mn-lt"/>
+                <a:ea typeface="+mn-ea"/>
+                <a:cs typeface="+mn-cs"/>
+              </a:defRPr>
+            </a:lvl4pPr>
+            <a:lvl5pPr marL="2057400" indent="-228600" algn="l" defTabSz="914400" rtl="0" eaLnBrk="1" latinLnBrk="0" hangingPunct="1">
+              <a:lnSpc>
+                <a:spcPct val="90000"/>
+              </a:lnSpc>
+              <a:spcBef>
+                <a:spcPts val="500"/>
+              </a:spcBef>
+              <a:buFont typeface="Arial" panose="020B0604020202020204" pitchFamily="34" charset="0"/>
+              <a:buChar char="•"/>
+              <a:defRPr kumimoji="1" sz="1800" kern="1200">
+                <a:solidFill>
+                  <a:schemeClr val="tx1"/>
+                </a:solidFill>
+                <a:latin typeface="+mn-lt"/>
+                <a:ea typeface="+mn-ea"/>
+                <a:cs typeface="+mn-cs"/>
+              </a:defRPr>
+            </a:lvl5pPr>
+            <a:lvl6pPr marL="2514600" indent="-228600" algn="l" defTabSz="914400" rtl="0" eaLnBrk="1" latinLnBrk="0" hangingPunct="1">
+              <a:lnSpc>
+                <a:spcPct val="90000"/>
+              </a:lnSpc>
+              <a:spcBef>
+                <a:spcPts val="500"/>
+              </a:spcBef>
+              <a:buFont typeface="Arial" panose="020B0604020202020204" pitchFamily="34" charset="0"/>
+              <a:buChar char="•"/>
+              <a:defRPr kumimoji="1" sz="1800" kern="1200">
+                <a:solidFill>
+                  <a:schemeClr val="tx1"/>
+                </a:solidFill>
+                <a:latin typeface="+mn-lt"/>
+                <a:ea typeface="+mn-ea"/>
+                <a:cs typeface="+mn-cs"/>
+              </a:defRPr>
+            </a:lvl6pPr>
+            <a:lvl7pPr marL="2971800" indent="-228600" algn="l" defTabSz="914400" rtl="0" eaLnBrk="1" latinLnBrk="0" hangingPunct="1">
+              <a:lnSpc>
+                <a:spcPct val="90000"/>
+              </a:lnSpc>
+              <a:spcBef>
+                <a:spcPts val="500"/>
+              </a:spcBef>
+              <a:buFont typeface="Arial" panose="020B0604020202020204" pitchFamily="34" charset="0"/>
+              <a:buChar char="•"/>
+              <a:defRPr kumimoji="1" sz="1800" kern="1200">
+                <a:solidFill>
+                  <a:schemeClr val="tx1"/>
+                </a:solidFill>
+                <a:latin typeface="+mn-lt"/>
+                <a:ea typeface="+mn-ea"/>
+                <a:cs typeface="+mn-cs"/>
+              </a:defRPr>
+            </a:lvl7pPr>
+            <a:lvl8pPr marL="3429000" indent="-228600" algn="l" defTabSz="914400" rtl="0" eaLnBrk="1" latinLnBrk="0" hangingPunct="1">
+              <a:lnSpc>
+                <a:spcPct val="90000"/>
+              </a:lnSpc>
+              <a:spcBef>
+                <a:spcPts val="500"/>
+              </a:spcBef>
+              <a:buFont typeface="Arial" panose="020B0604020202020204" pitchFamily="34" charset="0"/>
+              <a:buChar char="•"/>
+              <a:defRPr kumimoji="1" sz="1800" kern="1200">
+                <a:solidFill>
+                  <a:schemeClr val="tx1"/>
+                </a:solidFill>
+                <a:latin typeface="+mn-lt"/>
+                <a:ea typeface="+mn-ea"/>
+                <a:cs typeface="+mn-cs"/>
+              </a:defRPr>
+            </a:lvl8pPr>
+            <a:lvl9pPr marL="3886200" indent="-228600" algn="l" defTabSz="914400" rtl="0" eaLnBrk="1" latinLnBrk="0" hangingPunct="1">
+              <a:lnSpc>
+                <a:spcPct val="90000"/>
+              </a:lnSpc>
+              <a:spcBef>
+                <a:spcPts val="500"/>
+              </a:spcBef>
+              <a:buFont typeface="Arial" panose="020B0604020202020204" pitchFamily="34" charset="0"/>
+              <a:buChar char="•"/>
+              <a:defRPr kumimoji="1" sz="1800" kern="1200">
+                <a:solidFill>
+                  <a:schemeClr val="tx1"/>
+                </a:solidFill>
+                <a:latin typeface="+mn-lt"/>
+                <a:ea typeface="+mn-ea"/>
+                <a:cs typeface="+mn-cs"/>
+              </a:defRPr>
+            </a:lvl9pPr>
+          </a:lstStyle>
+          <a:p>
+            <a:pPr marL="0" indent="0">
+              <a:buFont typeface="Arial" panose="020B0604020202020204" pitchFamily="34" charset="0"/>
+              <a:buNone/>
+            </a:pPr>
+            <a:r>
+              <a:rPr lang="ja-JP" altLang="en-US">
+                <a:latin typeface="Gen Shin Gothic Medium" panose="020B0402020203020207" pitchFamily="34" charset="-128"/>
+                <a:ea typeface="Gen Shin Gothic Medium" panose="020B0402020203020207" pitchFamily="34" charset="-128"/>
+                <a:cs typeface="Gen Shin Gothic Medium" panose="020B0402020203020207" pitchFamily="34" charset="-128"/>
+              </a:rPr>
+              <a:t>コミットの履歴を可視化してみる</a:t>
+            </a:r>
+            <a:endParaRPr lang="en-US" altLang="ja-JP" dirty="0">
+              <a:latin typeface="Gen Shin Gothic Medium" panose="020B0402020203020207" pitchFamily="34" charset="-128"/>
+              <a:ea typeface="Gen Shin Gothic Medium" panose="020B0402020203020207" pitchFamily="34" charset="-128"/>
+              <a:cs typeface="Gen Shin Gothic Medium" panose="020B0402020203020207" pitchFamily="34" charset="-128"/>
+            </a:endParaRPr>
+          </a:p>
+        </p:txBody>
+      </p:sp>
+      <p:sp>
+        <p:nvSpPr>
+          <p:cNvPr id="18" name="コンテンツ プレースホルダー 2">
+            <a:extLst>
+              <a:ext uri="{FF2B5EF4-FFF2-40B4-BE49-F238E27FC236}">
+                <a16:creationId xmlns:a16="http://schemas.microsoft.com/office/drawing/2014/main" id="{6A40AF0F-286C-E746-8AE9-78DC51F6FDAA}"/>
+              </a:ext>
+            </a:extLst>
+          </p:cNvPr>
+          <p:cNvSpPr txBox="1">
+            <a:spLocks/>
+          </p:cNvSpPr>
+          <p:nvPr/>
+        </p:nvSpPr>
+        <p:spPr>
+          <a:xfrm>
+            <a:off x="3622153" y="4315264"/>
+            <a:ext cx="4594387" cy="711313"/>
+          </a:xfrm>
+          <a:prstGeom prst="rect">
+            <a:avLst/>
+          </a:prstGeom>
+        </p:spPr>
+        <p:txBody>
+          <a:bodyPr>
+            <a:normAutofit/>
+          </a:bodyPr>
+          <a:lstStyle>
+            <a:lvl1pPr marL="228600" indent="-228600" algn="l" defTabSz="914400" rtl="0" eaLnBrk="1" latinLnBrk="0" hangingPunct="1">
+              <a:lnSpc>
+                <a:spcPct val="90000"/>
+              </a:lnSpc>
+              <a:spcBef>
+                <a:spcPts val="1000"/>
+              </a:spcBef>
+              <a:buFont typeface="Arial" panose="020B0604020202020204" pitchFamily="34" charset="0"/>
+              <a:buChar char="•"/>
+              <a:defRPr kumimoji="1" sz="2800" kern="1200">
+                <a:solidFill>
+                  <a:schemeClr val="tx1"/>
+                </a:solidFill>
+                <a:latin typeface="+mn-lt"/>
+                <a:ea typeface="+mn-ea"/>
+                <a:cs typeface="+mn-cs"/>
+              </a:defRPr>
+            </a:lvl1pPr>
+            <a:lvl2pPr marL="685800" indent="-228600" algn="l" defTabSz="914400" rtl="0" eaLnBrk="1" latinLnBrk="0" hangingPunct="1">
+              <a:lnSpc>
+                <a:spcPct val="90000"/>
+              </a:lnSpc>
+              <a:spcBef>
+                <a:spcPts val="500"/>
+              </a:spcBef>
+              <a:buFont typeface="Arial" panose="020B0604020202020204" pitchFamily="34" charset="0"/>
+              <a:buChar char="•"/>
+              <a:defRPr kumimoji="1" sz="2400" kern="1200">
+                <a:solidFill>
+                  <a:schemeClr val="tx1"/>
+                </a:solidFill>
+                <a:latin typeface="+mn-lt"/>
+                <a:ea typeface="+mn-ea"/>
+                <a:cs typeface="+mn-cs"/>
+              </a:defRPr>
+            </a:lvl2pPr>
+            <a:lvl3pPr marL="1143000" indent="-228600" algn="l" defTabSz="914400" rtl="0" eaLnBrk="1" latinLnBrk="0" hangingPunct="1">
+              <a:lnSpc>
+                <a:spcPct val="90000"/>
+              </a:lnSpc>
+              <a:spcBef>
+                <a:spcPts val="500"/>
+              </a:spcBef>
+              <a:buFont typeface="Arial" panose="020B0604020202020204" pitchFamily="34" charset="0"/>
+              <a:buChar char="•"/>
+              <a:defRPr kumimoji="1" sz="2000" kern="1200">
+                <a:solidFill>
+                  <a:schemeClr val="tx1"/>
+                </a:solidFill>
+                <a:latin typeface="+mn-lt"/>
+                <a:ea typeface="+mn-ea"/>
+                <a:cs typeface="+mn-cs"/>
+              </a:defRPr>
+            </a:lvl3pPr>
+            <a:lvl4pPr marL="1600200" indent="-228600" algn="l" defTabSz="914400" rtl="0" eaLnBrk="1" latinLnBrk="0" hangingPunct="1">
+              <a:lnSpc>
+                <a:spcPct val="90000"/>
+              </a:lnSpc>
+              <a:spcBef>
+                <a:spcPts val="500"/>
+              </a:spcBef>
+              <a:buFont typeface="Arial" panose="020B0604020202020204" pitchFamily="34" charset="0"/>
+              <a:buChar char="•"/>
+              <a:defRPr kumimoji="1" sz="1800" kern="1200">
+                <a:solidFill>
+                  <a:schemeClr val="tx1"/>
+                </a:solidFill>
+                <a:latin typeface="+mn-lt"/>
+                <a:ea typeface="+mn-ea"/>
+                <a:cs typeface="+mn-cs"/>
+              </a:defRPr>
+            </a:lvl4pPr>
+            <a:lvl5pPr marL="2057400" indent="-228600" algn="l" defTabSz="914400" rtl="0" eaLnBrk="1" latinLnBrk="0" hangingPunct="1">
+              <a:lnSpc>
+                <a:spcPct val="90000"/>
+              </a:lnSpc>
+              <a:spcBef>
+                <a:spcPts val="500"/>
+              </a:spcBef>
+              <a:buFont typeface="Arial" panose="020B0604020202020204" pitchFamily="34" charset="0"/>
+              <a:buChar char="•"/>
+              <a:defRPr kumimoji="1" sz="1800" kern="1200">
+                <a:solidFill>
+                  <a:schemeClr val="tx1"/>
+                </a:solidFill>
+                <a:latin typeface="+mn-lt"/>
+                <a:ea typeface="+mn-ea"/>
+                <a:cs typeface="+mn-cs"/>
+              </a:defRPr>
+            </a:lvl5pPr>
+            <a:lvl6pPr marL="2514600" indent="-228600" algn="l" defTabSz="914400" rtl="0" eaLnBrk="1" latinLnBrk="0" hangingPunct="1">
+              <a:lnSpc>
+                <a:spcPct val="90000"/>
+              </a:lnSpc>
+              <a:spcBef>
+                <a:spcPts val="500"/>
+              </a:spcBef>
+              <a:buFont typeface="Arial" panose="020B0604020202020204" pitchFamily="34" charset="0"/>
+              <a:buChar char="•"/>
+              <a:defRPr kumimoji="1" sz="1800" kern="1200">
+                <a:solidFill>
+                  <a:schemeClr val="tx1"/>
+                </a:solidFill>
+                <a:latin typeface="+mn-lt"/>
+                <a:ea typeface="+mn-ea"/>
+                <a:cs typeface="+mn-cs"/>
+              </a:defRPr>
+            </a:lvl6pPr>
+            <a:lvl7pPr marL="2971800" indent="-228600" algn="l" defTabSz="914400" rtl="0" eaLnBrk="1" latinLnBrk="0" hangingPunct="1">
+              <a:lnSpc>
+                <a:spcPct val="90000"/>
+              </a:lnSpc>
+              <a:spcBef>
+                <a:spcPts val="500"/>
+              </a:spcBef>
+              <a:buFont typeface="Arial" panose="020B0604020202020204" pitchFamily="34" charset="0"/>
+              <a:buChar char="•"/>
+              <a:defRPr kumimoji="1" sz="1800" kern="1200">
+                <a:solidFill>
+                  <a:schemeClr val="tx1"/>
+                </a:solidFill>
+                <a:latin typeface="+mn-lt"/>
+                <a:ea typeface="+mn-ea"/>
+                <a:cs typeface="+mn-cs"/>
+              </a:defRPr>
+            </a:lvl7pPr>
+            <a:lvl8pPr marL="3429000" indent="-228600" algn="l" defTabSz="914400" rtl="0" eaLnBrk="1" latinLnBrk="0" hangingPunct="1">
+              <a:lnSpc>
+                <a:spcPct val="90000"/>
+              </a:lnSpc>
+              <a:spcBef>
+                <a:spcPts val="500"/>
+              </a:spcBef>
+              <a:buFont typeface="Arial" panose="020B0604020202020204" pitchFamily="34" charset="0"/>
+              <a:buChar char="•"/>
+              <a:defRPr kumimoji="1" sz="1800" kern="1200">
+                <a:solidFill>
+                  <a:schemeClr val="tx1"/>
+                </a:solidFill>
+                <a:latin typeface="+mn-lt"/>
+                <a:ea typeface="+mn-ea"/>
+                <a:cs typeface="+mn-cs"/>
+              </a:defRPr>
+            </a:lvl8pPr>
+            <a:lvl9pPr marL="3886200" indent="-228600" algn="l" defTabSz="914400" rtl="0" eaLnBrk="1" latinLnBrk="0" hangingPunct="1">
+              <a:lnSpc>
+                <a:spcPct val="90000"/>
+              </a:lnSpc>
+              <a:spcBef>
+                <a:spcPts val="500"/>
+              </a:spcBef>
+              <a:buFont typeface="Arial" panose="020B0604020202020204" pitchFamily="34" charset="0"/>
+              <a:buChar char="•"/>
+              <a:defRPr kumimoji="1" sz="1800" kern="1200">
+                <a:solidFill>
+                  <a:schemeClr val="tx1"/>
+                </a:solidFill>
+                <a:latin typeface="+mn-lt"/>
+                <a:ea typeface="+mn-ea"/>
+                <a:cs typeface="+mn-cs"/>
+              </a:defRPr>
+            </a:lvl9pPr>
+          </a:lstStyle>
+          <a:p>
+            <a:pPr marL="0" indent="0">
+              <a:buFont typeface="Arial" panose="020B0604020202020204" pitchFamily="34" charset="0"/>
+              <a:buNone/>
+            </a:pPr>
+            <a:r>
+              <a:rPr lang="ja-JP" altLang="en-US">
+                <a:latin typeface="Gen Shin Gothic Medium" panose="020B0402020203020207" pitchFamily="34" charset="-128"/>
+                <a:ea typeface="Gen Shin Gothic Medium" panose="020B0402020203020207" pitchFamily="34" charset="-128"/>
+                <a:cs typeface="Gen Shin Gothic Medium" panose="020B0402020203020207" pitchFamily="34" charset="-128"/>
+              </a:rPr>
+              <a:t>ちゃんと枝分かれしている</a:t>
+            </a:r>
+            <a:endParaRPr lang="en-US" altLang="ja-JP" dirty="0">
+              <a:latin typeface="Gen Shin Gothic Medium" panose="020B0402020203020207" pitchFamily="34" charset="-128"/>
+              <a:ea typeface="Gen Shin Gothic Medium" panose="020B0402020203020207" pitchFamily="34" charset="-128"/>
+              <a:cs typeface="Gen Shin Gothic Medium" panose="020B0402020203020207" pitchFamily="34" charset="-128"/>
+            </a:endParaRPr>
+          </a:p>
+        </p:txBody>
+      </p:sp>
+      <p:sp>
+        <p:nvSpPr>
+          <p:cNvPr id="5" name="正方形/長方形 4">
+            <a:extLst>
+              <a:ext uri="{FF2B5EF4-FFF2-40B4-BE49-F238E27FC236}">
+                <a16:creationId xmlns:a16="http://schemas.microsoft.com/office/drawing/2014/main" id="{857BEE00-4F91-1A4C-A7B9-798493996784}"/>
+              </a:ext>
+            </a:extLst>
+          </p:cNvPr>
+          <p:cNvSpPr/>
+          <p:nvPr/>
+        </p:nvSpPr>
+        <p:spPr>
+          <a:xfrm>
+            <a:off x="206828" y="2554130"/>
+            <a:ext cx="8730344" cy="1354217"/>
+          </a:xfrm>
+          <a:prstGeom prst="rect">
+            <a:avLst/>
+          </a:prstGeom>
+          <a:solidFill>
+            <a:schemeClr val="tx1"/>
+          </a:solidFill>
+        </p:spPr>
+        <p:txBody>
+          <a:bodyPr wrap="square">
+            <a:spAutoFit/>
+          </a:bodyPr>
+          <a:lstStyle/>
+          <a:p>
+            <a:r>
+              <a:rPr lang="en" altLang="ja-JP" sz="1600" dirty="0">
+                <a:solidFill>
+                  <a:srgbClr val="28FE14"/>
+                </a:solidFill>
+                <a:latin typeface="Andale Mono" panose="020B0509000000000004" pitchFamily="49" charset="0"/>
+              </a:rPr>
+              <a:t>$ git </a:t>
+            </a:r>
+            <a:r>
+              <a:rPr lang="en" altLang="ja-JP" sz="1600" dirty="0" err="1">
+                <a:solidFill>
+                  <a:srgbClr val="28FE14"/>
+                </a:solidFill>
+                <a:latin typeface="Andale Mono" panose="020B0509000000000004" pitchFamily="49" charset="0"/>
+              </a:rPr>
+              <a:t>tr</a:t>
+            </a:r>
+            <a:r>
+              <a:rPr lang="en" altLang="ja-JP" sz="1600" dirty="0">
+                <a:solidFill>
+                  <a:srgbClr val="28FE14"/>
+                </a:solidFill>
+                <a:latin typeface="Andale Mono" panose="020B0509000000000004" pitchFamily="49" charset="0"/>
+              </a:rPr>
+              <a:t> --all</a:t>
+            </a:r>
+          </a:p>
+          <a:p>
+            <a:r>
+              <a:rPr lang="en" altLang="ja-JP" sz="1600" dirty="0">
+                <a:solidFill>
+                  <a:srgbClr val="28FE14"/>
+                </a:solidFill>
+                <a:latin typeface="Andale Mono" panose="020B0509000000000004" pitchFamily="49" charset="0"/>
+              </a:rPr>
+              <a:t>* </a:t>
+            </a:r>
+            <a:r>
+              <a:rPr lang="en" altLang="ja-JP" sz="1600" dirty="0">
+                <a:solidFill>
+                  <a:srgbClr val="AFAD24"/>
+                </a:solidFill>
+                <a:latin typeface="Andale Mono" panose="020B0509000000000004" pitchFamily="49" charset="0"/>
+              </a:rPr>
+              <a:t>e9fbd47</a:t>
+            </a:r>
+            <a:r>
+              <a:rPr lang="en" altLang="ja-JP" sz="1600" dirty="0">
+                <a:solidFill>
+                  <a:srgbClr val="28FE14"/>
+                </a:solidFill>
+                <a:latin typeface="Andale Mono" panose="020B0509000000000004" pitchFamily="49" charset="0"/>
+              </a:rPr>
+              <a:t> Change sample </a:t>
+            </a:r>
+            <a:r>
+              <a:rPr lang="en" altLang="ja-JP" sz="1600" dirty="0">
+                <a:solidFill>
+                  <a:srgbClr val="34BC26"/>
+                </a:solidFill>
+                <a:latin typeface="Andale Mono" panose="020B0509000000000004" pitchFamily="49" charset="0"/>
+              </a:rPr>
+              <a:t>(MATSUBARA </a:t>
+            </a:r>
+            <a:r>
+              <a:rPr lang="en" altLang="ja-JP" sz="1600" dirty="0" err="1">
+                <a:solidFill>
+                  <a:srgbClr val="34BC26"/>
+                </a:solidFill>
+                <a:latin typeface="Andale Mono" panose="020B0509000000000004" pitchFamily="49" charset="0"/>
+              </a:rPr>
+              <a:t>Nobutada</a:t>
+            </a:r>
+            <a:r>
+              <a:rPr lang="en" altLang="ja-JP" sz="1600" dirty="0">
+                <a:solidFill>
+                  <a:srgbClr val="34BC26"/>
+                </a:solidFill>
+                <a:latin typeface="Andale Mono" panose="020B0509000000000004" pitchFamily="49" charset="0"/>
+              </a:rPr>
+              <a:t>)</a:t>
+            </a:r>
+            <a:r>
+              <a:rPr lang="en" altLang="ja-JP" sz="1600" dirty="0">
+                <a:solidFill>
+                  <a:srgbClr val="28FE14"/>
+                </a:solidFill>
+                <a:latin typeface="Andale Mono" panose="020B0509000000000004" pitchFamily="49" charset="0"/>
+              </a:rPr>
+              <a:t> </a:t>
+            </a:r>
+            <a:r>
+              <a:rPr lang="en" altLang="ja-JP" sz="1600" dirty="0">
+                <a:solidFill>
+                  <a:srgbClr val="C33720"/>
+                </a:solidFill>
+                <a:latin typeface="Andale Mono" panose="020B0509000000000004" pitchFamily="49" charset="0"/>
+              </a:rPr>
+              <a:t> (HEAD -&gt; </a:t>
+            </a:r>
+            <a:r>
+              <a:rPr lang="en" altLang="ja-JP" sz="1600" dirty="0" err="1">
+                <a:solidFill>
+                  <a:srgbClr val="C33720"/>
+                </a:solidFill>
+                <a:latin typeface="Andale Mono" panose="020B0509000000000004" pitchFamily="49" charset="0"/>
+              </a:rPr>
+              <a:t>update_sample</a:t>
+            </a:r>
+            <a:r>
+              <a:rPr lang="en" altLang="ja-JP" sz="1600" dirty="0">
+                <a:solidFill>
+                  <a:srgbClr val="C33720"/>
+                </a:solidFill>
+                <a:latin typeface="Andale Mono" panose="020B0509000000000004" pitchFamily="49" charset="0"/>
+              </a:rPr>
+              <a:t>)</a:t>
+            </a:r>
+          </a:p>
+          <a:p>
+            <a:r>
+              <a:rPr lang="en" altLang="ja-JP" sz="1600" dirty="0">
+                <a:solidFill>
+                  <a:srgbClr val="C33720"/>
+                </a:solidFill>
+                <a:latin typeface="Andale Mono" panose="020B0509000000000004" pitchFamily="49" charset="0"/>
+              </a:rPr>
+              <a:t>|</a:t>
+            </a:r>
+            <a:r>
+              <a:rPr lang="en" altLang="ja-JP" sz="1600" dirty="0">
+                <a:solidFill>
+                  <a:srgbClr val="28FE14"/>
+                </a:solidFill>
+                <a:latin typeface="Andale Mono" panose="020B0509000000000004" pitchFamily="49" charset="0"/>
+              </a:rPr>
+              <a:t> * </a:t>
+            </a:r>
+            <a:r>
+              <a:rPr lang="en" altLang="ja-JP" sz="1600" dirty="0">
+                <a:solidFill>
+                  <a:srgbClr val="AFAD24"/>
+                </a:solidFill>
+                <a:latin typeface="Andale Mono" panose="020B0509000000000004" pitchFamily="49" charset="0"/>
+              </a:rPr>
+              <a:t>0757244</a:t>
+            </a:r>
+            <a:r>
+              <a:rPr lang="en" altLang="ja-JP" sz="1600" dirty="0">
+                <a:solidFill>
+                  <a:srgbClr val="28FE14"/>
+                </a:solidFill>
+                <a:latin typeface="Andale Mono" panose="020B0509000000000004" pitchFamily="49" charset="0"/>
+              </a:rPr>
+              <a:t> Change </a:t>
+            </a:r>
+            <a:r>
+              <a:rPr lang="en" altLang="ja-JP" sz="1600" dirty="0" err="1">
+                <a:solidFill>
+                  <a:srgbClr val="28FE14"/>
+                </a:solidFill>
+                <a:latin typeface="Andale Mono" panose="020B0509000000000004" pitchFamily="49" charset="0"/>
+              </a:rPr>
+              <a:t>sample.csv</a:t>
+            </a:r>
+            <a:r>
+              <a:rPr lang="en" altLang="ja-JP" sz="1600" dirty="0">
+                <a:solidFill>
+                  <a:srgbClr val="28FE14"/>
+                </a:solidFill>
+                <a:latin typeface="Andale Mono" panose="020B0509000000000004" pitchFamily="49" charset="0"/>
+              </a:rPr>
+              <a:t> </a:t>
+            </a:r>
+            <a:r>
+              <a:rPr lang="en" altLang="ja-JP" sz="1600" dirty="0">
+                <a:solidFill>
+                  <a:srgbClr val="34BC26"/>
+                </a:solidFill>
+                <a:latin typeface="Andale Mono" panose="020B0509000000000004" pitchFamily="49" charset="0"/>
+              </a:rPr>
+              <a:t>(MATSUBARA </a:t>
+            </a:r>
+            <a:r>
+              <a:rPr lang="en" altLang="ja-JP" sz="1600" dirty="0" err="1">
+                <a:solidFill>
+                  <a:srgbClr val="34BC26"/>
+                </a:solidFill>
+                <a:latin typeface="Andale Mono" panose="020B0509000000000004" pitchFamily="49" charset="0"/>
+              </a:rPr>
+              <a:t>Nobutada</a:t>
+            </a:r>
+            <a:r>
+              <a:rPr lang="en" altLang="ja-JP" sz="1600" dirty="0">
+                <a:solidFill>
+                  <a:srgbClr val="34BC26"/>
+                </a:solidFill>
+                <a:latin typeface="Andale Mono" panose="020B0509000000000004" pitchFamily="49" charset="0"/>
+              </a:rPr>
+              <a:t>)</a:t>
+            </a:r>
+            <a:r>
+              <a:rPr lang="en" altLang="ja-JP" sz="1600" dirty="0">
+                <a:solidFill>
+                  <a:srgbClr val="28FE14"/>
+                </a:solidFill>
+                <a:latin typeface="Andale Mono" panose="020B0509000000000004" pitchFamily="49" charset="0"/>
+              </a:rPr>
+              <a:t> </a:t>
+            </a:r>
+            <a:r>
+              <a:rPr lang="en" altLang="ja-JP" sz="1600" dirty="0">
+                <a:solidFill>
+                  <a:srgbClr val="C33720"/>
+                </a:solidFill>
+                <a:latin typeface="Andale Mono" panose="020B0509000000000004" pitchFamily="49" charset="0"/>
+              </a:rPr>
+              <a:t> (master)</a:t>
+            </a:r>
+            <a:endParaRPr lang="en" altLang="ja-JP" sz="1600" dirty="0">
+              <a:solidFill>
+                <a:srgbClr val="28FE14"/>
+              </a:solidFill>
+              <a:latin typeface="Andale Mono" panose="020B0509000000000004" pitchFamily="49" charset="0"/>
+            </a:endParaRPr>
+          </a:p>
+          <a:p>
+            <a:r>
+              <a:rPr lang="en" altLang="ja-JP" sz="1600" dirty="0">
+                <a:solidFill>
+                  <a:srgbClr val="C33720"/>
+                </a:solidFill>
+                <a:latin typeface="Andale Mono" panose="020B0509000000000004" pitchFamily="49" charset="0"/>
+              </a:rPr>
+              <a:t>|/</a:t>
+            </a:r>
+            <a:r>
+              <a:rPr lang="en" altLang="ja-JP" sz="1600" dirty="0">
+                <a:solidFill>
+                  <a:srgbClr val="28FE14"/>
+                </a:solidFill>
+                <a:latin typeface="Andale Mono" panose="020B0509000000000004" pitchFamily="49" charset="0"/>
+              </a:rPr>
+              <a:t>  </a:t>
+            </a:r>
+          </a:p>
+          <a:p>
+            <a:r>
+              <a:rPr lang="en" altLang="ja-JP" sz="1600" dirty="0">
+                <a:solidFill>
+                  <a:srgbClr val="28FE14"/>
+                </a:solidFill>
+                <a:latin typeface="Andale Mono" panose="020B0509000000000004" pitchFamily="49" charset="0"/>
+              </a:rPr>
+              <a:t>* </a:t>
+            </a:r>
+            <a:r>
+              <a:rPr lang="en" altLang="ja-JP" sz="1600" dirty="0">
+                <a:solidFill>
+                  <a:srgbClr val="AFAD24"/>
+                </a:solidFill>
+                <a:latin typeface="Andale Mono" panose="020B0509000000000004" pitchFamily="49" charset="0"/>
+              </a:rPr>
+              <a:t>a117493</a:t>
+            </a:r>
+            <a:r>
+              <a:rPr lang="en" altLang="ja-JP" sz="1600" dirty="0">
+                <a:solidFill>
+                  <a:srgbClr val="28FE14"/>
+                </a:solidFill>
+                <a:latin typeface="Andale Mono" panose="020B0509000000000004" pitchFamily="49" charset="0"/>
+              </a:rPr>
+              <a:t> First commit </a:t>
+            </a:r>
+            <a:r>
+              <a:rPr lang="en" altLang="ja-JP" sz="1600" dirty="0">
+                <a:solidFill>
+                  <a:srgbClr val="34BC26"/>
+                </a:solidFill>
+                <a:latin typeface="Andale Mono" panose="020B0509000000000004" pitchFamily="49" charset="0"/>
+              </a:rPr>
+              <a:t>(MATSUBARA </a:t>
+            </a:r>
+            <a:r>
+              <a:rPr lang="en" altLang="ja-JP" sz="1600" dirty="0" err="1">
+                <a:solidFill>
+                  <a:srgbClr val="34BC26"/>
+                </a:solidFill>
+                <a:latin typeface="Andale Mono" panose="020B0509000000000004" pitchFamily="49" charset="0"/>
+              </a:rPr>
+              <a:t>Nobutada</a:t>
+            </a:r>
+            <a:r>
+              <a:rPr lang="en" altLang="ja-JP" sz="1600" dirty="0">
+                <a:solidFill>
+                  <a:srgbClr val="34BC26"/>
+                </a:solidFill>
+                <a:latin typeface="Andale Mono" panose="020B0509000000000004" pitchFamily="49" charset="0"/>
+              </a:rPr>
+              <a:t>)</a:t>
+            </a:r>
+            <a:r>
+              <a:rPr lang="en" altLang="ja-JP" sz="1600" dirty="0">
+                <a:solidFill>
+                  <a:srgbClr val="28FE14"/>
+                </a:solidFill>
+                <a:latin typeface="Andale Mono" panose="020B0509000000000004" pitchFamily="49" charset="0"/>
+              </a:rPr>
+              <a:t> </a:t>
+            </a:r>
+            <a:endParaRPr lang="en" altLang="ja-JP" sz="1600" dirty="0">
+              <a:solidFill>
+                <a:srgbClr val="34BC26"/>
+              </a:solidFill>
+              <a:effectLst/>
+              <a:latin typeface="Andale Mono" panose="020B0509000000000004" pitchFamily="49" charset="0"/>
+            </a:endParaRPr>
+          </a:p>
+        </p:txBody>
+      </p:sp>
+    </p:spTree>
+    <p:extLst>
+      <p:ext uri="{BB962C8B-B14F-4D97-AF65-F5344CB8AC3E}">
+        <p14:creationId xmlns:p14="http://schemas.microsoft.com/office/powerpoint/2010/main" val="2456393712"/>
+      </p:ext>
+    </p:extLst>
+  </p:cSld>
+  <p:clrMapOvr>
+    <a:masterClrMapping/>
+  </p:clrMapOvr>
+</p:sld>
+</file>
+
+<file path=ppt/slides/slide11.xml><?xml version="1.0" encoding="utf-8"?>
+<p:sld xmlns:a="http://schemas.openxmlformats.org/drawingml/2006/main" xmlns:r="http://schemas.openxmlformats.org/officeDocument/2006/relationships" xmlns:p="http://schemas.openxmlformats.org/presentationml/2006/main">
+  <p:cSld>
+    <p:spTree>
+      <p:nvGrpSpPr>
+        <p:cNvPr id="1" name=""/>
+        <p:cNvGrpSpPr/>
+        <p:nvPr/>
+      </p:nvGrpSpPr>
+      <p:grpSpPr>
+        <a:xfrm>
+          <a:off x="0" y="0"/>
+          <a:ext cx="0" cy="0"/>
+          <a:chOff x="0" y="0"/>
+          <a:chExt cx="0" cy="0"/>
+        </a:xfrm>
+      </p:grpSpPr>
+      <p:sp>
+        <p:nvSpPr>
+          <p:cNvPr id="3" name="タイトル 1">
+            <a:extLst>
+              <a:ext uri="{FF2B5EF4-FFF2-40B4-BE49-F238E27FC236}">
+                <a16:creationId xmlns:a16="http://schemas.microsoft.com/office/drawing/2014/main" id="{C42FD8D5-0E8E-5E41-8BF1-95C92D30AA3A}"/>
+              </a:ext>
+            </a:extLst>
+          </p:cNvPr>
+          <p:cNvSpPr>
+            <a:spLocks noGrp="1"/>
+          </p:cNvSpPr>
+          <p:nvPr>
+            <p:ph type="title"/>
+          </p:nvPr>
+        </p:nvSpPr>
+        <p:spPr>
+          <a:xfrm>
+            <a:off x="628650" y="365126"/>
+            <a:ext cx="7886700" cy="1325563"/>
+          </a:xfrm>
+        </p:spPr>
+        <p:txBody>
+          <a:bodyPr/>
+          <a:lstStyle/>
+          <a:p>
+            <a:r>
+              <a:rPr lang="ja-JP" altLang="en-US">
+                <a:latin typeface="Gen Shin Gothic Medium" panose="020B0402020203020207" pitchFamily="34" charset="-128"/>
+                <a:ea typeface="Gen Shin Gothic Medium" panose="020B0402020203020207" pitchFamily="34" charset="-128"/>
+                <a:cs typeface="Gen Shin Gothic Medium" panose="020B0402020203020207" pitchFamily="34" charset="-128"/>
+              </a:rPr>
+              <a:t>収束する歴史</a:t>
+            </a:r>
+            <a:r>
+              <a:rPr lang="en-US" altLang="ja-JP" dirty="0">
+                <a:latin typeface="Gen Shin Gothic Medium" panose="020B0402020203020207" pitchFamily="34" charset="-128"/>
+                <a:ea typeface="Gen Shin Gothic Medium" panose="020B0402020203020207" pitchFamily="34" charset="-128"/>
+                <a:cs typeface="Gen Shin Gothic Medium" panose="020B0402020203020207" pitchFamily="34" charset="-128"/>
+              </a:rPr>
+              <a:t> (</a:t>
+            </a:r>
+            <a:r>
+              <a:rPr lang="ja-JP" altLang="en-US">
+                <a:latin typeface="Gen Shin Gothic Medium" panose="020B0402020203020207" pitchFamily="34" charset="-128"/>
+                <a:ea typeface="Gen Shin Gothic Medium" panose="020B0402020203020207" pitchFamily="34" charset="-128"/>
+                <a:cs typeface="Gen Shin Gothic Medium" panose="020B0402020203020207" pitchFamily="34" charset="-128"/>
+              </a:rPr>
+              <a:t>マージ</a:t>
+            </a:r>
+            <a:r>
+              <a:rPr lang="en-US" altLang="ja-JP" dirty="0">
+                <a:latin typeface="Gen Shin Gothic Medium" panose="020B0402020203020207" pitchFamily="34" charset="-128"/>
+                <a:ea typeface="Gen Shin Gothic Medium" panose="020B0402020203020207" pitchFamily="34" charset="-128"/>
+                <a:cs typeface="Gen Shin Gothic Medium" panose="020B0402020203020207" pitchFamily="34" charset="-128"/>
+              </a:rPr>
+              <a:t>)</a:t>
+            </a:r>
+            <a:endParaRPr kumimoji="1" lang="ja-JP" altLang="en-US">
+              <a:latin typeface="Gen Shin Gothic Medium" panose="020B0402020203020207" pitchFamily="34" charset="-128"/>
+              <a:ea typeface="Gen Shin Gothic Medium" panose="020B0402020203020207" pitchFamily="34" charset="-128"/>
+              <a:cs typeface="Gen Shin Gothic Medium" panose="020B0402020203020207" pitchFamily="34" charset="-128"/>
+            </a:endParaRPr>
+          </a:p>
+        </p:txBody>
+      </p:sp>
+      <p:sp>
+        <p:nvSpPr>
+          <p:cNvPr id="14" name="テキスト ボックス 13"/>
+          <p:cNvSpPr txBox="1"/>
+          <p:nvPr/>
+        </p:nvSpPr>
+        <p:spPr>
+          <a:xfrm>
+            <a:off x="1402674" y="6078255"/>
+            <a:ext cx="829073" cy="369332"/>
+          </a:xfrm>
+          <a:prstGeom prst="rect">
+            <a:avLst/>
+          </a:prstGeom>
+          <a:noFill/>
+        </p:spPr>
+        <p:txBody>
+          <a:bodyPr wrap="none" rtlCol="0">
+            <a:spAutoFit/>
+          </a:bodyPr>
+          <a:lstStyle/>
+          <a:p>
+            <a:r>
+              <a:rPr kumimoji="1" lang="en-US" altLang="ja-JP" dirty="0">
+                <a:solidFill>
+                  <a:schemeClr val="tx1">
+                    <a:lumMod val="75000"/>
+                    <a:lumOff val="25000"/>
+                  </a:schemeClr>
+                </a:solidFill>
+                <a:latin typeface="源真ゴシック Heavy" panose="020B0702020203020207" pitchFamily="50" charset="-128"/>
+                <a:ea typeface="源真ゴシック Heavy" panose="020B0702020203020207" pitchFamily="50" charset="-128"/>
+                <a:cs typeface="源真ゴシック Heavy" panose="020B0702020203020207" pitchFamily="50" charset="-128"/>
+              </a:rPr>
+              <a:t>HEAD</a:t>
+            </a:r>
+            <a:endParaRPr kumimoji="1" lang="ja-JP" altLang="en-US" dirty="0">
+              <a:solidFill>
+                <a:schemeClr val="tx1">
+                  <a:lumMod val="75000"/>
+                  <a:lumOff val="25000"/>
+                </a:schemeClr>
+              </a:solidFill>
+              <a:latin typeface="源真ゴシック Heavy" panose="020B0702020203020207" pitchFamily="50" charset="-128"/>
+              <a:ea typeface="源真ゴシック Heavy" panose="020B0702020203020207" pitchFamily="50" charset="-128"/>
+              <a:cs typeface="源真ゴシック Heavy" panose="020B0702020203020207" pitchFamily="50" charset="-128"/>
+            </a:endParaRPr>
+          </a:p>
+        </p:txBody>
+      </p:sp>
+      <p:cxnSp>
+        <p:nvCxnSpPr>
+          <p:cNvPr id="16" name="直線コネクタ 15"/>
+          <p:cNvCxnSpPr/>
+          <p:nvPr/>
+        </p:nvCxnSpPr>
+        <p:spPr>
+          <a:xfrm>
+            <a:off x="1074183" y="2010729"/>
+            <a:ext cx="0" cy="4245388"/>
+          </a:xfrm>
+          <a:prstGeom prst="line">
+            <a:avLst/>
+          </a:prstGeom>
+          <a:ln w="292100">
+            <a:solidFill>
+              <a:schemeClr val="accent1"/>
+            </a:solidFill>
+          </a:ln>
+        </p:spPr>
+        <p:style>
+          <a:lnRef idx="3">
+            <a:schemeClr val="accent5"/>
+          </a:lnRef>
+          <a:fillRef idx="0">
+            <a:schemeClr val="accent5"/>
+          </a:fillRef>
+          <a:effectRef idx="2">
+            <a:schemeClr val="accent5"/>
+          </a:effectRef>
+          <a:fontRef idx="minor">
+            <a:schemeClr val="tx1"/>
+          </a:fontRef>
+        </p:style>
+      </p:cxnSp>
+      <p:sp>
+        <p:nvSpPr>
+          <p:cNvPr id="17" name="楕円 16"/>
+          <p:cNvSpPr/>
+          <p:nvPr/>
+        </p:nvSpPr>
+        <p:spPr>
+          <a:xfrm>
+            <a:off x="754143" y="1690689"/>
+            <a:ext cx="640080" cy="640080"/>
+          </a:xfrm>
+          <a:prstGeom prst="ellipse">
+            <a:avLst/>
+          </a:prstGeom>
+          <a:solidFill>
+            <a:schemeClr val="accent1"/>
+          </a:solidFill>
+          <a:ln>
+            <a:noFill/>
+          </a:ln>
+        </p:spPr>
+        <p:style>
+          <a:lnRef idx="2">
+            <a:schemeClr val="accent5">
+              <a:shade val="50000"/>
+            </a:schemeClr>
+          </a:lnRef>
+          <a:fillRef idx="1">
+            <a:schemeClr val="accent5"/>
+          </a:fillRef>
+          <a:effectRef idx="0">
+            <a:schemeClr val="accent5"/>
+          </a:effectRef>
+          <a:fontRef idx="minor">
+            <a:schemeClr val="lt1"/>
+          </a:fontRef>
+        </p:style>
+        <p:txBody>
+          <a:bodyPr rtlCol="0" anchor="ctr"/>
+          <a:lstStyle/>
+          <a:p>
+            <a:pPr algn="ctr"/>
+            <a:endParaRPr kumimoji="1" lang="ja-JP" altLang="en-US"/>
+          </a:p>
+        </p:txBody>
+      </p:sp>
+      <p:sp>
+        <p:nvSpPr>
+          <p:cNvPr id="18" name="楕円 17"/>
+          <p:cNvSpPr/>
+          <p:nvPr/>
+        </p:nvSpPr>
+        <p:spPr>
+          <a:xfrm>
+            <a:off x="754143" y="3106280"/>
+            <a:ext cx="640080" cy="640080"/>
+          </a:xfrm>
+          <a:prstGeom prst="ellipse">
+            <a:avLst/>
+          </a:prstGeom>
+          <a:solidFill>
+            <a:schemeClr val="accent1"/>
+          </a:solidFill>
+          <a:ln>
+            <a:noFill/>
+          </a:ln>
+        </p:spPr>
+        <p:style>
+          <a:lnRef idx="2">
+            <a:schemeClr val="accent5">
+              <a:shade val="50000"/>
+            </a:schemeClr>
+          </a:lnRef>
+          <a:fillRef idx="1">
+            <a:schemeClr val="accent5"/>
+          </a:fillRef>
+          <a:effectRef idx="0">
+            <a:schemeClr val="accent5"/>
+          </a:effectRef>
+          <a:fontRef idx="minor">
+            <a:schemeClr val="lt1"/>
+          </a:fontRef>
+        </p:style>
+        <p:txBody>
+          <a:bodyPr rtlCol="0" anchor="ctr"/>
+          <a:lstStyle/>
+          <a:p>
+            <a:pPr algn="ctr"/>
+            <a:endParaRPr kumimoji="1" lang="ja-JP" altLang="en-US"/>
+          </a:p>
+        </p:txBody>
+      </p:sp>
+      <p:sp>
+        <p:nvSpPr>
+          <p:cNvPr id="19" name="楕円 18"/>
+          <p:cNvSpPr/>
+          <p:nvPr/>
+        </p:nvSpPr>
+        <p:spPr>
+          <a:xfrm>
+            <a:off x="754143" y="4521871"/>
+            <a:ext cx="640080" cy="640080"/>
+          </a:xfrm>
+          <a:prstGeom prst="ellipse">
+            <a:avLst/>
+          </a:prstGeom>
+          <a:solidFill>
+            <a:schemeClr val="accent1"/>
+          </a:solidFill>
+          <a:ln>
+            <a:noFill/>
+          </a:ln>
+        </p:spPr>
+        <p:style>
+          <a:lnRef idx="2">
+            <a:schemeClr val="accent5">
+              <a:shade val="50000"/>
+            </a:schemeClr>
+          </a:lnRef>
+          <a:fillRef idx="1">
+            <a:schemeClr val="accent5"/>
+          </a:fillRef>
+          <a:effectRef idx="0">
+            <a:schemeClr val="accent5"/>
+          </a:effectRef>
+          <a:fontRef idx="minor">
+            <a:schemeClr val="lt1"/>
+          </a:fontRef>
+        </p:style>
+        <p:txBody>
+          <a:bodyPr rtlCol="0" anchor="ctr"/>
+          <a:lstStyle/>
+          <a:p>
+            <a:pPr algn="ctr"/>
+            <a:endParaRPr kumimoji="1" lang="ja-JP" altLang="en-US"/>
+          </a:p>
+        </p:txBody>
+      </p:sp>
+      <p:sp>
+        <p:nvSpPr>
+          <p:cNvPr id="20" name="楕円 19"/>
+          <p:cNvSpPr/>
+          <p:nvPr/>
+        </p:nvSpPr>
+        <p:spPr>
+          <a:xfrm>
+            <a:off x="1868107" y="4521871"/>
+            <a:ext cx="640080" cy="640080"/>
+          </a:xfrm>
+          <a:prstGeom prst="ellipse">
+            <a:avLst/>
+          </a:prstGeom>
+          <a:solidFill>
+            <a:schemeClr val="accent1"/>
+          </a:solidFill>
+          <a:ln>
+            <a:noFill/>
+          </a:ln>
+        </p:spPr>
+        <p:style>
+          <a:lnRef idx="2">
+            <a:schemeClr val="accent5">
+              <a:shade val="50000"/>
+            </a:schemeClr>
+          </a:lnRef>
+          <a:fillRef idx="1">
+            <a:schemeClr val="accent5"/>
+          </a:fillRef>
+          <a:effectRef idx="0">
+            <a:schemeClr val="accent5"/>
+          </a:effectRef>
+          <a:fontRef idx="minor">
+            <a:schemeClr val="lt1"/>
+          </a:fontRef>
+        </p:style>
+        <p:txBody>
+          <a:bodyPr rtlCol="0" anchor="ctr"/>
+          <a:lstStyle/>
+          <a:p>
+            <a:pPr algn="ctr"/>
+            <a:endParaRPr kumimoji="1" lang="ja-JP" altLang="en-US"/>
+          </a:p>
+        </p:txBody>
+      </p:sp>
+      <p:cxnSp>
+        <p:nvCxnSpPr>
+          <p:cNvPr id="21" name="直線コネクタ 20"/>
+          <p:cNvCxnSpPr/>
+          <p:nvPr/>
+        </p:nvCxnSpPr>
+        <p:spPr>
+          <a:xfrm>
+            <a:off x="1074183" y="3420901"/>
+            <a:ext cx="1113964" cy="1421010"/>
+          </a:xfrm>
+          <a:prstGeom prst="line">
+            <a:avLst/>
+          </a:prstGeom>
+          <a:ln w="292100">
+            <a:solidFill>
+              <a:schemeClr val="accent1"/>
+            </a:solidFill>
+          </a:ln>
+        </p:spPr>
+        <p:style>
+          <a:lnRef idx="3">
+            <a:schemeClr val="accent5"/>
+          </a:lnRef>
+          <a:fillRef idx="0">
+            <a:schemeClr val="accent5"/>
+          </a:fillRef>
+          <a:effectRef idx="2">
+            <a:schemeClr val="accent5"/>
+          </a:effectRef>
+          <a:fontRef idx="minor">
+            <a:schemeClr val="tx1"/>
+          </a:fontRef>
+        </p:style>
+      </p:cxnSp>
+      <p:sp>
+        <p:nvSpPr>
+          <p:cNvPr id="22" name="楕円 21"/>
+          <p:cNvSpPr/>
+          <p:nvPr/>
+        </p:nvSpPr>
+        <p:spPr>
+          <a:xfrm>
+            <a:off x="754143" y="5936077"/>
+            <a:ext cx="640080" cy="640080"/>
+          </a:xfrm>
+          <a:prstGeom prst="ellipse">
+            <a:avLst/>
+          </a:prstGeom>
+          <a:solidFill>
+            <a:schemeClr val="accent1"/>
+          </a:solidFill>
+          <a:ln>
+            <a:noFill/>
+          </a:ln>
+        </p:spPr>
+        <p:style>
+          <a:lnRef idx="2">
+            <a:schemeClr val="accent5">
+              <a:shade val="50000"/>
+            </a:schemeClr>
+          </a:lnRef>
+          <a:fillRef idx="1">
+            <a:schemeClr val="accent5"/>
+          </a:fillRef>
+          <a:effectRef idx="0">
+            <a:schemeClr val="accent5"/>
+          </a:effectRef>
+          <a:fontRef idx="minor">
+            <a:schemeClr val="lt1"/>
+          </a:fontRef>
+        </p:style>
+        <p:txBody>
+          <a:bodyPr rtlCol="0" anchor="ctr"/>
+          <a:lstStyle/>
+          <a:p>
+            <a:pPr algn="ctr"/>
+            <a:endParaRPr kumimoji="1" lang="ja-JP" altLang="en-US"/>
+          </a:p>
+        </p:txBody>
+      </p:sp>
+      <p:cxnSp>
+        <p:nvCxnSpPr>
+          <p:cNvPr id="23" name="直線コネクタ 22"/>
+          <p:cNvCxnSpPr/>
+          <p:nvPr/>
+        </p:nvCxnSpPr>
+        <p:spPr>
+          <a:xfrm flipV="1">
+            <a:off x="1065732" y="4841911"/>
+            <a:ext cx="1122415" cy="1414206"/>
+          </a:xfrm>
+          <a:prstGeom prst="line">
+            <a:avLst/>
+          </a:prstGeom>
+          <a:ln w="292100">
+            <a:solidFill>
+              <a:schemeClr val="accent1"/>
+            </a:solidFill>
+          </a:ln>
+        </p:spPr>
+        <p:style>
+          <a:lnRef idx="3">
+            <a:schemeClr val="accent5"/>
+          </a:lnRef>
+          <a:fillRef idx="0">
+            <a:schemeClr val="accent5"/>
+          </a:fillRef>
+          <a:effectRef idx="2">
+            <a:schemeClr val="accent5"/>
+          </a:effectRef>
+          <a:fontRef idx="minor">
+            <a:schemeClr val="tx1"/>
+          </a:fontRef>
+        </p:style>
+      </p:cxnSp>
+      <p:sp>
+        <p:nvSpPr>
+          <p:cNvPr id="2" name="正方形/長方形 1">
+            <a:extLst>
+              <a:ext uri="{FF2B5EF4-FFF2-40B4-BE49-F238E27FC236}">
+                <a16:creationId xmlns:a16="http://schemas.microsoft.com/office/drawing/2014/main" id="{1999F383-5555-6249-AD20-250E0999CB04}"/>
+              </a:ext>
+            </a:extLst>
+          </p:cNvPr>
+          <p:cNvSpPr/>
+          <p:nvPr/>
+        </p:nvSpPr>
+        <p:spPr>
+          <a:xfrm>
+            <a:off x="2887611" y="3307646"/>
+            <a:ext cx="5627739" cy="2031325"/>
+          </a:xfrm>
+          <a:prstGeom prst="rect">
+            <a:avLst/>
+          </a:prstGeom>
+          <a:solidFill>
+            <a:schemeClr val="tx1"/>
+          </a:solidFill>
+        </p:spPr>
+        <p:txBody>
+          <a:bodyPr wrap="square">
+            <a:spAutoFit/>
+          </a:bodyPr>
+          <a:lstStyle/>
+          <a:p>
+            <a:r>
+              <a:rPr lang="en" altLang="ja-JP" dirty="0">
+                <a:solidFill>
+                  <a:srgbClr val="28FE14"/>
+                </a:solidFill>
+                <a:latin typeface="Andale Mono" panose="020B0509000000000004" pitchFamily="49" charset="0"/>
+              </a:rPr>
+              <a:t>$ git checkout master</a:t>
+            </a:r>
+          </a:p>
+          <a:p>
+            <a:r>
+              <a:rPr lang="en" altLang="ja-JP" dirty="0">
+                <a:solidFill>
+                  <a:srgbClr val="28FE14"/>
+                </a:solidFill>
+                <a:latin typeface="Andale Mono" panose="020B0509000000000004" pitchFamily="49" charset="0"/>
+              </a:rPr>
+              <a:t>Switched to branch 'master'</a:t>
+            </a:r>
+          </a:p>
+          <a:p>
+            <a:r>
+              <a:rPr lang="en" altLang="ja-JP" dirty="0">
+                <a:solidFill>
+                  <a:srgbClr val="28FE14"/>
+                </a:solidFill>
+                <a:latin typeface="Andale Mono" panose="020B0509000000000004" pitchFamily="49" charset="0"/>
+              </a:rPr>
+              <a:t>$ git merge </a:t>
+            </a:r>
+            <a:r>
+              <a:rPr lang="en" altLang="ja-JP" dirty="0" err="1">
+                <a:solidFill>
+                  <a:srgbClr val="28FE14"/>
+                </a:solidFill>
+                <a:latin typeface="Andale Mono" panose="020B0509000000000004" pitchFamily="49" charset="0"/>
+              </a:rPr>
+              <a:t>update_sample</a:t>
+            </a:r>
+            <a:r>
+              <a:rPr lang="en" altLang="ja-JP" dirty="0">
+                <a:solidFill>
+                  <a:srgbClr val="28FE14"/>
+                </a:solidFill>
+                <a:latin typeface="Andale Mono" panose="020B0509000000000004" pitchFamily="49" charset="0"/>
+              </a:rPr>
+              <a:t> </a:t>
+            </a:r>
+          </a:p>
+          <a:p>
+            <a:r>
+              <a:rPr lang="en" altLang="ja-JP" dirty="0">
+                <a:solidFill>
+                  <a:srgbClr val="28FE14"/>
+                </a:solidFill>
+                <a:latin typeface="Andale Mono" panose="020B0509000000000004" pitchFamily="49" charset="0"/>
+              </a:rPr>
+              <a:t>Auto-merging </a:t>
+            </a:r>
+            <a:r>
+              <a:rPr lang="en" altLang="ja-JP" dirty="0" err="1">
+                <a:solidFill>
+                  <a:srgbClr val="28FE14"/>
+                </a:solidFill>
+                <a:latin typeface="Andale Mono" panose="020B0509000000000004" pitchFamily="49" charset="0"/>
+              </a:rPr>
+              <a:t>sample.csv</a:t>
+            </a:r>
+            <a:endParaRPr lang="en" altLang="ja-JP" dirty="0">
+              <a:solidFill>
+                <a:srgbClr val="28FE14"/>
+              </a:solidFill>
+              <a:latin typeface="Andale Mono" panose="020B0509000000000004" pitchFamily="49" charset="0"/>
+            </a:endParaRPr>
+          </a:p>
+          <a:p>
+            <a:r>
+              <a:rPr lang="en" altLang="ja-JP" dirty="0">
+                <a:solidFill>
+                  <a:srgbClr val="28FE14"/>
+                </a:solidFill>
+                <a:latin typeface="Andale Mono" panose="020B0509000000000004" pitchFamily="49" charset="0"/>
+              </a:rPr>
+              <a:t>Merge made by the 'recursive' strategy.</a:t>
+            </a:r>
+          </a:p>
+          <a:p>
+            <a:r>
+              <a:rPr lang="en" altLang="ja-JP" dirty="0">
+                <a:solidFill>
+                  <a:srgbClr val="28FE14"/>
+                </a:solidFill>
+                <a:latin typeface="Andale Mono" panose="020B0509000000000004" pitchFamily="49" charset="0"/>
+              </a:rPr>
+              <a:t> </a:t>
+            </a:r>
+            <a:r>
+              <a:rPr lang="en" altLang="ja-JP" dirty="0" err="1">
+                <a:solidFill>
+                  <a:srgbClr val="28FE14"/>
+                </a:solidFill>
+                <a:latin typeface="Andale Mono" panose="020B0509000000000004" pitchFamily="49" charset="0"/>
+              </a:rPr>
+              <a:t>sample.csv</a:t>
+            </a:r>
+            <a:r>
+              <a:rPr lang="en" altLang="ja-JP" dirty="0">
+                <a:solidFill>
+                  <a:srgbClr val="28FE14"/>
+                </a:solidFill>
+                <a:latin typeface="Andale Mono" panose="020B0509000000000004" pitchFamily="49" charset="0"/>
+              </a:rPr>
+              <a:t> | 1 </a:t>
+            </a:r>
+            <a:r>
+              <a:rPr lang="en" altLang="ja-JP" dirty="0">
+                <a:solidFill>
+                  <a:srgbClr val="34BC26"/>
+                </a:solidFill>
+                <a:latin typeface="Andale Mono" panose="020B0509000000000004" pitchFamily="49" charset="0"/>
+              </a:rPr>
+              <a:t>+</a:t>
+            </a:r>
+            <a:endParaRPr lang="en" altLang="ja-JP" dirty="0">
+              <a:solidFill>
+                <a:srgbClr val="28FE14"/>
+              </a:solidFill>
+              <a:latin typeface="Andale Mono" panose="020B0509000000000004" pitchFamily="49" charset="0"/>
+            </a:endParaRPr>
+          </a:p>
+          <a:p>
+            <a:r>
+              <a:rPr lang="en" altLang="ja-JP" dirty="0">
+                <a:solidFill>
+                  <a:srgbClr val="28FE14"/>
+                </a:solidFill>
+                <a:latin typeface="Andale Mono" panose="020B0509000000000004" pitchFamily="49" charset="0"/>
+              </a:rPr>
+              <a:t> 1 file changed, 1 insertion(+)</a:t>
+            </a:r>
+            <a:endParaRPr lang="en" altLang="ja-JP" dirty="0">
+              <a:solidFill>
+                <a:srgbClr val="28FE14"/>
+              </a:solidFill>
+              <a:effectLst/>
+              <a:latin typeface="Andale Mono" panose="020B0509000000000004" pitchFamily="49" charset="0"/>
+            </a:endParaRPr>
+          </a:p>
+        </p:txBody>
+      </p:sp>
+    </p:spTree>
+    <p:extLst>
+      <p:ext uri="{BB962C8B-B14F-4D97-AF65-F5344CB8AC3E}">
+        <p14:creationId xmlns:p14="http://schemas.microsoft.com/office/powerpoint/2010/main" val="2244540021"/>
+      </p:ext>
+    </p:extLst>
+  </p:cSld>
+  <p:clrMapOvr>
+    <a:masterClrMapping/>
+  </p:clrMapOvr>
+</p:sld>
+</file>
+
+<file path=ppt/slides/slide12.xml><?xml version="1.0" encoding="utf-8"?>
+<p:sld xmlns:a="http://schemas.openxmlformats.org/drawingml/2006/main" xmlns:r="http://schemas.openxmlformats.org/officeDocument/2006/relationships" xmlns:p="http://schemas.openxmlformats.org/presentationml/2006/main">
+  <p:cSld>
+    <p:spTree>
+      <p:nvGrpSpPr>
+        <p:cNvPr id="1" name=""/>
+        <p:cNvGrpSpPr/>
+        <p:nvPr/>
+      </p:nvGrpSpPr>
+      <p:grpSpPr>
+        <a:xfrm>
+          <a:off x="0" y="0"/>
+          <a:ext cx="0" cy="0"/>
+          <a:chOff x="0" y="0"/>
+          <a:chExt cx="0" cy="0"/>
+        </a:xfrm>
+      </p:grpSpPr>
+      <p:sp>
+        <p:nvSpPr>
+          <p:cNvPr id="3" name="タイトル 1">
+            <a:extLst>
+              <a:ext uri="{FF2B5EF4-FFF2-40B4-BE49-F238E27FC236}">
+                <a16:creationId xmlns:a16="http://schemas.microsoft.com/office/drawing/2014/main" id="{DA9EE778-DCC5-3040-9087-5B00F4C1F6EB}"/>
+              </a:ext>
+            </a:extLst>
+          </p:cNvPr>
+          <p:cNvSpPr>
+            <a:spLocks noGrp="1"/>
+          </p:cNvSpPr>
+          <p:nvPr>
+            <p:ph type="title"/>
+          </p:nvPr>
+        </p:nvSpPr>
+        <p:spPr>
+          <a:xfrm>
+            <a:off x="628650" y="365126"/>
+            <a:ext cx="7886700" cy="1325563"/>
+          </a:xfrm>
+        </p:spPr>
+        <p:txBody>
+          <a:bodyPr/>
+          <a:lstStyle/>
+          <a:p>
+            <a:r>
+              <a:rPr lang="ja-JP" altLang="en-US">
+                <a:latin typeface="Gen Shin Gothic Medium" panose="020B0402020203020207" pitchFamily="34" charset="-128"/>
+                <a:ea typeface="Gen Shin Gothic Medium" panose="020B0402020203020207" pitchFamily="34" charset="-128"/>
+                <a:cs typeface="Gen Shin Gothic Medium" panose="020B0402020203020207" pitchFamily="34" charset="-128"/>
+              </a:rPr>
+              <a:t>まとめ</a:t>
+            </a:r>
+            <a:endParaRPr kumimoji="1" lang="ja-JP" altLang="en-US">
+              <a:latin typeface="Gen Shin Gothic Medium" panose="020B0402020203020207" pitchFamily="34" charset="-128"/>
+              <a:ea typeface="Gen Shin Gothic Medium" panose="020B0402020203020207" pitchFamily="34" charset="-128"/>
+              <a:cs typeface="Gen Shin Gothic Medium" panose="020B0402020203020207" pitchFamily="34" charset="-128"/>
+            </a:endParaRPr>
+          </a:p>
+        </p:txBody>
+      </p:sp>
+      <p:sp>
+        <p:nvSpPr>
+          <p:cNvPr id="4" name="コンテンツ プレースホルダー 2">
+            <a:extLst>
+              <a:ext uri="{FF2B5EF4-FFF2-40B4-BE49-F238E27FC236}">
+                <a16:creationId xmlns:a16="http://schemas.microsoft.com/office/drawing/2014/main" id="{DF3958B9-2478-D94E-B34E-1ACF8A3EB15B}"/>
+              </a:ext>
+            </a:extLst>
+          </p:cNvPr>
+          <p:cNvSpPr txBox="1">
+            <a:spLocks/>
+          </p:cNvSpPr>
+          <p:nvPr/>
+        </p:nvSpPr>
+        <p:spPr>
+          <a:xfrm>
+            <a:off x="628650" y="1825625"/>
+            <a:ext cx="7886700" cy="4351338"/>
+          </a:xfrm>
+          <a:prstGeom prst="rect">
+            <a:avLst/>
+          </a:prstGeom>
+        </p:spPr>
+        <p:txBody>
+          <a:bodyPr/>
+          <a:lstStyle>
+            <a:lvl1pPr marL="228600" indent="-228600" algn="l" defTabSz="914400" rtl="0" eaLnBrk="1" latinLnBrk="0" hangingPunct="1">
+              <a:lnSpc>
+                <a:spcPct val="90000"/>
+              </a:lnSpc>
+              <a:spcBef>
+                <a:spcPts val="1000"/>
+              </a:spcBef>
+              <a:buFont typeface="Arial" panose="020B0604020202020204" pitchFamily="34" charset="0"/>
+              <a:buChar char="•"/>
+              <a:defRPr kumimoji="1" sz="2800" kern="1200">
+                <a:solidFill>
+                  <a:schemeClr val="tx1"/>
+                </a:solidFill>
+                <a:latin typeface="+mn-lt"/>
+                <a:ea typeface="+mn-ea"/>
+                <a:cs typeface="+mn-cs"/>
+              </a:defRPr>
+            </a:lvl1pPr>
+            <a:lvl2pPr marL="685800" indent="-228600" algn="l" defTabSz="914400" rtl="0" eaLnBrk="1" latinLnBrk="0" hangingPunct="1">
+              <a:lnSpc>
+                <a:spcPct val="90000"/>
+              </a:lnSpc>
+              <a:spcBef>
+                <a:spcPts val="500"/>
+              </a:spcBef>
+              <a:buFont typeface="Arial" panose="020B0604020202020204" pitchFamily="34" charset="0"/>
+              <a:buChar char="•"/>
+              <a:defRPr kumimoji="1" sz="2400" kern="1200">
+                <a:solidFill>
+                  <a:schemeClr val="tx1"/>
+                </a:solidFill>
+                <a:latin typeface="+mn-lt"/>
+                <a:ea typeface="+mn-ea"/>
+                <a:cs typeface="+mn-cs"/>
+              </a:defRPr>
+            </a:lvl2pPr>
+            <a:lvl3pPr marL="1143000" indent="-228600" algn="l" defTabSz="914400" rtl="0" eaLnBrk="1" latinLnBrk="0" hangingPunct="1">
+              <a:lnSpc>
+                <a:spcPct val="90000"/>
+              </a:lnSpc>
+              <a:spcBef>
+                <a:spcPts val="500"/>
+              </a:spcBef>
+              <a:buFont typeface="Arial" panose="020B0604020202020204" pitchFamily="34" charset="0"/>
+              <a:buChar char="•"/>
+              <a:defRPr kumimoji="1" sz="2000" kern="1200">
+                <a:solidFill>
+                  <a:schemeClr val="tx1"/>
+                </a:solidFill>
+                <a:latin typeface="+mn-lt"/>
+                <a:ea typeface="+mn-ea"/>
+                <a:cs typeface="+mn-cs"/>
+              </a:defRPr>
+            </a:lvl3pPr>
+            <a:lvl4pPr marL="1600200" indent="-228600" algn="l" defTabSz="914400" rtl="0" eaLnBrk="1" latinLnBrk="0" hangingPunct="1">
+              <a:lnSpc>
+                <a:spcPct val="90000"/>
+              </a:lnSpc>
+              <a:spcBef>
+                <a:spcPts val="500"/>
+              </a:spcBef>
+              <a:buFont typeface="Arial" panose="020B0604020202020204" pitchFamily="34" charset="0"/>
+              <a:buChar char="•"/>
+              <a:defRPr kumimoji="1" sz="1800" kern="1200">
+                <a:solidFill>
+                  <a:schemeClr val="tx1"/>
+                </a:solidFill>
+                <a:latin typeface="+mn-lt"/>
+                <a:ea typeface="+mn-ea"/>
+                <a:cs typeface="+mn-cs"/>
+              </a:defRPr>
+            </a:lvl4pPr>
+            <a:lvl5pPr marL="2057400" indent="-228600" algn="l" defTabSz="914400" rtl="0" eaLnBrk="1" latinLnBrk="0" hangingPunct="1">
+              <a:lnSpc>
+                <a:spcPct val="90000"/>
+              </a:lnSpc>
+              <a:spcBef>
+                <a:spcPts val="500"/>
+              </a:spcBef>
+              <a:buFont typeface="Arial" panose="020B0604020202020204" pitchFamily="34" charset="0"/>
+              <a:buChar char="•"/>
+              <a:defRPr kumimoji="1" sz="1800" kern="1200">
+                <a:solidFill>
+                  <a:schemeClr val="tx1"/>
+                </a:solidFill>
+                <a:latin typeface="+mn-lt"/>
+                <a:ea typeface="+mn-ea"/>
+                <a:cs typeface="+mn-cs"/>
+              </a:defRPr>
+            </a:lvl5pPr>
+            <a:lvl6pPr marL="2514600" indent="-228600" algn="l" defTabSz="914400" rtl="0" eaLnBrk="1" latinLnBrk="0" hangingPunct="1">
+              <a:lnSpc>
+                <a:spcPct val="90000"/>
+              </a:lnSpc>
+              <a:spcBef>
+                <a:spcPts val="500"/>
+              </a:spcBef>
+              <a:buFont typeface="Arial" panose="020B0604020202020204" pitchFamily="34" charset="0"/>
+              <a:buChar char="•"/>
+              <a:defRPr kumimoji="1" sz="1800" kern="1200">
+                <a:solidFill>
+                  <a:schemeClr val="tx1"/>
+                </a:solidFill>
+                <a:latin typeface="+mn-lt"/>
+                <a:ea typeface="+mn-ea"/>
+                <a:cs typeface="+mn-cs"/>
+              </a:defRPr>
+            </a:lvl6pPr>
+            <a:lvl7pPr marL="2971800" indent="-228600" algn="l" defTabSz="914400" rtl="0" eaLnBrk="1" latinLnBrk="0" hangingPunct="1">
+              <a:lnSpc>
+                <a:spcPct val="90000"/>
+              </a:lnSpc>
+              <a:spcBef>
+                <a:spcPts val="500"/>
+              </a:spcBef>
+              <a:buFont typeface="Arial" panose="020B0604020202020204" pitchFamily="34" charset="0"/>
+              <a:buChar char="•"/>
+              <a:defRPr kumimoji="1" sz="1800" kern="1200">
+                <a:solidFill>
+                  <a:schemeClr val="tx1"/>
+                </a:solidFill>
+                <a:latin typeface="+mn-lt"/>
+                <a:ea typeface="+mn-ea"/>
+                <a:cs typeface="+mn-cs"/>
+              </a:defRPr>
+            </a:lvl7pPr>
+            <a:lvl8pPr marL="3429000" indent="-228600" algn="l" defTabSz="914400" rtl="0" eaLnBrk="1" latinLnBrk="0" hangingPunct="1">
+              <a:lnSpc>
+                <a:spcPct val="90000"/>
+              </a:lnSpc>
+              <a:spcBef>
+                <a:spcPts val="500"/>
+              </a:spcBef>
+              <a:buFont typeface="Arial" panose="020B0604020202020204" pitchFamily="34" charset="0"/>
+              <a:buChar char="•"/>
+              <a:defRPr kumimoji="1" sz="1800" kern="1200">
+                <a:solidFill>
+                  <a:schemeClr val="tx1"/>
+                </a:solidFill>
+                <a:latin typeface="+mn-lt"/>
+                <a:ea typeface="+mn-ea"/>
+                <a:cs typeface="+mn-cs"/>
+              </a:defRPr>
+            </a:lvl8pPr>
+            <a:lvl9pPr marL="3886200" indent="-228600" algn="l" defTabSz="914400" rtl="0" eaLnBrk="1" latinLnBrk="0" hangingPunct="1">
+              <a:lnSpc>
+                <a:spcPct val="90000"/>
+              </a:lnSpc>
+              <a:spcBef>
+                <a:spcPts val="500"/>
+              </a:spcBef>
+              <a:buFont typeface="Arial" panose="020B0604020202020204" pitchFamily="34" charset="0"/>
+              <a:buChar char="•"/>
+              <a:defRPr kumimoji="1" sz="1800" kern="1200">
+                <a:solidFill>
+                  <a:schemeClr val="tx1"/>
+                </a:solidFill>
+                <a:latin typeface="+mn-lt"/>
+                <a:ea typeface="+mn-ea"/>
+                <a:cs typeface="+mn-cs"/>
+              </a:defRPr>
+            </a:lvl9pPr>
+          </a:lstStyle>
+          <a:p>
+            <a:pPr>
+              <a:lnSpc>
+                <a:spcPct val="150000"/>
+              </a:lnSpc>
+            </a:pPr>
+            <a:r>
+              <a:rPr lang="ja-JP" altLang="en-US" sz="2400">
+                <a:latin typeface="Gen Shin Gothic Medium" panose="020B0402020203020207" pitchFamily="34" charset="-128"/>
+                <a:ea typeface="Gen Shin Gothic Medium" panose="020B0402020203020207" pitchFamily="34" charset="-128"/>
+                <a:cs typeface="Gen Shin Gothic Medium" panose="020B0402020203020207" pitchFamily="34" charset="-128"/>
+              </a:rPr>
+              <a:t>コミットなどを可視化する </a:t>
+            </a:r>
+            <a:r>
+              <a:rPr lang="en-US" altLang="ja-JP" sz="2400" dirty="0">
+                <a:latin typeface="Gen Shin Gothic Medium" panose="020B0402020203020207" pitchFamily="34" charset="-128"/>
+                <a:ea typeface="Gen Shin Gothic Medium" panose="020B0402020203020207" pitchFamily="34" charset="-128"/>
+                <a:cs typeface="Gen Shin Gothic Medium" panose="020B0402020203020207" pitchFamily="34" charset="-128"/>
+              </a:rPr>
+              <a:t>(</a:t>
+            </a:r>
+            <a:r>
+              <a:rPr lang="en" altLang="ja-JP" sz="2400" dirty="0">
+                <a:solidFill>
+                  <a:schemeClr val="accent1"/>
+                </a:solidFill>
+                <a:latin typeface="Gen Shin Gothic Medium" panose="020B0402020203020207" pitchFamily="34" charset="-128"/>
+                <a:ea typeface="Gen Shin Gothic Medium" panose="020B0402020203020207" pitchFamily="34" charset="-128"/>
+                <a:cs typeface="Gen Shin Gothic Medium" panose="020B0402020203020207" pitchFamily="34" charset="-128"/>
+              </a:rPr>
+              <a:t>status</a:t>
+            </a:r>
+            <a:r>
+              <a:rPr lang="en" altLang="ja-JP" sz="2400" dirty="0">
+                <a:latin typeface="Gen Shin Gothic Medium" panose="020B0402020203020207" pitchFamily="34" charset="-128"/>
+                <a:ea typeface="Gen Shin Gothic Medium" panose="020B0402020203020207" pitchFamily="34" charset="-128"/>
+                <a:cs typeface="Gen Shin Gothic Medium" panose="020B0402020203020207" pitchFamily="34" charset="-128"/>
+              </a:rPr>
+              <a:t>/</a:t>
+            </a:r>
+            <a:r>
+              <a:rPr lang="en" altLang="ja-JP" sz="2400" dirty="0">
+                <a:solidFill>
+                  <a:schemeClr val="accent1"/>
+                </a:solidFill>
+                <a:latin typeface="Gen Shin Gothic Medium" panose="020B0402020203020207" pitchFamily="34" charset="-128"/>
+                <a:ea typeface="Gen Shin Gothic Medium" panose="020B0402020203020207" pitchFamily="34" charset="-128"/>
+                <a:cs typeface="Gen Shin Gothic Medium" panose="020B0402020203020207" pitchFamily="34" charset="-128"/>
+              </a:rPr>
+              <a:t>log</a:t>
+            </a:r>
+            <a:r>
+              <a:rPr lang="en" altLang="ja-JP" sz="2400" dirty="0">
+                <a:latin typeface="Gen Shin Gothic Medium" panose="020B0402020203020207" pitchFamily="34" charset="-128"/>
+                <a:ea typeface="Gen Shin Gothic Medium" panose="020B0402020203020207" pitchFamily="34" charset="-128"/>
+                <a:cs typeface="Gen Shin Gothic Medium" panose="020B0402020203020207" pitchFamily="34" charset="-128"/>
+              </a:rPr>
+              <a:t>/</a:t>
+            </a:r>
+            <a:r>
+              <a:rPr lang="en" altLang="ja-JP" sz="2400" dirty="0">
+                <a:solidFill>
+                  <a:schemeClr val="accent1"/>
+                </a:solidFill>
+                <a:latin typeface="Gen Shin Gothic Medium" panose="020B0402020203020207" pitchFamily="34" charset="-128"/>
+                <a:ea typeface="Gen Shin Gothic Medium" panose="020B0402020203020207" pitchFamily="34" charset="-128"/>
+                <a:cs typeface="Gen Shin Gothic Medium" panose="020B0402020203020207" pitchFamily="34" charset="-128"/>
+              </a:rPr>
+              <a:t>diff</a:t>
+            </a:r>
+            <a:r>
+              <a:rPr lang="en" altLang="ja-JP" sz="2400" dirty="0">
+                <a:latin typeface="Gen Shin Gothic Medium" panose="020B0402020203020207" pitchFamily="34" charset="-128"/>
+                <a:ea typeface="Gen Shin Gothic Medium" panose="020B0402020203020207" pitchFamily="34" charset="-128"/>
+                <a:cs typeface="Gen Shin Gothic Medium" panose="020B0402020203020207" pitchFamily="34" charset="-128"/>
+              </a:rPr>
+              <a:t>)</a:t>
+            </a:r>
+          </a:p>
+          <a:p>
+            <a:pPr>
+              <a:lnSpc>
+                <a:spcPct val="150000"/>
+              </a:lnSpc>
+            </a:pPr>
+            <a:r>
+              <a:rPr lang="ja-JP" altLang="en-US" sz="2400">
+                <a:latin typeface="Gen Shin Gothic Medium" panose="020B0402020203020207" pitchFamily="34" charset="-128"/>
+                <a:ea typeface="Gen Shin Gothic Medium" panose="020B0402020203020207" pitchFamily="34" charset="-128"/>
+                <a:cs typeface="Gen Shin Gothic Medium" panose="020B0402020203020207" pitchFamily="34" charset="-128"/>
+              </a:rPr>
+              <a:t>コミットを作る </a:t>
+            </a:r>
+            <a:r>
+              <a:rPr lang="en-US" altLang="ja-JP" sz="2400" dirty="0">
+                <a:latin typeface="Gen Shin Gothic Medium" panose="020B0402020203020207" pitchFamily="34" charset="-128"/>
+                <a:ea typeface="Gen Shin Gothic Medium" panose="020B0402020203020207" pitchFamily="34" charset="-128"/>
+                <a:cs typeface="Gen Shin Gothic Medium" panose="020B0402020203020207" pitchFamily="34" charset="-128"/>
+              </a:rPr>
+              <a:t>(</a:t>
+            </a:r>
+            <a:r>
+              <a:rPr lang="en" altLang="ja-JP" sz="2400" dirty="0">
+                <a:solidFill>
+                  <a:schemeClr val="accent1"/>
+                </a:solidFill>
+                <a:latin typeface="Gen Shin Gothic Medium" panose="020B0402020203020207" pitchFamily="34" charset="-128"/>
+                <a:ea typeface="Gen Shin Gothic Medium" panose="020B0402020203020207" pitchFamily="34" charset="-128"/>
+                <a:cs typeface="Gen Shin Gothic Medium" panose="020B0402020203020207" pitchFamily="34" charset="-128"/>
+              </a:rPr>
+              <a:t>add</a:t>
+            </a:r>
+            <a:r>
+              <a:rPr lang="en" altLang="ja-JP" sz="2400" dirty="0">
+                <a:latin typeface="Gen Shin Gothic Medium" panose="020B0402020203020207" pitchFamily="34" charset="-128"/>
+                <a:ea typeface="Gen Shin Gothic Medium" panose="020B0402020203020207" pitchFamily="34" charset="-128"/>
+                <a:cs typeface="Gen Shin Gothic Medium" panose="020B0402020203020207" pitchFamily="34" charset="-128"/>
+              </a:rPr>
+              <a:t>/</a:t>
+            </a:r>
+            <a:r>
+              <a:rPr lang="en" altLang="ja-JP" sz="2400" dirty="0">
+                <a:solidFill>
+                  <a:schemeClr val="accent1"/>
+                </a:solidFill>
+                <a:latin typeface="Gen Shin Gothic Medium" panose="020B0402020203020207" pitchFamily="34" charset="-128"/>
+                <a:ea typeface="Gen Shin Gothic Medium" panose="020B0402020203020207" pitchFamily="34" charset="-128"/>
+                <a:cs typeface="Gen Shin Gothic Medium" panose="020B0402020203020207" pitchFamily="34" charset="-128"/>
+              </a:rPr>
+              <a:t>commit</a:t>
+            </a:r>
+            <a:r>
+              <a:rPr lang="en" altLang="ja-JP" sz="2400" dirty="0">
+                <a:latin typeface="Gen Shin Gothic Medium" panose="020B0402020203020207" pitchFamily="34" charset="-128"/>
+                <a:ea typeface="Gen Shin Gothic Medium" panose="020B0402020203020207" pitchFamily="34" charset="-128"/>
+                <a:cs typeface="Gen Shin Gothic Medium" panose="020B0402020203020207" pitchFamily="34" charset="-128"/>
+              </a:rPr>
+              <a:t>)</a:t>
+            </a:r>
+          </a:p>
+          <a:p>
+            <a:pPr>
+              <a:lnSpc>
+                <a:spcPct val="150000"/>
+              </a:lnSpc>
+            </a:pPr>
+            <a:r>
+              <a:rPr lang="ja-JP" altLang="en-US" sz="2400">
+                <a:latin typeface="Gen Shin Gothic Medium" panose="020B0402020203020207" pitchFamily="34" charset="-128"/>
+                <a:ea typeface="Gen Shin Gothic Medium" panose="020B0402020203020207" pitchFamily="34" charset="-128"/>
+                <a:cs typeface="Gen Shin Gothic Medium" panose="020B0402020203020207" pitchFamily="34" charset="-128"/>
+              </a:rPr>
+              <a:t>古いコミット・ブロブに行き来できる </a:t>
+            </a:r>
+            <a:r>
+              <a:rPr lang="en-US" altLang="ja-JP" sz="2400" dirty="0">
+                <a:latin typeface="Gen Shin Gothic Medium" panose="020B0402020203020207" pitchFamily="34" charset="-128"/>
+                <a:ea typeface="Gen Shin Gothic Medium" panose="020B0402020203020207" pitchFamily="34" charset="-128"/>
+                <a:cs typeface="Gen Shin Gothic Medium" panose="020B0402020203020207" pitchFamily="34" charset="-128"/>
+              </a:rPr>
+              <a:t>(</a:t>
+            </a:r>
+            <a:r>
+              <a:rPr lang="en" altLang="ja-JP" sz="2400" dirty="0">
+                <a:solidFill>
+                  <a:schemeClr val="accent1"/>
+                </a:solidFill>
+                <a:latin typeface="Gen Shin Gothic Medium" panose="020B0402020203020207" pitchFamily="34" charset="-128"/>
+                <a:ea typeface="Gen Shin Gothic Medium" panose="020B0402020203020207" pitchFamily="34" charset="-128"/>
+                <a:cs typeface="Gen Shin Gothic Medium" panose="020B0402020203020207" pitchFamily="34" charset="-128"/>
+              </a:rPr>
+              <a:t>checkout</a:t>
+            </a:r>
+            <a:r>
+              <a:rPr lang="en" altLang="ja-JP" sz="2400" dirty="0">
+                <a:latin typeface="Gen Shin Gothic Medium" panose="020B0402020203020207" pitchFamily="34" charset="-128"/>
+                <a:ea typeface="Gen Shin Gothic Medium" panose="020B0402020203020207" pitchFamily="34" charset="-128"/>
+                <a:cs typeface="Gen Shin Gothic Medium" panose="020B0402020203020207" pitchFamily="34" charset="-128"/>
+              </a:rPr>
+              <a:t>)</a:t>
+            </a:r>
+          </a:p>
+          <a:p>
+            <a:pPr>
+              <a:lnSpc>
+                <a:spcPct val="150000"/>
+              </a:lnSpc>
+            </a:pPr>
+            <a:r>
+              <a:rPr lang="ja-JP" altLang="en-US" sz="2400">
+                <a:latin typeface="Gen Shin Gothic Medium" panose="020B0402020203020207" pitchFamily="34" charset="-128"/>
+                <a:ea typeface="Gen Shin Gothic Medium" panose="020B0402020203020207" pitchFamily="34" charset="-128"/>
+                <a:cs typeface="Gen Shin Gothic Medium" panose="020B0402020203020207" pitchFamily="34" charset="-128"/>
+              </a:rPr>
+              <a:t>複数のコミットを並列管理する </a:t>
+            </a:r>
+            <a:r>
+              <a:rPr lang="en-US" altLang="ja-JP" sz="2400" dirty="0">
+                <a:latin typeface="Gen Shin Gothic Medium" panose="020B0402020203020207" pitchFamily="34" charset="-128"/>
+                <a:ea typeface="Gen Shin Gothic Medium" panose="020B0402020203020207" pitchFamily="34" charset="-128"/>
+                <a:cs typeface="Gen Shin Gothic Medium" panose="020B0402020203020207" pitchFamily="34" charset="-128"/>
+              </a:rPr>
+              <a:t>(</a:t>
+            </a:r>
+            <a:r>
+              <a:rPr lang="en" altLang="ja-JP" sz="2400" dirty="0">
+                <a:solidFill>
+                  <a:schemeClr val="accent1"/>
+                </a:solidFill>
+                <a:latin typeface="Gen Shin Gothic Medium" panose="020B0402020203020207" pitchFamily="34" charset="-128"/>
+                <a:ea typeface="Gen Shin Gothic Medium" panose="020B0402020203020207" pitchFamily="34" charset="-128"/>
+                <a:cs typeface="Gen Shin Gothic Medium" panose="020B0402020203020207" pitchFamily="34" charset="-128"/>
+              </a:rPr>
+              <a:t>checkout -b</a:t>
+            </a:r>
+            <a:r>
+              <a:rPr lang="en" altLang="ja-JP" sz="2400" dirty="0">
+                <a:latin typeface="Gen Shin Gothic Medium" panose="020B0402020203020207" pitchFamily="34" charset="-128"/>
+                <a:ea typeface="Gen Shin Gothic Medium" panose="020B0402020203020207" pitchFamily="34" charset="-128"/>
+                <a:cs typeface="Gen Shin Gothic Medium" panose="020B0402020203020207" pitchFamily="34" charset="-128"/>
+              </a:rPr>
+              <a:t>/</a:t>
+            </a:r>
+            <a:r>
+              <a:rPr lang="en" altLang="ja-JP" sz="2400" dirty="0">
+                <a:solidFill>
+                  <a:schemeClr val="accent1"/>
+                </a:solidFill>
+                <a:latin typeface="Gen Shin Gothic Medium" panose="020B0402020203020207" pitchFamily="34" charset="-128"/>
+                <a:ea typeface="Gen Shin Gothic Medium" panose="020B0402020203020207" pitchFamily="34" charset="-128"/>
+                <a:cs typeface="Gen Shin Gothic Medium" panose="020B0402020203020207" pitchFamily="34" charset="-128"/>
+              </a:rPr>
+              <a:t>branch</a:t>
+            </a:r>
+            <a:r>
+              <a:rPr lang="en" altLang="ja-JP" sz="2400" dirty="0">
+                <a:latin typeface="Gen Shin Gothic Medium" panose="020B0402020203020207" pitchFamily="34" charset="-128"/>
+                <a:ea typeface="Gen Shin Gothic Medium" panose="020B0402020203020207" pitchFamily="34" charset="-128"/>
+                <a:cs typeface="Gen Shin Gothic Medium" panose="020B0402020203020207" pitchFamily="34" charset="-128"/>
+              </a:rPr>
+              <a:t>)</a:t>
+            </a:r>
+          </a:p>
+          <a:p>
+            <a:pPr>
+              <a:lnSpc>
+                <a:spcPct val="150000"/>
+              </a:lnSpc>
+            </a:pPr>
+            <a:r>
+              <a:rPr lang="ja-JP" altLang="en-US" sz="2400">
+                <a:latin typeface="Gen Shin Gothic Medium" panose="020B0402020203020207" pitchFamily="34" charset="-128"/>
+                <a:ea typeface="Gen Shin Gothic Medium" panose="020B0402020203020207" pitchFamily="34" charset="-128"/>
+                <a:cs typeface="Gen Shin Gothic Medium" panose="020B0402020203020207" pitchFamily="34" charset="-128"/>
+              </a:rPr>
+              <a:t>２つのコミットを合体させる </a:t>
+            </a:r>
+            <a:r>
+              <a:rPr lang="en-US" altLang="ja-JP" sz="2400" dirty="0">
+                <a:latin typeface="Gen Shin Gothic Medium" panose="020B0402020203020207" pitchFamily="34" charset="-128"/>
+                <a:ea typeface="Gen Shin Gothic Medium" panose="020B0402020203020207" pitchFamily="34" charset="-128"/>
+                <a:cs typeface="Gen Shin Gothic Medium" panose="020B0402020203020207" pitchFamily="34" charset="-128"/>
+              </a:rPr>
+              <a:t>(</a:t>
+            </a:r>
+            <a:r>
+              <a:rPr lang="en" altLang="ja-JP" sz="2400" dirty="0">
+                <a:solidFill>
+                  <a:schemeClr val="accent1"/>
+                </a:solidFill>
+                <a:latin typeface="Gen Shin Gothic Medium" panose="020B0402020203020207" pitchFamily="34" charset="-128"/>
+                <a:ea typeface="Gen Shin Gothic Medium" panose="020B0402020203020207" pitchFamily="34" charset="-128"/>
+                <a:cs typeface="Gen Shin Gothic Medium" panose="020B0402020203020207" pitchFamily="34" charset="-128"/>
+              </a:rPr>
+              <a:t>merge</a:t>
+            </a:r>
+            <a:r>
+              <a:rPr lang="en" altLang="ja-JP" sz="2400" dirty="0">
+                <a:latin typeface="Gen Shin Gothic Medium" panose="020B0402020203020207" pitchFamily="34" charset="-128"/>
+                <a:ea typeface="Gen Shin Gothic Medium" panose="020B0402020203020207" pitchFamily="34" charset="-128"/>
+                <a:cs typeface="Gen Shin Gothic Medium" panose="020B0402020203020207" pitchFamily="34" charset="-128"/>
+              </a:rPr>
+              <a:t>)</a:t>
+            </a:r>
+          </a:p>
+          <a:p>
+            <a:pPr marL="0" indent="0">
+              <a:lnSpc>
+                <a:spcPct val="150000"/>
+              </a:lnSpc>
+              <a:buNone/>
+            </a:pPr>
+            <a:r>
+              <a:rPr lang="ja-JP" altLang="en-US" sz="2400">
+                <a:latin typeface="Gen Shin Gothic Medium" panose="020B0402020203020207" pitchFamily="34" charset="-128"/>
+                <a:ea typeface="Gen Shin Gothic Medium" panose="020B0402020203020207" pitchFamily="34" charset="-128"/>
+                <a:cs typeface="Gen Shin Gothic Medium" panose="020B0402020203020207" pitchFamily="34" charset="-128"/>
+              </a:rPr>
+              <a:t>というコマンドが</a:t>
+            </a:r>
+            <a:r>
+              <a:rPr lang="en-US" altLang="ja-JP" sz="2400" dirty="0">
+                <a:latin typeface="Gen Shin Gothic Medium" panose="020B0402020203020207" pitchFamily="34" charset="-128"/>
+                <a:ea typeface="Gen Shin Gothic Medium" panose="020B0402020203020207" pitchFamily="34" charset="-128"/>
+                <a:cs typeface="Gen Shin Gothic Medium" panose="020B0402020203020207" pitchFamily="34" charset="-128"/>
+              </a:rPr>
+              <a:t> git </a:t>
+            </a:r>
+            <a:r>
+              <a:rPr lang="ja-JP" altLang="en-US" sz="2400">
+                <a:latin typeface="Gen Shin Gothic Medium" panose="020B0402020203020207" pitchFamily="34" charset="-128"/>
+                <a:ea typeface="Gen Shin Gothic Medium" panose="020B0402020203020207" pitchFamily="34" charset="-128"/>
+                <a:cs typeface="Gen Shin Gothic Medium" panose="020B0402020203020207" pitchFamily="34" charset="-128"/>
+              </a:rPr>
+              <a:t>にはある</a:t>
+            </a:r>
+            <a:endParaRPr lang="en" altLang="ja-JP" sz="2400" dirty="0">
+              <a:latin typeface="Gen Shin Gothic Medium" panose="020B0402020203020207" pitchFamily="34" charset="-128"/>
+              <a:ea typeface="Gen Shin Gothic Medium" panose="020B0402020203020207" pitchFamily="34" charset="-128"/>
+              <a:cs typeface="Gen Shin Gothic Medium" panose="020B0402020203020207" pitchFamily="34" charset="-128"/>
+            </a:endParaRPr>
+          </a:p>
+        </p:txBody>
+      </p:sp>
+    </p:spTree>
+    <p:extLst>
+      <p:ext uri="{BB962C8B-B14F-4D97-AF65-F5344CB8AC3E}">
+        <p14:creationId xmlns:p14="http://schemas.microsoft.com/office/powerpoint/2010/main" val="2087482666"/>
+      </p:ext>
+    </p:extLst>
+  </p:cSld>
+  <p:clrMapOvr>
+    <a:masterClrMapping/>
+  </p:clrMapOvr>
+</p:sld>
+</file>
+
 <file path=ppt/slides/slide2.xml><?xml version="1.0" encoding="utf-8"?>
 <p:sld xmlns:a="http://schemas.openxmlformats.org/drawingml/2006/main" xmlns:r="http://schemas.openxmlformats.org/officeDocument/2006/relationships" xmlns:p="http://schemas.openxmlformats.org/presentationml/2006/main">
   <p:cSld>
@@ -5116,6 +7634,302 @@
           </a:p>
         </p:txBody>
       </p:sp>
+      <p:sp>
+        <p:nvSpPr>
+          <p:cNvPr id="10" name="コンテンツ プレースホルダー 2">
+            <a:extLst>
+              <a:ext uri="{FF2B5EF4-FFF2-40B4-BE49-F238E27FC236}">
+                <a16:creationId xmlns:a16="http://schemas.microsoft.com/office/drawing/2014/main" id="{B2CAA91E-EA08-D14A-8C30-C65F6FEFD6A7}"/>
+              </a:ext>
+            </a:extLst>
+          </p:cNvPr>
+          <p:cNvSpPr txBox="1">
+            <a:spLocks/>
+          </p:cNvSpPr>
+          <p:nvPr/>
+        </p:nvSpPr>
+        <p:spPr>
+          <a:xfrm>
+            <a:off x="2543331" y="1825060"/>
+            <a:ext cx="5972019" cy="2093797"/>
+          </a:xfrm>
+          <a:prstGeom prst="rect">
+            <a:avLst/>
+          </a:prstGeom>
+        </p:spPr>
+        <p:txBody>
+          <a:bodyPr>
+            <a:normAutofit/>
+          </a:bodyPr>
+          <a:lstStyle>
+            <a:lvl1pPr marL="228600" indent="-228600" algn="l" defTabSz="914400" rtl="0" eaLnBrk="1" latinLnBrk="0" hangingPunct="1">
+              <a:lnSpc>
+                <a:spcPct val="90000"/>
+              </a:lnSpc>
+              <a:spcBef>
+                <a:spcPts val="1000"/>
+              </a:spcBef>
+              <a:buFont typeface="Arial" panose="020B0604020202020204" pitchFamily="34" charset="0"/>
+              <a:buChar char="•"/>
+              <a:defRPr kumimoji="1" sz="2800" kern="1200">
+                <a:solidFill>
+                  <a:schemeClr val="tx1"/>
+                </a:solidFill>
+                <a:latin typeface="+mn-lt"/>
+                <a:ea typeface="+mn-ea"/>
+                <a:cs typeface="+mn-cs"/>
+              </a:defRPr>
+            </a:lvl1pPr>
+            <a:lvl2pPr marL="685800" indent="-228600" algn="l" defTabSz="914400" rtl="0" eaLnBrk="1" latinLnBrk="0" hangingPunct="1">
+              <a:lnSpc>
+                <a:spcPct val="90000"/>
+              </a:lnSpc>
+              <a:spcBef>
+                <a:spcPts val="500"/>
+              </a:spcBef>
+              <a:buFont typeface="Arial" panose="020B0604020202020204" pitchFamily="34" charset="0"/>
+              <a:buChar char="•"/>
+              <a:defRPr kumimoji="1" sz="2400" kern="1200">
+                <a:solidFill>
+                  <a:schemeClr val="tx1"/>
+                </a:solidFill>
+                <a:latin typeface="+mn-lt"/>
+                <a:ea typeface="+mn-ea"/>
+                <a:cs typeface="+mn-cs"/>
+              </a:defRPr>
+            </a:lvl2pPr>
+            <a:lvl3pPr marL="1143000" indent="-228600" algn="l" defTabSz="914400" rtl="0" eaLnBrk="1" latinLnBrk="0" hangingPunct="1">
+              <a:lnSpc>
+                <a:spcPct val="90000"/>
+              </a:lnSpc>
+              <a:spcBef>
+                <a:spcPts val="500"/>
+              </a:spcBef>
+              <a:buFont typeface="Arial" panose="020B0604020202020204" pitchFamily="34" charset="0"/>
+              <a:buChar char="•"/>
+              <a:defRPr kumimoji="1" sz="2000" kern="1200">
+                <a:solidFill>
+                  <a:schemeClr val="tx1"/>
+                </a:solidFill>
+                <a:latin typeface="+mn-lt"/>
+                <a:ea typeface="+mn-ea"/>
+                <a:cs typeface="+mn-cs"/>
+              </a:defRPr>
+            </a:lvl3pPr>
+            <a:lvl4pPr marL="1600200" indent="-228600" algn="l" defTabSz="914400" rtl="0" eaLnBrk="1" latinLnBrk="0" hangingPunct="1">
+              <a:lnSpc>
+                <a:spcPct val="90000"/>
+              </a:lnSpc>
+              <a:spcBef>
+                <a:spcPts val="500"/>
+              </a:spcBef>
+              <a:buFont typeface="Arial" panose="020B0604020202020204" pitchFamily="34" charset="0"/>
+              <a:buChar char="•"/>
+              <a:defRPr kumimoji="1" sz="1800" kern="1200">
+                <a:solidFill>
+                  <a:schemeClr val="tx1"/>
+                </a:solidFill>
+                <a:latin typeface="+mn-lt"/>
+                <a:ea typeface="+mn-ea"/>
+                <a:cs typeface="+mn-cs"/>
+              </a:defRPr>
+            </a:lvl4pPr>
+            <a:lvl5pPr marL="2057400" indent="-228600" algn="l" defTabSz="914400" rtl="0" eaLnBrk="1" latinLnBrk="0" hangingPunct="1">
+              <a:lnSpc>
+                <a:spcPct val="90000"/>
+              </a:lnSpc>
+              <a:spcBef>
+                <a:spcPts val="500"/>
+              </a:spcBef>
+              <a:buFont typeface="Arial" panose="020B0604020202020204" pitchFamily="34" charset="0"/>
+              <a:buChar char="•"/>
+              <a:defRPr kumimoji="1" sz="1800" kern="1200">
+                <a:solidFill>
+                  <a:schemeClr val="tx1"/>
+                </a:solidFill>
+                <a:latin typeface="+mn-lt"/>
+                <a:ea typeface="+mn-ea"/>
+                <a:cs typeface="+mn-cs"/>
+              </a:defRPr>
+            </a:lvl5pPr>
+            <a:lvl6pPr marL="2514600" indent="-228600" algn="l" defTabSz="914400" rtl="0" eaLnBrk="1" latinLnBrk="0" hangingPunct="1">
+              <a:lnSpc>
+                <a:spcPct val="90000"/>
+              </a:lnSpc>
+              <a:spcBef>
+                <a:spcPts val="500"/>
+              </a:spcBef>
+              <a:buFont typeface="Arial" panose="020B0604020202020204" pitchFamily="34" charset="0"/>
+              <a:buChar char="•"/>
+              <a:defRPr kumimoji="1" sz="1800" kern="1200">
+                <a:solidFill>
+                  <a:schemeClr val="tx1"/>
+                </a:solidFill>
+                <a:latin typeface="+mn-lt"/>
+                <a:ea typeface="+mn-ea"/>
+                <a:cs typeface="+mn-cs"/>
+              </a:defRPr>
+            </a:lvl6pPr>
+            <a:lvl7pPr marL="2971800" indent="-228600" algn="l" defTabSz="914400" rtl="0" eaLnBrk="1" latinLnBrk="0" hangingPunct="1">
+              <a:lnSpc>
+                <a:spcPct val="90000"/>
+              </a:lnSpc>
+              <a:spcBef>
+                <a:spcPts val="500"/>
+              </a:spcBef>
+              <a:buFont typeface="Arial" panose="020B0604020202020204" pitchFamily="34" charset="0"/>
+              <a:buChar char="•"/>
+              <a:defRPr kumimoji="1" sz="1800" kern="1200">
+                <a:solidFill>
+                  <a:schemeClr val="tx1"/>
+                </a:solidFill>
+                <a:latin typeface="+mn-lt"/>
+                <a:ea typeface="+mn-ea"/>
+                <a:cs typeface="+mn-cs"/>
+              </a:defRPr>
+            </a:lvl7pPr>
+            <a:lvl8pPr marL="3429000" indent="-228600" algn="l" defTabSz="914400" rtl="0" eaLnBrk="1" latinLnBrk="0" hangingPunct="1">
+              <a:lnSpc>
+                <a:spcPct val="90000"/>
+              </a:lnSpc>
+              <a:spcBef>
+                <a:spcPts val="500"/>
+              </a:spcBef>
+              <a:buFont typeface="Arial" panose="020B0604020202020204" pitchFamily="34" charset="0"/>
+              <a:buChar char="•"/>
+              <a:defRPr kumimoji="1" sz="1800" kern="1200">
+                <a:solidFill>
+                  <a:schemeClr val="tx1"/>
+                </a:solidFill>
+                <a:latin typeface="+mn-lt"/>
+                <a:ea typeface="+mn-ea"/>
+                <a:cs typeface="+mn-cs"/>
+              </a:defRPr>
+            </a:lvl8pPr>
+            <a:lvl9pPr marL="3886200" indent="-228600" algn="l" defTabSz="914400" rtl="0" eaLnBrk="1" latinLnBrk="0" hangingPunct="1">
+              <a:lnSpc>
+                <a:spcPct val="90000"/>
+              </a:lnSpc>
+              <a:spcBef>
+                <a:spcPts val="500"/>
+              </a:spcBef>
+              <a:buFont typeface="Arial" panose="020B0604020202020204" pitchFamily="34" charset="0"/>
+              <a:buChar char="•"/>
+              <a:defRPr kumimoji="1" sz="1800" kern="1200">
+                <a:solidFill>
+                  <a:schemeClr val="tx1"/>
+                </a:solidFill>
+                <a:latin typeface="+mn-lt"/>
+                <a:ea typeface="+mn-ea"/>
+                <a:cs typeface="+mn-cs"/>
+              </a:defRPr>
+            </a:lvl9pPr>
+          </a:lstStyle>
+          <a:p>
+            <a:pPr marL="0" indent="0">
+              <a:buFont typeface="Arial" panose="020B0604020202020204" pitchFamily="34" charset="0"/>
+              <a:buNone/>
+            </a:pPr>
+            <a:r>
+              <a:rPr lang="en-US" altLang="ja-JP" dirty="0">
+                <a:latin typeface="Gen Shin Gothic Medium" panose="020B0402020203020207" pitchFamily="34" charset="-128"/>
+                <a:ea typeface="Gen Shin Gothic Medium" panose="020B0402020203020207" pitchFamily="34" charset="-128"/>
+                <a:cs typeface="Gen Shin Gothic Medium" panose="020B0402020203020207" pitchFamily="34" charset="-128"/>
+              </a:rPr>
+              <a:t>git add </a:t>
+            </a:r>
+            <a:r>
+              <a:rPr lang="ja-JP" altLang="en-US">
+                <a:latin typeface="Gen Shin Gothic Medium" panose="020B0402020203020207" pitchFamily="34" charset="-128"/>
+                <a:ea typeface="Gen Shin Gothic Medium" panose="020B0402020203020207" pitchFamily="34" charset="-128"/>
+                <a:cs typeface="Gen Shin Gothic Medium" panose="020B0402020203020207" pitchFamily="34" charset="-128"/>
+              </a:rPr>
+              <a:t>と</a:t>
+            </a:r>
+            <a:r>
+              <a:rPr lang="en-US" altLang="ja-JP" dirty="0">
+                <a:latin typeface="Gen Shin Gothic Medium" panose="020B0402020203020207" pitchFamily="34" charset="-128"/>
+                <a:ea typeface="Gen Shin Gothic Medium" panose="020B0402020203020207" pitchFamily="34" charset="-128"/>
+                <a:cs typeface="Gen Shin Gothic Medium" panose="020B0402020203020207" pitchFamily="34" charset="-128"/>
+              </a:rPr>
+              <a:t> git commit </a:t>
+            </a:r>
+            <a:r>
+              <a:rPr lang="ja-JP" altLang="en-US">
+                <a:latin typeface="Gen Shin Gothic Medium" panose="020B0402020203020207" pitchFamily="34" charset="-128"/>
+                <a:ea typeface="Gen Shin Gothic Medium" panose="020B0402020203020207" pitchFamily="34" charset="-128"/>
+                <a:cs typeface="Gen Shin Gothic Medium" panose="020B0402020203020207" pitchFamily="34" charset="-128"/>
+              </a:rPr>
+              <a:t>を使って</a:t>
+            </a:r>
+            <a:endParaRPr lang="en-US" altLang="ja-JP" dirty="0">
+              <a:latin typeface="Gen Shin Gothic Medium" panose="020B0402020203020207" pitchFamily="34" charset="-128"/>
+              <a:ea typeface="Gen Shin Gothic Medium" panose="020B0402020203020207" pitchFamily="34" charset="-128"/>
+              <a:cs typeface="Gen Shin Gothic Medium" panose="020B0402020203020207" pitchFamily="34" charset="-128"/>
+            </a:endParaRPr>
+          </a:p>
+          <a:p>
+            <a:pPr marL="0" indent="0">
+              <a:buFont typeface="Arial" panose="020B0604020202020204" pitchFamily="34" charset="0"/>
+              <a:buNone/>
+            </a:pPr>
+            <a:r>
+              <a:rPr lang="ja-JP" altLang="en-US">
+                <a:latin typeface="Gen Shin Gothic Medium" panose="020B0402020203020207" pitchFamily="34" charset="-128"/>
+                <a:ea typeface="Gen Shin Gothic Medium" panose="020B0402020203020207" pitchFamily="34" charset="-128"/>
+                <a:cs typeface="Gen Shin Gothic Medium" panose="020B0402020203020207" pitchFamily="34" charset="-128"/>
+              </a:rPr>
+              <a:t>何かコミットを作ってみよう</a:t>
+            </a:r>
+            <a:endParaRPr lang="en-US" altLang="ja-JP" dirty="0">
+              <a:latin typeface="Gen Shin Gothic Medium" panose="020B0402020203020207" pitchFamily="34" charset="-128"/>
+              <a:ea typeface="Gen Shin Gothic Medium" panose="020B0402020203020207" pitchFamily="34" charset="-128"/>
+              <a:cs typeface="Gen Shin Gothic Medium" panose="020B0402020203020207" pitchFamily="34" charset="-128"/>
+            </a:endParaRPr>
+          </a:p>
+          <a:p>
+            <a:pPr marL="0" indent="0">
+              <a:buFont typeface="Arial" panose="020B0604020202020204" pitchFamily="34" charset="0"/>
+              <a:buNone/>
+            </a:pPr>
+            <a:endParaRPr lang="en-US" altLang="ja-JP" dirty="0">
+              <a:latin typeface="Gen Shin Gothic Medium" panose="020B0402020203020207" pitchFamily="34" charset="-128"/>
+              <a:ea typeface="Gen Shin Gothic Medium" panose="020B0402020203020207" pitchFamily="34" charset="-128"/>
+              <a:cs typeface="Gen Shin Gothic Medium" panose="020B0402020203020207" pitchFamily="34" charset="-128"/>
+            </a:endParaRPr>
+          </a:p>
+          <a:p>
+            <a:pPr marL="0" indent="0">
+              <a:buFont typeface="Arial" panose="020B0604020202020204" pitchFamily="34" charset="0"/>
+              <a:buNone/>
+            </a:pPr>
+            <a:r>
+              <a:rPr lang="en-US" altLang="ja-JP" dirty="0">
+                <a:latin typeface="Gen Shin Gothic Medium" panose="020B0402020203020207" pitchFamily="34" charset="-128"/>
+                <a:ea typeface="Gen Shin Gothic Medium" panose="020B0402020203020207" pitchFamily="34" charset="-128"/>
+                <a:cs typeface="Gen Shin Gothic Medium" panose="020B0402020203020207" pitchFamily="34" charset="-128"/>
+              </a:rPr>
+              <a:t>(Part1 </a:t>
+            </a:r>
+            <a:r>
+              <a:rPr lang="ja-JP" altLang="en-US">
+                <a:latin typeface="Gen Shin Gothic Medium" panose="020B0402020203020207" pitchFamily="34" charset="-128"/>
+                <a:ea typeface="Gen Shin Gothic Medium" panose="020B0402020203020207" pitchFamily="34" charset="-128"/>
+                <a:cs typeface="Gen Shin Gothic Medium" panose="020B0402020203020207" pitchFamily="34" charset="-128"/>
+              </a:rPr>
+              <a:t>の復習</a:t>
+            </a:r>
+            <a:r>
+              <a:rPr lang="en-US" altLang="ja-JP" dirty="0">
+                <a:latin typeface="Gen Shin Gothic Medium" panose="020B0402020203020207" pitchFamily="34" charset="-128"/>
+                <a:ea typeface="Gen Shin Gothic Medium" panose="020B0402020203020207" pitchFamily="34" charset="-128"/>
+                <a:cs typeface="Gen Shin Gothic Medium" panose="020B0402020203020207" pitchFamily="34" charset="-128"/>
+              </a:rPr>
+              <a:t>)</a:t>
+            </a:r>
+          </a:p>
+        </p:txBody>
+      </p:sp>
     </p:spTree>
     <p:extLst>
       <p:ext uri="{BB962C8B-B14F-4D97-AF65-F5344CB8AC3E}">
@@ -5527,6 +8341,415 @@
           </a:p>
         </p:txBody>
       </p:sp>
+      <p:sp>
+        <p:nvSpPr>
+          <p:cNvPr id="11" name="コンテンツ プレースホルダー 2">
+            <a:extLst>
+              <a:ext uri="{FF2B5EF4-FFF2-40B4-BE49-F238E27FC236}">
+                <a16:creationId xmlns:a16="http://schemas.microsoft.com/office/drawing/2014/main" id="{58098C82-53E5-2349-A13F-AC78A2DDDAEE}"/>
+              </a:ext>
+            </a:extLst>
+          </p:cNvPr>
+          <p:cNvSpPr txBox="1">
+            <a:spLocks/>
+          </p:cNvSpPr>
+          <p:nvPr/>
+        </p:nvSpPr>
+        <p:spPr>
+          <a:xfrm>
+            <a:off x="2543331" y="1825060"/>
+            <a:ext cx="5972019" cy="1415277"/>
+          </a:xfrm>
+          <a:prstGeom prst="rect">
+            <a:avLst/>
+          </a:prstGeom>
+        </p:spPr>
+        <p:txBody>
+          <a:bodyPr>
+            <a:normAutofit/>
+          </a:bodyPr>
+          <a:lstStyle>
+            <a:lvl1pPr marL="228600" indent="-228600" algn="l" defTabSz="914400" rtl="0" eaLnBrk="1" latinLnBrk="0" hangingPunct="1">
+              <a:lnSpc>
+                <a:spcPct val="90000"/>
+              </a:lnSpc>
+              <a:spcBef>
+                <a:spcPts val="1000"/>
+              </a:spcBef>
+              <a:buFont typeface="Arial" panose="020B0604020202020204" pitchFamily="34" charset="0"/>
+              <a:buChar char="•"/>
+              <a:defRPr kumimoji="1" sz="2800" kern="1200">
+                <a:solidFill>
+                  <a:schemeClr val="tx1"/>
+                </a:solidFill>
+                <a:latin typeface="+mn-lt"/>
+                <a:ea typeface="+mn-ea"/>
+                <a:cs typeface="+mn-cs"/>
+              </a:defRPr>
+            </a:lvl1pPr>
+            <a:lvl2pPr marL="685800" indent="-228600" algn="l" defTabSz="914400" rtl="0" eaLnBrk="1" latinLnBrk="0" hangingPunct="1">
+              <a:lnSpc>
+                <a:spcPct val="90000"/>
+              </a:lnSpc>
+              <a:spcBef>
+                <a:spcPts val="500"/>
+              </a:spcBef>
+              <a:buFont typeface="Arial" panose="020B0604020202020204" pitchFamily="34" charset="0"/>
+              <a:buChar char="•"/>
+              <a:defRPr kumimoji="1" sz="2400" kern="1200">
+                <a:solidFill>
+                  <a:schemeClr val="tx1"/>
+                </a:solidFill>
+                <a:latin typeface="+mn-lt"/>
+                <a:ea typeface="+mn-ea"/>
+                <a:cs typeface="+mn-cs"/>
+              </a:defRPr>
+            </a:lvl2pPr>
+            <a:lvl3pPr marL="1143000" indent="-228600" algn="l" defTabSz="914400" rtl="0" eaLnBrk="1" latinLnBrk="0" hangingPunct="1">
+              <a:lnSpc>
+                <a:spcPct val="90000"/>
+              </a:lnSpc>
+              <a:spcBef>
+                <a:spcPts val="500"/>
+              </a:spcBef>
+              <a:buFont typeface="Arial" panose="020B0604020202020204" pitchFamily="34" charset="0"/>
+              <a:buChar char="•"/>
+              <a:defRPr kumimoji="1" sz="2000" kern="1200">
+                <a:solidFill>
+                  <a:schemeClr val="tx1"/>
+                </a:solidFill>
+                <a:latin typeface="+mn-lt"/>
+                <a:ea typeface="+mn-ea"/>
+                <a:cs typeface="+mn-cs"/>
+              </a:defRPr>
+            </a:lvl3pPr>
+            <a:lvl4pPr marL="1600200" indent="-228600" algn="l" defTabSz="914400" rtl="0" eaLnBrk="1" latinLnBrk="0" hangingPunct="1">
+              <a:lnSpc>
+                <a:spcPct val="90000"/>
+              </a:lnSpc>
+              <a:spcBef>
+                <a:spcPts val="500"/>
+              </a:spcBef>
+              <a:buFont typeface="Arial" panose="020B0604020202020204" pitchFamily="34" charset="0"/>
+              <a:buChar char="•"/>
+              <a:defRPr kumimoji="1" sz="1800" kern="1200">
+                <a:solidFill>
+                  <a:schemeClr val="tx1"/>
+                </a:solidFill>
+                <a:latin typeface="+mn-lt"/>
+                <a:ea typeface="+mn-ea"/>
+                <a:cs typeface="+mn-cs"/>
+              </a:defRPr>
+            </a:lvl4pPr>
+            <a:lvl5pPr marL="2057400" indent="-228600" algn="l" defTabSz="914400" rtl="0" eaLnBrk="1" latinLnBrk="0" hangingPunct="1">
+              <a:lnSpc>
+                <a:spcPct val="90000"/>
+              </a:lnSpc>
+              <a:spcBef>
+                <a:spcPts val="500"/>
+              </a:spcBef>
+              <a:buFont typeface="Arial" panose="020B0604020202020204" pitchFamily="34" charset="0"/>
+              <a:buChar char="•"/>
+              <a:defRPr kumimoji="1" sz="1800" kern="1200">
+                <a:solidFill>
+                  <a:schemeClr val="tx1"/>
+                </a:solidFill>
+                <a:latin typeface="+mn-lt"/>
+                <a:ea typeface="+mn-ea"/>
+                <a:cs typeface="+mn-cs"/>
+              </a:defRPr>
+            </a:lvl5pPr>
+            <a:lvl6pPr marL="2514600" indent="-228600" algn="l" defTabSz="914400" rtl="0" eaLnBrk="1" latinLnBrk="0" hangingPunct="1">
+              <a:lnSpc>
+                <a:spcPct val="90000"/>
+              </a:lnSpc>
+              <a:spcBef>
+                <a:spcPts val="500"/>
+              </a:spcBef>
+              <a:buFont typeface="Arial" panose="020B0604020202020204" pitchFamily="34" charset="0"/>
+              <a:buChar char="•"/>
+              <a:defRPr kumimoji="1" sz="1800" kern="1200">
+                <a:solidFill>
+                  <a:schemeClr val="tx1"/>
+                </a:solidFill>
+                <a:latin typeface="+mn-lt"/>
+                <a:ea typeface="+mn-ea"/>
+                <a:cs typeface="+mn-cs"/>
+              </a:defRPr>
+            </a:lvl6pPr>
+            <a:lvl7pPr marL="2971800" indent="-228600" algn="l" defTabSz="914400" rtl="0" eaLnBrk="1" latinLnBrk="0" hangingPunct="1">
+              <a:lnSpc>
+                <a:spcPct val="90000"/>
+              </a:lnSpc>
+              <a:spcBef>
+                <a:spcPts val="500"/>
+              </a:spcBef>
+              <a:buFont typeface="Arial" panose="020B0604020202020204" pitchFamily="34" charset="0"/>
+              <a:buChar char="•"/>
+              <a:defRPr kumimoji="1" sz="1800" kern="1200">
+                <a:solidFill>
+                  <a:schemeClr val="tx1"/>
+                </a:solidFill>
+                <a:latin typeface="+mn-lt"/>
+                <a:ea typeface="+mn-ea"/>
+                <a:cs typeface="+mn-cs"/>
+              </a:defRPr>
+            </a:lvl7pPr>
+            <a:lvl8pPr marL="3429000" indent="-228600" algn="l" defTabSz="914400" rtl="0" eaLnBrk="1" latinLnBrk="0" hangingPunct="1">
+              <a:lnSpc>
+                <a:spcPct val="90000"/>
+              </a:lnSpc>
+              <a:spcBef>
+                <a:spcPts val="500"/>
+              </a:spcBef>
+              <a:buFont typeface="Arial" panose="020B0604020202020204" pitchFamily="34" charset="0"/>
+              <a:buChar char="•"/>
+              <a:defRPr kumimoji="1" sz="1800" kern="1200">
+                <a:solidFill>
+                  <a:schemeClr val="tx1"/>
+                </a:solidFill>
+                <a:latin typeface="+mn-lt"/>
+                <a:ea typeface="+mn-ea"/>
+                <a:cs typeface="+mn-cs"/>
+              </a:defRPr>
+            </a:lvl8pPr>
+            <a:lvl9pPr marL="3886200" indent="-228600" algn="l" defTabSz="914400" rtl="0" eaLnBrk="1" latinLnBrk="0" hangingPunct="1">
+              <a:lnSpc>
+                <a:spcPct val="90000"/>
+              </a:lnSpc>
+              <a:spcBef>
+                <a:spcPts val="500"/>
+              </a:spcBef>
+              <a:buFont typeface="Arial" panose="020B0604020202020204" pitchFamily="34" charset="0"/>
+              <a:buChar char="•"/>
+              <a:defRPr kumimoji="1" sz="1800" kern="1200">
+                <a:solidFill>
+                  <a:schemeClr val="tx1"/>
+                </a:solidFill>
+                <a:latin typeface="+mn-lt"/>
+                <a:ea typeface="+mn-ea"/>
+                <a:cs typeface="+mn-cs"/>
+              </a:defRPr>
+            </a:lvl9pPr>
+          </a:lstStyle>
+          <a:p>
+            <a:pPr marL="0" indent="0">
+              <a:buFont typeface="Arial" panose="020B0604020202020204" pitchFamily="34" charset="0"/>
+              <a:buNone/>
+            </a:pPr>
+            <a:r>
+              <a:rPr lang="en-US" altLang="ja-JP" dirty="0">
+                <a:latin typeface="Gen Shin Gothic Medium" panose="020B0402020203020207" pitchFamily="34" charset="-128"/>
+                <a:ea typeface="Gen Shin Gothic Medium" panose="020B0402020203020207" pitchFamily="34" charset="-128"/>
+                <a:cs typeface="Gen Shin Gothic Medium" panose="020B0402020203020207" pitchFamily="34" charset="-128"/>
+              </a:rPr>
+              <a:t>git checkout </a:t>
+            </a:r>
+            <a:r>
+              <a:rPr lang="ja-JP" altLang="en-US">
+                <a:latin typeface="Gen Shin Gothic Medium" panose="020B0402020203020207" pitchFamily="34" charset="-128"/>
+                <a:ea typeface="Gen Shin Gothic Medium" panose="020B0402020203020207" pitchFamily="34" charset="-128"/>
+                <a:cs typeface="Gen Shin Gothic Medium" panose="020B0402020203020207" pitchFamily="34" charset="-128"/>
+              </a:rPr>
+              <a:t>を使うと</a:t>
+            </a:r>
+            <a:endParaRPr lang="en-US" altLang="ja-JP" dirty="0">
+              <a:latin typeface="Gen Shin Gothic Medium" panose="020B0402020203020207" pitchFamily="34" charset="-128"/>
+              <a:ea typeface="Gen Shin Gothic Medium" panose="020B0402020203020207" pitchFamily="34" charset="-128"/>
+              <a:cs typeface="Gen Shin Gothic Medium" panose="020B0402020203020207" pitchFamily="34" charset="-128"/>
+            </a:endParaRPr>
+          </a:p>
+          <a:p>
+            <a:pPr marL="0" indent="0">
+              <a:buFont typeface="Arial" panose="020B0604020202020204" pitchFamily="34" charset="0"/>
+              <a:buNone/>
+            </a:pPr>
+            <a:r>
+              <a:rPr lang="ja-JP" altLang="en-US">
+                <a:latin typeface="Gen Shin Gothic Medium" panose="020B0402020203020207" pitchFamily="34" charset="-128"/>
+                <a:ea typeface="Gen Shin Gothic Medium" panose="020B0402020203020207" pitchFamily="34" charset="-128"/>
+                <a:cs typeface="Gen Shin Gothic Medium" panose="020B0402020203020207" pitchFamily="34" charset="-128"/>
+              </a:rPr>
+              <a:t>好きなバージョンのファイルをとってこれる</a:t>
+            </a:r>
+            <a:endParaRPr lang="en-US" altLang="ja-JP" dirty="0">
+              <a:latin typeface="Gen Shin Gothic Medium" panose="020B0402020203020207" pitchFamily="34" charset="-128"/>
+              <a:ea typeface="Gen Shin Gothic Medium" panose="020B0402020203020207" pitchFamily="34" charset="-128"/>
+              <a:cs typeface="Gen Shin Gothic Medium" panose="020B0402020203020207" pitchFamily="34" charset="-128"/>
+            </a:endParaRPr>
+          </a:p>
+        </p:txBody>
+      </p:sp>
+      <p:sp>
+        <p:nvSpPr>
+          <p:cNvPr id="4" name="正方形/長方形 3">
+            <a:extLst>
+              <a:ext uri="{FF2B5EF4-FFF2-40B4-BE49-F238E27FC236}">
+                <a16:creationId xmlns:a16="http://schemas.microsoft.com/office/drawing/2014/main" id="{CDB7DDBB-A0D4-9749-9FF9-C1A137A814C8}"/>
+              </a:ext>
+            </a:extLst>
+          </p:cNvPr>
+          <p:cNvSpPr/>
+          <p:nvPr/>
+        </p:nvSpPr>
+        <p:spPr>
+          <a:xfrm>
+            <a:off x="2543331" y="3549249"/>
+            <a:ext cx="6339412" cy="2585323"/>
+          </a:xfrm>
+          <a:prstGeom prst="rect">
+            <a:avLst/>
+          </a:prstGeom>
+          <a:solidFill>
+            <a:schemeClr val="tx1"/>
+          </a:solidFill>
+        </p:spPr>
+        <p:txBody>
+          <a:bodyPr wrap="square">
+            <a:spAutoFit/>
+          </a:bodyPr>
+          <a:lstStyle/>
+          <a:p>
+            <a:r>
+              <a:rPr lang="en" altLang="ja-JP" dirty="0">
+                <a:solidFill>
+                  <a:srgbClr val="28FE14"/>
+                </a:solidFill>
+                <a:latin typeface="Andale Mono" panose="020B0509000000000004" pitchFamily="49" charset="0"/>
+              </a:rPr>
+              <a:t>$ git checkout HEAD~1 </a:t>
+            </a:r>
+            <a:r>
+              <a:rPr lang="en" altLang="ja-JP" dirty="0" err="1">
+                <a:solidFill>
+                  <a:srgbClr val="28FE14"/>
+                </a:solidFill>
+                <a:latin typeface="Andale Mono" panose="020B0509000000000004" pitchFamily="49" charset="0"/>
+              </a:rPr>
+              <a:t>sample.csv</a:t>
+            </a:r>
+            <a:endParaRPr lang="en" altLang="ja-JP" dirty="0">
+              <a:solidFill>
+                <a:srgbClr val="28FE14"/>
+              </a:solidFill>
+              <a:latin typeface="Andale Mono" panose="020B0509000000000004" pitchFamily="49" charset="0"/>
+            </a:endParaRPr>
+          </a:p>
+          <a:p>
+            <a:r>
+              <a:rPr lang="en" altLang="ja-JP" dirty="0">
+                <a:solidFill>
+                  <a:srgbClr val="28FE14"/>
+                </a:solidFill>
+                <a:latin typeface="Andale Mono" panose="020B0509000000000004" pitchFamily="49" charset="0"/>
+              </a:rPr>
+              <a:t>$ git status</a:t>
+            </a:r>
+          </a:p>
+          <a:p>
+            <a:r>
+              <a:rPr lang="en" altLang="ja-JP" dirty="0">
+                <a:solidFill>
+                  <a:srgbClr val="28FE14"/>
+                </a:solidFill>
+                <a:latin typeface="Andale Mono" panose="020B0509000000000004" pitchFamily="49" charset="0"/>
+              </a:rPr>
+              <a:t>On branch master</a:t>
+            </a:r>
+          </a:p>
+          <a:p>
+            <a:r>
+              <a:rPr lang="en" altLang="ja-JP" dirty="0">
+                <a:solidFill>
+                  <a:srgbClr val="28FE14"/>
+                </a:solidFill>
+                <a:latin typeface="Andale Mono" panose="020B0509000000000004" pitchFamily="49" charset="0"/>
+              </a:rPr>
+              <a:t>Changes to be committed:</a:t>
+            </a:r>
+          </a:p>
+          <a:p>
+            <a:r>
+              <a:rPr lang="en" altLang="ja-JP" dirty="0">
+                <a:solidFill>
+                  <a:srgbClr val="28FE14"/>
+                </a:solidFill>
+                <a:latin typeface="Andale Mono" panose="020B0509000000000004" pitchFamily="49" charset="0"/>
+              </a:rPr>
+              <a:t>  (use "git reset HEAD &lt;file&gt;..." to </a:t>
+            </a:r>
+            <a:r>
+              <a:rPr lang="en" altLang="ja-JP" dirty="0" err="1">
+                <a:solidFill>
+                  <a:srgbClr val="28FE14"/>
+                </a:solidFill>
+                <a:latin typeface="Andale Mono" panose="020B0509000000000004" pitchFamily="49" charset="0"/>
+              </a:rPr>
+              <a:t>unstage</a:t>
+            </a:r>
+            <a:r>
+              <a:rPr lang="en" altLang="ja-JP" dirty="0">
+                <a:solidFill>
+                  <a:srgbClr val="28FE14"/>
+                </a:solidFill>
+                <a:latin typeface="Andale Mono" panose="020B0509000000000004" pitchFamily="49" charset="0"/>
+              </a:rPr>
+              <a:t>)</a:t>
+            </a:r>
+          </a:p>
+          <a:p>
+            <a:br>
+              <a:rPr lang="en" altLang="ja-JP" dirty="0">
+                <a:solidFill>
+                  <a:srgbClr val="28FE14"/>
+                </a:solidFill>
+                <a:latin typeface="Andale Mono" panose="020B0509000000000004" pitchFamily="49" charset="0"/>
+              </a:rPr>
+            </a:br>
+            <a:endParaRPr lang="en" altLang="ja-JP" dirty="0">
+              <a:solidFill>
+                <a:srgbClr val="28FE14"/>
+              </a:solidFill>
+              <a:latin typeface="Andale Mono" panose="020B0509000000000004" pitchFamily="49" charset="0"/>
+            </a:endParaRPr>
+          </a:p>
+          <a:p>
+            <a:r>
+              <a:rPr lang="en" altLang="ja-JP" dirty="0">
+                <a:solidFill>
+                  <a:srgbClr val="34BC26"/>
+                </a:solidFill>
+                <a:latin typeface="Andale Mono" panose="020B0509000000000004" pitchFamily="49" charset="0"/>
+              </a:rPr>
+              <a:t>modified:   </a:t>
+            </a:r>
+            <a:r>
+              <a:rPr lang="en" altLang="ja-JP" dirty="0" err="1">
+                <a:solidFill>
+                  <a:srgbClr val="34BC26"/>
+                </a:solidFill>
+                <a:latin typeface="Andale Mono" panose="020B0509000000000004" pitchFamily="49" charset="0"/>
+              </a:rPr>
+              <a:t>sample.csv</a:t>
+            </a:r>
+            <a:endParaRPr lang="en" altLang="ja-JP" dirty="0">
+              <a:solidFill>
+                <a:srgbClr val="34BC26"/>
+              </a:solidFill>
+              <a:latin typeface="Andale Mono" panose="020B0509000000000004" pitchFamily="49" charset="0"/>
+            </a:endParaRPr>
+          </a:p>
+          <a:p>
+            <a:endParaRPr lang="en" altLang="ja-JP" dirty="0">
+              <a:solidFill>
+                <a:srgbClr val="34BC26"/>
+              </a:solidFill>
+              <a:effectLst/>
+              <a:latin typeface="Andale Mono" panose="020B0509000000000004" pitchFamily="49" charset="0"/>
+            </a:endParaRPr>
+          </a:p>
+        </p:txBody>
+      </p:sp>
     </p:spTree>
     <p:extLst>
       <p:ext uri="{BB962C8B-B14F-4D97-AF65-F5344CB8AC3E}">
@@ -5541,6 +8764,727 @@
 </file>
 
 <file path=ppt/slides/slide7.xml><?xml version="1.0" encoding="utf-8"?>
+<p:sld xmlns:a="http://schemas.openxmlformats.org/drawingml/2006/main" xmlns:r="http://schemas.openxmlformats.org/officeDocument/2006/relationships" xmlns:p="http://schemas.openxmlformats.org/presentationml/2006/main">
+  <p:cSld>
+    <p:spTree>
+      <p:nvGrpSpPr>
+        <p:cNvPr id="1" name=""/>
+        <p:cNvGrpSpPr/>
+        <p:nvPr/>
+      </p:nvGrpSpPr>
+      <p:grpSpPr>
+        <a:xfrm>
+          <a:off x="0" y="0"/>
+          <a:ext cx="0" cy="0"/>
+          <a:chOff x="0" y="0"/>
+          <a:chExt cx="0" cy="0"/>
+        </a:xfrm>
+      </p:grpSpPr>
+      <p:sp>
+        <p:nvSpPr>
+          <p:cNvPr id="3" name="タイトル 1">
+            <a:extLst>
+              <a:ext uri="{FF2B5EF4-FFF2-40B4-BE49-F238E27FC236}">
+                <a16:creationId xmlns:a16="http://schemas.microsoft.com/office/drawing/2014/main" id="{C42FD8D5-0E8E-5E41-8BF1-95C92D30AA3A}"/>
+              </a:ext>
+            </a:extLst>
+          </p:cNvPr>
+          <p:cNvSpPr>
+            <a:spLocks noGrp="1"/>
+          </p:cNvSpPr>
+          <p:nvPr>
+            <p:ph type="title"/>
+          </p:nvPr>
+        </p:nvSpPr>
+        <p:spPr>
+          <a:xfrm>
+            <a:off x="628650" y="365126"/>
+            <a:ext cx="7886700" cy="1325563"/>
+          </a:xfrm>
+        </p:spPr>
+        <p:txBody>
+          <a:bodyPr/>
+          <a:lstStyle/>
+          <a:p>
+            <a:r>
+              <a:rPr lang="ja-JP" altLang="en-US">
+                <a:latin typeface="Gen Shin Gothic Medium" panose="020B0402020203020207" pitchFamily="34" charset="-128"/>
+                <a:ea typeface="Gen Shin Gothic Medium" panose="020B0402020203020207" pitchFamily="34" charset="-128"/>
+                <a:cs typeface="Gen Shin Gothic Medium" panose="020B0402020203020207" pitchFamily="34" charset="-128"/>
+              </a:rPr>
+              <a:t>タイムトラベル</a:t>
+            </a:r>
+            <a:endParaRPr kumimoji="1" lang="ja-JP" altLang="en-US">
+              <a:latin typeface="Gen Shin Gothic Medium" panose="020B0402020203020207" pitchFamily="34" charset="-128"/>
+              <a:ea typeface="Gen Shin Gothic Medium" panose="020B0402020203020207" pitchFamily="34" charset="-128"/>
+              <a:cs typeface="Gen Shin Gothic Medium" panose="020B0402020203020207" pitchFamily="34" charset="-128"/>
+            </a:endParaRPr>
+          </a:p>
+        </p:txBody>
+      </p:sp>
+      <p:sp>
+        <p:nvSpPr>
+          <p:cNvPr id="8" name="テキスト ボックス 7"/>
+          <p:cNvSpPr txBox="1"/>
+          <p:nvPr/>
+        </p:nvSpPr>
+        <p:spPr>
+          <a:xfrm>
+            <a:off x="1394223" y="4657245"/>
+            <a:ext cx="829073" cy="369332"/>
+          </a:xfrm>
+          <a:prstGeom prst="rect">
+            <a:avLst/>
+          </a:prstGeom>
+          <a:noFill/>
+        </p:spPr>
+        <p:txBody>
+          <a:bodyPr wrap="none" rtlCol="0">
+            <a:spAutoFit/>
+          </a:bodyPr>
+          <a:lstStyle/>
+          <a:p>
+            <a:r>
+              <a:rPr kumimoji="1" lang="en-US" altLang="ja-JP" dirty="0">
+                <a:solidFill>
+                  <a:schemeClr val="bg1">
+                    <a:lumMod val="75000"/>
+                  </a:schemeClr>
+                </a:solidFill>
+                <a:latin typeface="源真ゴシック Heavy" panose="020B0702020203020207" pitchFamily="50" charset="-128"/>
+                <a:ea typeface="源真ゴシック Heavy" panose="020B0702020203020207" pitchFamily="50" charset="-128"/>
+                <a:cs typeface="源真ゴシック Heavy" panose="020B0702020203020207" pitchFamily="50" charset="-128"/>
+              </a:rPr>
+              <a:t>HEAD</a:t>
+            </a:r>
+            <a:endParaRPr kumimoji="1" lang="ja-JP" altLang="en-US" dirty="0">
+              <a:solidFill>
+                <a:schemeClr val="bg1">
+                  <a:lumMod val="75000"/>
+                </a:schemeClr>
+              </a:solidFill>
+              <a:latin typeface="源真ゴシック Heavy" panose="020B0702020203020207" pitchFamily="50" charset="-128"/>
+              <a:ea typeface="源真ゴシック Heavy" panose="020B0702020203020207" pitchFamily="50" charset="-128"/>
+              <a:cs typeface="源真ゴシック Heavy" panose="020B0702020203020207" pitchFamily="50" charset="-128"/>
+            </a:endParaRPr>
+          </a:p>
+        </p:txBody>
+      </p:sp>
+      <p:sp>
+        <p:nvSpPr>
+          <p:cNvPr id="9" name="テキスト ボックス 8"/>
+          <p:cNvSpPr txBox="1"/>
+          <p:nvPr/>
+        </p:nvSpPr>
+        <p:spPr>
+          <a:xfrm>
+            <a:off x="1394223" y="3240337"/>
+            <a:ext cx="829073" cy="369332"/>
+          </a:xfrm>
+          <a:prstGeom prst="rect">
+            <a:avLst/>
+          </a:prstGeom>
+          <a:noFill/>
+        </p:spPr>
+        <p:txBody>
+          <a:bodyPr wrap="none" rtlCol="0">
+            <a:spAutoFit/>
+          </a:bodyPr>
+          <a:lstStyle/>
+          <a:p>
+            <a:r>
+              <a:rPr kumimoji="1" lang="en-US" altLang="ja-JP" dirty="0">
+                <a:solidFill>
+                  <a:schemeClr val="tx1">
+                    <a:lumMod val="75000"/>
+                    <a:lumOff val="25000"/>
+                  </a:schemeClr>
+                </a:solidFill>
+                <a:latin typeface="源真ゴシック Heavy" panose="020B0702020203020207" pitchFamily="50" charset="-128"/>
+                <a:ea typeface="源真ゴシック Heavy" panose="020B0702020203020207" pitchFamily="50" charset="-128"/>
+                <a:cs typeface="源真ゴシック Heavy" panose="020B0702020203020207" pitchFamily="50" charset="-128"/>
+              </a:rPr>
+              <a:t>HEAD</a:t>
+            </a:r>
+            <a:endParaRPr kumimoji="1" lang="ja-JP" altLang="en-US" dirty="0">
+              <a:solidFill>
+                <a:schemeClr val="tx1">
+                  <a:lumMod val="75000"/>
+                  <a:lumOff val="25000"/>
+                </a:schemeClr>
+              </a:solidFill>
+              <a:latin typeface="源真ゴシック Heavy" panose="020B0702020203020207" pitchFamily="50" charset="-128"/>
+              <a:ea typeface="源真ゴシック Heavy" panose="020B0702020203020207" pitchFamily="50" charset="-128"/>
+              <a:cs typeface="源真ゴシック Heavy" panose="020B0702020203020207" pitchFamily="50" charset="-128"/>
+            </a:endParaRPr>
+          </a:p>
+        </p:txBody>
+      </p:sp>
+      <p:sp>
+        <p:nvSpPr>
+          <p:cNvPr id="10" name="右矢印 9"/>
+          <p:cNvSpPr/>
+          <p:nvPr/>
+        </p:nvSpPr>
+        <p:spPr>
+          <a:xfrm rot="16200000" flipV="1">
+            <a:off x="1498397" y="4008185"/>
+            <a:ext cx="620721" cy="250546"/>
+          </a:xfrm>
+          <a:prstGeom prst="rightArrow">
+            <a:avLst>
+              <a:gd name="adj1" fmla="val 50000"/>
+              <a:gd name="adj2" fmla="val 80099"/>
+            </a:avLst>
+          </a:prstGeom>
+          <a:gradFill flip="none" rotWithShape="1">
+            <a:gsLst>
+              <a:gs pos="0">
+                <a:schemeClr val="tx1"/>
+              </a:gs>
+              <a:gs pos="38000">
+                <a:schemeClr val="tx1">
+                  <a:lumMod val="75000"/>
+                  <a:lumOff val="25000"/>
+                </a:schemeClr>
+              </a:gs>
+              <a:gs pos="100000">
+                <a:schemeClr val="bg1">
+                  <a:lumMod val="95000"/>
+                </a:schemeClr>
+              </a:gs>
+            </a:gsLst>
+            <a:path path="circle">
+              <a:fillToRect l="100000" b="100000"/>
+            </a:path>
+            <a:tileRect t="-100000" r="-100000"/>
+          </a:gradFill>
+          <a:ln>
+            <a:noFill/>
+          </a:ln>
+        </p:spPr>
+        <p:style>
+          <a:lnRef idx="2">
+            <a:schemeClr val="accent1">
+              <a:shade val="50000"/>
+            </a:schemeClr>
+          </a:lnRef>
+          <a:fillRef idx="1">
+            <a:schemeClr val="accent1"/>
+          </a:fillRef>
+          <a:effectRef idx="0">
+            <a:schemeClr val="accent1"/>
+          </a:effectRef>
+          <a:fontRef idx="minor">
+            <a:schemeClr val="lt1"/>
+          </a:fontRef>
+        </p:style>
+        <p:txBody>
+          <a:bodyPr rtlCol="0" anchor="ctr"/>
+          <a:lstStyle/>
+          <a:p>
+            <a:pPr algn="ctr"/>
+            <a:endParaRPr kumimoji="1" lang="ja-JP" altLang="en-US"/>
+          </a:p>
+        </p:txBody>
+      </p:sp>
+      <p:cxnSp>
+        <p:nvCxnSpPr>
+          <p:cNvPr id="15" name="直線コネクタ 14"/>
+          <p:cNvCxnSpPr/>
+          <p:nvPr/>
+        </p:nvCxnSpPr>
+        <p:spPr>
+          <a:xfrm>
+            <a:off x="1074183" y="2010729"/>
+            <a:ext cx="0" cy="2831182"/>
+          </a:xfrm>
+          <a:prstGeom prst="line">
+            <a:avLst/>
+          </a:prstGeom>
+          <a:ln w="292100">
+            <a:solidFill>
+              <a:schemeClr val="accent1"/>
+            </a:solidFill>
+          </a:ln>
+        </p:spPr>
+        <p:style>
+          <a:lnRef idx="3">
+            <a:schemeClr val="accent5"/>
+          </a:lnRef>
+          <a:fillRef idx="0">
+            <a:schemeClr val="accent5"/>
+          </a:fillRef>
+          <a:effectRef idx="2">
+            <a:schemeClr val="accent5"/>
+          </a:effectRef>
+          <a:fontRef idx="minor">
+            <a:schemeClr val="tx1"/>
+          </a:fontRef>
+        </p:style>
+      </p:cxnSp>
+      <p:sp>
+        <p:nvSpPr>
+          <p:cNvPr id="16" name="楕円 15"/>
+          <p:cNvSpPr/>
+          <p:nvPr/>
+        </p:nvSpPr>
+        <p:spPr>
+          <a:xfrm>
+            <a:off x="754143" y="1690689"/>
+            <a:ext cx="640080" cy="640080"/>
+          </a:xfrm>
+          <a:prstGeom prst="ellipse">
+            <a:avLst/>
+          </a:prstGeom>
+          <a:solidFill>
+            <a:schemeClr val="accent1"/>
+          </a:solidFill>
+          <a:ln>
+            <a:noFill/>
+          </a:ln>
+        </p:spPr>
+        <p:style>
+          <a:lnRef idx="2">
+            <a:schemeClr val="accent5">
+              <a:shade val="50000"/>
+            </a:schemeClr>
+          </a:lnRef>
+          <a:fillRef idx="1">
+            <a:schemeClr val="accent5"/>
+          </a:fillRef>
+          <a:effectRef idx="0">
+            <a:schemeClr val="accent5"/>
+          </a:effectRef>
+          <a:fontRef idx="minor">
+            <a:schemeClr val="lt1"/>
+          </a:fontRef>
+        </p:style>
+        <p:txBody>
+          <a:bodyPr rtlCol="0" anchor="ctr"/>
+          <a:lstStyle/>
+          <a:p>
+            <a:pPr algn="ctr"/>
+            <a:endParaRPr kumimoji="1" lang="ja-JP" altLang="en-US"/>
+          </a:p>
+        </p:txBody>
+      </p:sp>
+      <p:sp>
+        <p:nvSpPr>
+          <p:cNvPr id="17" name="楕円 16"/>
+          <p:cNvSpPr/>
+          <p:nvPr/>
+        </p:nvSpPr>
+        <p:spPr>
+          <a:xfrm>
+            <a:off x="754143" y="3106280"/>
+            <a:ext cx="640080" cy="640080"/>
+          </a:xfrm>
+          <a:prstGeom prst="ellipse">
+            <a:avLst/>
+          </a:prstGeom>
+          <a:solidFill>
+            <a:schemeClr val="accent1"/>
+          </a:solidFill>
+          <a:ln>
+            <a:noFill/>
+          </a:ln>
+        </p:spPr>
+        <p:style>
+          <a:lnRef idx="2">
+            <a:schemeClr val="accent5">
+              <a:shade val="50000"/>
+            </a:schemeClr>
+          </a:lnRef>
+          <a:fillRef idx="1">
+            <a:schemeClr val="accent5"/>
+          </a:fillRef>
+          <a:effectRef idx="0">
+            <a:schemeClr val="accent5"/>
+          </a:effectRef>
+          <a:fontRef idx="minor">
+            <a:schemeClr val="lt1"/>
+          </a:fontRef>
+        </p:style>
+        <p:txBody>
+          <a:bodyPr rtlCol="0" anchor="ctr"/>
+          <a:lstStyle/>
+          <a:p>
+            <a:pPr algn="ctr"/>
+            <a:endParaRPr kumimoji="1" lang="ja-JP" altLang="en-US"/>
+          </a:p>
+        </p:txBody>
+      </p:sp>
+      <p:sp>
+        <p:nvSpPr>
+          <p:cNvPr id="18" name="楕円 17"/>
+          <p:cNvSpPr/>
+          <p:nvPr/>
+        </p:nvSpPr>
+        <p:spPr>
+          <a:xfrm>
+            <a:off x="754143" y="4521871"/>
+            <a:ext cx="640080" cy="640080"/>
+          </a:xfrm>
+          <a:prstGeom prst="ellipse">
+            <a:avLst/>
+          </a:prstGeom>
+          <a:solidFill>
+            <a:schemeClr val="accent1"/>
+          </a:solidFill>
+          <a:ln>
+            <a:noFill/>
+          </a:ln>
+        </p:spPr>
+        <p:style>
+          <a:lnRef idx="2">
+            <a:schemeClr val="accent5">
+              <a:shade val="50000"/>
+            </a:schemeClr>
+          </a:lnRef>
+          <a:fillRef idx="1">
+            <a:schemeClr val="accent5"/>
+          </a:fillRef>
+          <a:effectRef idx="0">
+            <a:schemeClr val="accent5"/>
+          </a:effectRef>
+          <a:fontRef idx="minor">
+            <a:schemeClr val="lt1"/>
+          </a:fontRef>
+        </p:style>
+        <p:txBody>
+          <a:bodyPr rtlCol="0" anchor="ctr"/>
+          <a:lstStyle/>
+          <a:p>
+            <a:pPr algn="ctr"/>
+            <a:endParaRPr kumimoji="1" lang="ja-JP" altLang="en-US"/>
+          </a:p>
+        </p:txBody>
+      </p:sp>
+      <p:sp>
+        <p:nvSpPr>
+          <p:cNvPr id="2" name="正方形/長方形 1">
+            <a:extLst>
+              <a:ext uri="{FF2B5EF4-FFF2-40B4-BE49-F238E27FC236}">
+                <a16:creationId xmlns:a16="http://schemas.microsoft.com/office/drawing/2014/main" id="{35DFD2C8-7D61-C146-B1D7-18FD5FE317E0}"/>
+              </a:ext>
+            </a:extLst>
+          </p:cNvPr>
+          <p:cNvSpPr/>
+          <p:nvPr/>
+        </p:nvSpPr>
+        <p:spPr>
+          <a:xfrm>
+            <a:off x="2543331" y="3425003"/>
+            <a:ext cx="6147400" cy="1754326"/>
+          </a:xfrm>
+          <a:prstGeom prst="rect">
+            <a:avLst/>
+          </a:prstGeom>
+          <a:solidFill>
+            <a:schemeClr val="tx1"/>
+          </a:solidFill>
+        </p:spPr>
+        <p:txBody>
+          <a:bodyPr wrap="square">
+            <a:spAutoFit/>
+          </a:bodyPr>
+          <a:lstStyle/>
+          <a:p>
+            <a:r>
+              <a:rPr lang="en" altLang="ja-JP" dirty="0">
+                <a:solidFill>
+                  <a:srgbClr val="28FE14"/>
+                </a:solidFill>
+                <a:latin typeface="Andale Mono" panose="020B0509000000000004" pitchFamily="49" charset="0"/>
+              </a:rPr>
+              <a:t>$ git checkout HEAD~1</a:t>
+            </a:r>
+          </a:p>
+          <a:p>
+            <a:r>
+              <a:rPr lang="en" altLang="ja-JP" dirty="0">
+                <a:solidFill>
+                  <a:srgbClr val="28FE14"/>
+                </a:solidFill>
+                <a:latin typeface="Andale Mono" panose="020B0509000000000004" pitchFamily="49" charset="0"/>
+              </a:rPr>
+              <a:t>Note: checking out 'HEAD~1’.</a:t>
+            </a:r>
+          </a:p>
+          <a:p>
+            <a:endParaRPr lang="en" altLang="ja-JP" dirty="0">
+              <a:solidFill>
+                <a:srgbClr val="28FE14"/>
+              </a:solidFill>
+              <a:latin typeface="Andale Mono" panose="020B0509000000000004" pitchFamily="49" charset="0"/>
+            </a:endParaRPr>
+          </a:p>
+          <a:p>
+            <a:r>
+              <a:rPr lang="en" altLang="ja-JP" dirty="0">
+                <a:solidFill>
+                  <a:srgbClr val="28FE14"/>
+                </a:solidFill>
+                <a:latin typeface="Andale Mono" panose="020B0509000000000004" pitchFamily="49" charset="0"/>
+              </a:rPr>
+              <a:t>. . .</a:t>
+            </a:r>
+          </a:p>
+          <a:p>
+            <a:br>
+              <a:rPr lang="en" altLang="ja-JP" dirty="0">
+                <a:solidFill>
+                  <a:srgbClr val="28FE14"/>
+                </a:solidFill>
+                <a:latin typeface="Andale Mono" panose="020B0509000000000004" pitchFamily="49" charset="0"/>
+              </a:rPr>
+            </a:br>
+            <a:r>
+              <a:rPr lang="en" altLang="ja-JP" dirty="0">
+                <a:solidFill>
+                  <a:srgbClr val="28FE14"/>
+                </a:solidFill>
+                <a:latin typeface="Andale Mono" panose="020B0509000000000004" pitchFamily="49" charset="0"/>
+              </a:rPr>
+              <a:t>HEAD is now at a117493... First commit</a:t>
+            </a:r>
+            <a:endParaRPr lang="en" altLang="ja-JP" dirty="0">
+              <a:solidFill>
+                <a:srgbClr val="28FE14"/>
+              </a:solidFill>
+              <a:effectLst/>
+              <a:latin typeface="Andale Mono" panose="020B0509000000000004" pitchFamily="49" charset="0"/>
+            </a:endParaRPr>
+          </a:p>
+        </p:txBody>
+      </p:sp>
+      <p:sp>
+        <p:nvSpPr>
+          <p:cNvPr id="14" name="コンテンツ プレースホルダー 2">
+            <a:extLst>
+              <a:ext uri="{FF2B5EF4-FFF2-40B4-BE49-F238E27FC236}">
+                <a16:creationId xmlns:a16="http://schemas.microsoft.com/office/drawing/2014/main" id="{79C7C281-1A40-5248-9F9A-F16D5D4BB58A}"/>
+              </a:ext>
+            </a:extLst>
+          </p:cNvPr>
+          <p:cNvSpPr txBox="1">
+            <a:spLocks/>
+          </p:cNvSpPr>
+          <p:nvPr/>
+        </p:nvSpPr>
+        <p:spPr>
+          <a:xfrm>
+            <a:off x="2543331" y="1825060"/>
+            <a:ext cx="5972019" cy="1179397"/>
+          </a:xfrm>
+          <a:prstGeom prst="rect">
+            <a:avLst/>
+          </a:prstGeom>
+        </p:spPr>
+        <p:txBody>
+          <a:bodyPr>
+            <a:normAutofit/>
+          </a:bodyPr>
+          <a:lstStyle>
+            <a:lvl1pPr marL="228600" indent="-228600" algn="l" defTabSz="914400" rtl="0" eaLnBrk="1" latinLnBrk="0" hangingPunct="1">
+              <a:lnSpc>
+                <a:spcPct val="90000"/>
+              </a:lnSpc>
+              <a:spcBef>
+                <a:spcPts val="1000"/>
+              </a:spcBef>
+              <a:buFont typeface="Arial" panose="020B0604020202020204" pitchFamily="34" charset="0"/>
+              <a:buChar char="•"/>
+              <a:defRPr kumimoji="1" sz="2800" kern="1200">
+                <a:solidFill>
+                  <a:schemeClr val="tx1"/>
+                </a:solidFill>
+                <a:latin typeface="+mn-lt"/>
+                <a:ea typeface="+mn-ea"/>
+                <a:cs typeface="+mn-cs"/>
+              </a:defRPr>
+            </a:lvl1pPr>
+            <a:lvl2pPr marL="685800" indent="-228600" algn="l" defTabSz="914400" rtl="0" eaLnBrk="1" latinLnBrk="0" hangingPunct="1">
+              <a:lnSpc>
+                <a:spcPct val="90000"/>
+              </a:lnSpc>
+              <a:spcBef>
+                <a:spcPts val="500"/>
+              </a:spcBef>
+              <a:buFont typeface="Arial" panose="020B0604020202020204" pitchFamily="34" charset="0"/>
+              <a:buChar char="•"/>
+              <a:defRPr kumimoji="1" sz="2400" kern="1200">
+                <a:solidFill>
+                  <a:schemeClr val="tx1"/>
+                </a:solidFill>
+                <a:latin typeface="+mn-lt"/>
+                <a:ea typeface="+mn-ea"/>
+                <a:cs typeface="+mn-cs"/>
+              </a:defRPr>
+            </a:lvl2pPr>
+            <a:lvl3pPr marL="1143000" indent="-228600" algn="l" defTabSz="914400" rtl="0" eaLnBrk="1" latinLnBrk="0" hangingPunct="1">
+              <a:lnSpc>
+                <a:spcPct val="90000"/>
+              </a:lnSpc>
+              <a:spcBef>
+                <a:spcPts val="500"/>
+              </a:spcBef>
+              <a:buFont typeface="Arial" panose="020B0604020202020204" pitchFamily="34" charset="0"/>
+              <a:buChar char="•"/>
+              <a:defRPr kumimoji="1" sz="2000" kern="1200">
+                <a:solidFill>
+                  <a:schemeClr val="tx1"/>
+                </a:solidFill>
+                <a:latin typeface="+mn-lt"/>
+                <a:ea typeface="+mn-ea"/>
+                <a:cs typeface="+mn-cs"/>
+              </a:defRPr>
+            </a:lvl3pPr>
+            <a:lvl4pPr marL="1600200" indent="-228600" algn="l" defTabSz="914400" rtl="0" eaLnBrk="1" latinLnBrk="0" hangingPunct="1">
+              <a:lnSpc>
+                <a:spcPct val="90000"/>
+              </a:lnSpc>
+              <a:spcBef>
+                <a:spcPts val="500"/>
+              </a:spcBef>
+              <a:buFont typeface="Arial" panose="020B0604020202020204" pitchFamily="34" charset="0"/>
+              <a:buChar char="•"/>
+              <a:defRPr kumimoji="1" sz="1800" kern="1200">
+                <a:solidFill>
+                  <a:schemeClr val="tx1"/>
+                </a:solidFill>
+                <a:latin typeface="+mn-lt"/>
+                <a:ea typeface="+mn-ea"/>
+                <a:cs typeface="+mn-cs"/>
+              </a:defRPr>
+            </a:lvl4pPr>
+            <a:lvl5pPr marL="2057400" indent="-228600" algn="l" defTabSz="914400" rtl="0" eaLnBrk="1" latinLnBrk="0" hangingPunct="1">
+              <a:lnSpc>
+                <a:spcPct val="90000"/>
+              </a:lnSpc>
+              <a:spcBef>
+                <a:spcPts val="500"/>
+              </a:spcBef>
+              <a:buFont typeface="Arial" panose="020B0604020202020204" pitchFamily="34" charset="0"/>
+              <a:buChar char="•"/>
+              <a:defRPr kumimoji="1" sz="1800" kern="1200">
+                <a:solidFill>
+                  <a:schemeClr val="tx1"/>
+                </a:solidFill>
+                <a:latin typeface="+mn-lt"/>
+                <a:ea typeface="+mn-ea"/>
+                <a:cs typeface="+mn-cs"/>
+              </a:defRPr>
+            </a:lvl5pPr>
+            <a:lvl6pPr marL="2514600" indent="-228600" algn="l" defTabSz="914400" rtl="0" eaLnBrk="1" latinLnBrk="0" hangingPunct="1">
+              <a:lnSpc>
+                <a:spcPct val="90000"/>
+              </a:lnSpc>
+              <a:spcBef>
+                <a:spcPts val="500"/>
+              </a:spcBef>
+              <a:buFont typeface="Arial" panose="020B0604020202020204" pitchFamily="34" charset="0"/>
+              <a:buChar char="•"/>
+              <a:defRPr kumimoji="1" sz="1800" kern="1200">
+                <a:solidFill>
+                  <a:schemeClr val="tx1"/>
+                </a:solidFill>
+                <a:latin typeface="+mn-lt"/>
+                <a:ea typeface="+mn-ea"/>
+                <a:cs typeface="+mn-cs"/>
+              </a:defRPr>
+            </a:lvl6pPr>
+            <a:lvl7pPr marL="2971800" indent="-228600" algn="l" defTabSz="914400" rtl="0" eaLnBrk="1" latinLnBrk="0" hangingPunct="1">
+              <a:lnSpc>
+                <a:spcPct val="90000"/>
+              </a:lnSpc>
+              <a:spcBef>
+                <a:spcPts val="500"/>
+              </a:spcBef>
+              <a:buFont typeface="Arial" panose="020B0604020202020204" pitchFamily="34" charset="0"/>
+              <a:buChar char="•"/>
+              <a:defRPr kumimoji="1" sz="1800" kern="1200">
+                <a:solidFill>
+                  <a:schemeClr val="tx1"/>
+                </a:solidFill>
+                <a:latin typeface="+mn-lt"/>
+                <a:ea typeface="+mn-ea"/>
+                <a:cs typeface="+mn-cs"/>
+              </a:defRPr>
+            </a:lvl7pPr>
+            <a:lvl8pPr marL="3429000" indent="-228600" algn="l" defTabSz="914400" rtl="0" eaLnBrk="1" latinLnBrk="0" hangingPunct="1">
+              <a:lnSpc>
+                <a:spcPct val="90000"/>
+              </a:lnSpc>
+              <a:spcBef>
+                <a:spcPts val="500"/>
+              </a:spcBef>
+              <a:buFont typeface="Arial" panose="020B0604020202020204" pitchFamily="34" charset="0"/>
+              <a:buChar char="•"/>
+              <a:defRPr kumimoji="1" sz="1800" kern="1200">
+                <a:solidFill>
+                  <a:schemeClr val="tx1"/>
+                </a:solidFill>
+                <a:latin typeface="+mn-lt"/>
+                <a:ea typeface="+mn-ea"/>
+                <a:cs typeface="+mn-cs"/>
+              </a:defRPr>
+            </a:lvl8pPr>
+            <a:lvl9pPr marL="3886200" indent="-228600" algn="l" defTabSz="914400" rtl="0" eaLnBrk="1" latinLnBrk="0" hangingPunct="1">
+              <a:lnSpc>
+                <a:spcPct val="90000"/>
+              </a:lnSpc>
+              <a:spcBef>
+                <a:spcPts val="500"/>
+              </a:spcBef>
+              <a:buFont typeface="Arial" panose="020B0604020202020204" pitchFamily="34" charset="0"/>
+              <a:buChar char="•"/>
+              <a:defRPr kumimoji="1" sz="1800" kern="1200">
+                <a:solidFill>
+                  <a:schemeClr val="tx1"/>
+                </a:solidFill>
+                <a:latin typeface="+mn-lt"/>
+                <a:ea typeface="+mn-ea"/>
+                <a:cs typeface="+mn-cs"/>
+              </a:defRPr>
+            </a:lvl9pPr>
+          </a:lstStyle>
+          <a:p>
+            <a:pPr marL="0" indent="0">
+              <a:buFont typeface="Arial" panose="020B0604020202020204" pitchFamily="34" charset="0"/>
+              <a:buNone/>
+            </a:pPr>
+            <a:r>
+              <a:rPr lang="ja-JP" altLang="en-US">
+                <a:latin typeface="Gen Shin Gothic Medium" panose="020B0402020203020207" pitchFamily="34" charset="-128"/>
+                <a:ea typeface="Gen Shin Gothic Medium" panose="020B0402020203020207" pitchFamily="34" charset="-128"/>
+                <a:cs typeface="Gen Shin Gothic Medium" panose="020B0402020203020207" pitchFamily="34" charset="-128"/>
+              </a:rPr>
+              <a:t>さらに好きなコミットに飛んだりできる</a:t>
+            </a:r>
+            <a:endParaRPr lang="en-US" altLang="ja-JP" dirty="0">
+              <a:latin typeface="Gen Shin Gothic Medium" panose="020B0402020203020207" pitchFamily="34" charset="-128"/>
+              <a:ea typeface="Gen Shin Gothic Medium" panose="020B0402020203020207" pitchFamily="34" charset="-128"/>
+              <a:cs typeface="Gen Shin Gothic Medium" panose="020B0402020203020207" pitchFamily="34" charset="-128"/>
+            </a:endParaRPr>
+          </a:p>
+        </p:txBody>
+      </p:sp>
+    </p:spTree>
+    <p:extLst>
+      <p:ext uri="{BB962C8B-B14F-4D97-AF65-F5344CB8AC3E}">
+        <p14:creationId xmlns:p14="http://schemas.microsoft.com/office/powerpoint/2010/main" val="1756954818"/>
+      </p:ext>
+    </p:extLst>
+  </p:cSld>
+  <p:clrMapOvr>
+    <a:masterClrMapping/>
+  </p:clrMapOvr>
+</p:sld>
+</file>
+
+<file path=ppt/slides/slide8.xml><?xml version="1.0" encoding="utf-8"?>
 <p:sld xmlns:a="http://schemas.openxmlformats.org/drawingml/2006/main" xmlns:r="http://schemas.openxmlformats.org/officeDocument/2006/relationships" xmlns:p="http://schemas.openxmlformats.org/presentationml/2006/main">
   <p:cSld>
     <p:spTree>
@@ -6019,6 +9963,600 @@
           </a:fontRef>
         </p:style>
       </p:cxnSp>
+      <p:sp>
+        <p:nvSpPr>
+          <p:cNvPr id="17" name="コンテンツ プレースホルダー 2">
+            <a:extLst>
+              <a:ext uri="{FF2B5EF4-FFF2-40B4-BE49-F238E27FC236}">
+                <a16:creationId xmlns:a16="http://schemas.microsoft.com/office/drawing/2014/main" id="{8E958CB8-3AFB-2340-B042-A22ED1ECA2B8}"/>
+              </a:ext>
+            </a:extLst>
+          </p:cNvPr>
+          <p:cNvSpPr txBox="1">
+            <a:spLocks/>
+          </p:cNvSpPr>
+          <p:nvPr/>
+        </p:nvSpPr>
+        <p:spPr>
+          <a:xfrm>
+            <a:off x="2543331" y="1825060"/>
+            <a:ext cx="5972019" cy="1179397"/>
+          </a:xfrm>
+          <a:prstGeom prst="rect">
+            <a:avLst/>
+          </a:prstGeom>
+        </p:spPr>
+        <p:txBody>
+          <a:bodyPr>
+            <a:normAutofit/>
+          </a:bodyPr>
+          <a:lstStyle>
+            <a:lvl1pPr marL="228600" indent="-228600" algn="l" defTabSz="914400" rtl="0" eaLnBrk="1" latinLnBrk="0" hangingPunct="1">
+              <a:lnSpc>
+                <a:spcPct val="90000"/>
+              </a:lnSpc>
+              <a:spcBef>
+                <a:spcPts val="1000"/>
+              </a:spcBef>
+              <a:buFont typeface="Arial" panose="020B0604020202020204" pitchFamily="34" charset="0"/>
+              <a:buChar char="•"/>
+              <a:defRPr kumimoji="1" sz="2800" kern="1200">
+                <a:solidFill>
+                  <a:schemeClr val="tx1"/>
+                </a:solidFill>
+                <a:latin typeface="+mn-lt"/>
+                <a:ea typeface="+mn-ea"/>
+                <a:cs typeface="+mn-cs"/>
+              </a:defRPr>
+            </a:lvl1pPr>
+            <a:lvl2pPr marL="685800" indent="-228600" algn="l" defTabSz="914400" rtl="0" eaLnBrk="1" latinLnBrk="0" hangingPunct="1">
+              <a:lnSpc>
+                <a:spcPct val="90000"/>
+              </a:lnSpc>
+              <a:spcBef>
+                <a:spcPts val="500"/>
+              </a:spcBef>
+              <a:buFont typeface="Arial" panose="020B0604020202020204" pitchFamily="34" charset="0"/>
+              <a:buChar char="•"/>
+              <a:defRPr kumimoji="1" sz="2400" kern="1200">
+                <a:solidFill>
+                  <a:schemeClr val="tx1"/>
+                </a:solidFill>
+                <a:latin typeface="+mn-lt"/>
+                <a:ea typeface="+mn-ea"/>
+                <a:cs typeface="+mn-cs"/>
+              </a:defRPr>
+            </a:lvl2pPr>
+            <a:lvl3pPr marL="1143000" indent="-228600" algn="l" defTabSz="914400" rtl="0" eaLnBrk="1" latinLnBrk="0" hangingPunct="1">
+              <a:lnSpc>
+                <a:spcPct val="90000"/>
+              </a:lnSpc>
+              <a:spcBef>
+                <a:spcPts val="500"/>
+              </a:spcBef>
+              <a:buFont typeface="Arial" panose="020B0604020202020204" pitchFamily="34" charset="0"/>
+              <a:buChar char="•"/>
+              <a:defRPr kumimoji="1" sz="2000" kern="1200">
+                <a:solidFill>
+                  <a:schemeClr val="tx1"/>
+                </a:solidFill>
+                <a:latin typeface="+mn-lt"/>
+                <a:ea typeface="+mn-ea"/>
+                <a:cs typeface="+mn-cs"/>
+              </a:defRPr>
+            </a:lvl3pPr>
+            <a:lvl4pPr marL="1600200" indent="-228600" algn="l" defTabSz="914400" rtl="0" eaLnBrk="1" latinLnBrk="0" hangingPunct="1">
+              <a:lnSpc>
+                <a:spcPct val="90000"/>
+              </a:lnSpc>
+              <a:spcBef>
+                <a:spcPts val="500"/>
+              </a:spcBef>
+              <a:buFont typeface="Arial" panose="020B0604020202020204" pitchFamily="34" charset="0"/>
+              <a:buChar char="•"/>
+              <a:defRPr kumimoji="1" sz="1800" kern="1200">
+                <a:solidFill>
+                  <a:schemeClr val="tx1"/>
+                </a:solidFill>
+                <a:latin typeface="+mn-lt"/>
+                <a:ea typeface="+mn-ea"/>
+                <a:cs typeface="+mn-cs"/>
+              </a:defRPr>
+            </a:lvl4pPr>
+            <a:lvl5pPr marL="2057400" indent="-228600" algn="l" defTabSz="914400" rtl="0" eaLnBrk="1" latinLnBrk="0" hangingPunct="1">
+              <a:lnSpc>
+                <a:spcPct val="90000"/>
+              </a:lnSpc>
+              <a:spcBef>
+                <a:spcPts val="500"/>
+              </a:spcBef>
+              <a:buFont typeface="Arial" panose="020B0604020202020204" pitchFamily="34" charset="0"/>
+              <a:buChar char="•"/>
+              <a:defRPr kumimoji="1" sz="1800" kern="1200">
+                <a:solidFill>
+                  <a:schemeClr val="tx1"/>
+                </a:solidFill>
+                <a:latin typeface="+mn-lt"/>
+                <a:ea typeface="+mn-ea"/>
+                <a:cs typeface="+mn-cs"/>
+              </a:defRPr>
+            </a:lvl5pPr>
+            <a:lvl6pPr marL="2514600" indent="-228600" algn="l" defTabSz="914400" rtl="0" eaLnBrk="1" latinLnBrk="0" hangingPunct="1">
+              <a:lnSpc>
+                <a:spcPct val="90000"/>
+              </a:lnSpc>
+              <a:spcBef>
+                <a:spcPts val="500"/>
+              </a:spcBef>
+              <a:buFont typeface="Arial" panose="020B0604020202020204" pitchFamily="34" charset="0"/>
+              <a:buChar char="•"/>
+              <a:defRPr kumimoji="1" sz="1800" kern="1200">
+                <a:solidFill>
+                  <a:schemeClr val="tx1"/>
+                </a:solidFill>
+                <a:latin typeface="+mn-lt"/>
+                <a:ea typeface="+mn-ea"/>
+                <a:cs typeface="+mn-cs"/>
+              </a:defRPr>
+            </a:lvl6pPr>
+            <a:lvl7pPr marL="2971800" indent="-228600" algn="l" defTabSz="914400" rtl="0" eaLnBrk="1" latinLnBrk="0" hangingPunct="1">
+              <a:lnSpc>
+                <a:spcPct val="90000"/>
+              </a:lnSpc>
+              <a:spcBef>
+                <a:spcPts val="500"/>
+              </a:spcBef>
+              <a:buFont typeface="Arial" panose="020B0604020202020204" pitchFamily="34" charset="0"/>
+              <a:buChar char="•"/>
+              <a:defRPr kumimoji="1" sz="1800" kern="1200">
+                <a:solidFill>
+                  <a:schemeClr val="tx1"/>
+                </a:solidFill>
+                <a:latin typeface="+mn-lt"/>
+                <a:ea typeface="+mn-ea"/>
+                <a:cs typeface="+mn-cs"/>
+              </a:defRPr>
+            </a:lvl7pPr>
+            <a:lvl8pPr marL="3429000" indent="-228600" algn="l" defTabSz="914400" rtl="0" eaLnBrk="1" latinLnBrk="0" hangingPunct="1">
+              <a:lnSpc>
+                <a:spcPct val="90000"/>
+              </a:lnSpc>
+              <a:spcBef>
+                <a:spcPts val="500"/>
+              </a:spcBef>
+              <a:buFont typeface="Arial" panose="020B0604020202020204" pitchFamily="34" charset="0"/>
+              <a:buChar char="•"/>
+              <a:defRPr kumimoji="1" sz="1800" kern="1200">
+                <a:solidFill>
+                  <a:schemeClr val="tx1"/>
+                </a:solidFill>
+                <a:latin typeface="+mn-lt"/>
+                <a:ea typeface="+mn-ea"/>
+                <a:cs typeface="+mn-cs"/>
+              </a:defRPr>
+            </a:lvl8pPr>
+            <a:lvl9pPr marL="3886200" indent="-228600" algn="l" defTabSz="914400" rtl="0" eaLnBrk="1" latinLnBrk="0" hangingPunct="1">
+              <a:lnSpc>
+                <a:spcPct val="90000"/>
+              </a:lnSpc>
+              <a:spcBef>
+                <a:spcPts val="500"/>
+              </a:spcBef>
+              <a:buFont typeface="Arial" panose="020B0604020202020204" pitchFamily="34" charset="0"/>
+              <a:buChar char="•"/>
+              <a:defRPr kumimoji="1" sz="1800" kern="1200">
+                <a:solidFill>
+                  <a:schemeClr val="tx1"/>
+                </a:solidFill>
+                <a:latin typeface="+mn-lt"/>
+                <a:ea typeface="+mn-ea"/>
+                <a:cs typeface="+mn-cs"/>
+              </a:defRPr>
+            </a:lvl9pPr>
+          </a:lstStyle>
+          <a:p>
+            <a:pPr marL="0" indent="0">
+              <a:buFont typeface="Arial" panose="020B0604020202020204" pitchFamily="34" charset="0"/>
+              <a:buNone/>
+            </a:pPr>
+            <a:r>
+              <a:rPr lang="en-US" altLang="ja-JP" dirty="0">
+                <a:latin typeface="Gen Shin Gothic Medium" panose="020B0402020203020207" pitchFamily="34" charset="-128"/>
+                <a:ea typeface="Gen Shin Gothic Medium" panose="020B0402020203020207" pitchFamily="34" charset="-128"/>
+                <a:cs typeface="Gen Shin Gothic Medium" panose="020B0402020203020207" pitchFamily="34" charset="-128"/>
+              </a:rPr>
+              <a:t>checkout </a:t>
+            </a:r>
+            <a:r>
+              <a:rPr lang="ja-JP" altLang="en-US">
+                <a:latin typeface="Gen Shin Gothic Medium" panose="020B0402020203020207" pitchFamily="34" charset="-128"/>
+                <a:ea typeface="Gen Shin Gothic Medium" panose="020B0402020203020207" pitchFamily="34" charset="-128"/>
+                <a:cs typeface="Gen Shin Gothic Medium" panose="020B0402020203020207" pitchFamily="34" charset="-128"/>
+              </a:rPr>
+              <a:t>に</a:t>
+            </a:r>
+            <a:r>
+              <a:rPr lang="en-US" altLang="ja-JP" dirty="0">
+                <a:latin typeface="Gen Shin Gothic Medium" panose="020B0402020203020207" pitchFamily="34" charset="-128"/>
+                <a:ea typeface="Gen Shin Gothic Medium" panose="020B0402020203020207" pitchFamily="34" charset="-128"/>
+                <a:cs typeface="Gen Shin Gothic Medium" panose="020B0402020203020207" pitchFamily="34" charset="-128"/>
+              </a:rPr>
+              <a:t> –b</a:t>
+            </a:r>
+            <a:r>
+              <a:rPr lang="ja-JP" altLang="en-US">
+                <a:latin typeface="Gen Shin Gothic Medium" panose="020B0402020203020207" pitchFamily="34" charset="-128"/>
+                <a:ea typeface="Gen Shin Gothic Medium" panose="020B0402020203020207" pitchFamily="34" charset="-128"/>
+                <a:cs typeface="Gen Shin Gothic Medium" panose="020B0402020203020207" pitchFamily="34" charset="-128"/>
+              </a:rPr>
+              <a:t> オプションをつけると新しくブランチを作れる</a:t>
+            </a:r>
+            <a:r>
+              <a:rPr lang="en-US" altLang="ja-JP" dirty="0">
+                <a:latin typeface="Gen Shin Gothic Medium" panose="020B0402020203020207" pitchFamily="34" charset="-128"/>
+                <a:ea typeface="Gen Shin Gothic Medium" panose="020B0402020203020207" pitchFamily="34" charset="-128"/>
+                <a:cs typeface="Gen Shin Gothic Medium" panose="020B0402020203020207" pitchFamily="34" charset="-128"/>
+              </a:rPr>
+              <a:t> </a:t>
+            </a:r>
+          </a:p>
+        </p:txBody>
+      </p:sp>
+      <p:sp>
+        <p:nvSpPr>
+          <p:cNvPr id="2" name="正方形/長方形 1">
+            <a:extLst>
+              <a:ext uri="{FF2B5EF4-FFF2-40B4-BE49-F238E27FC236}">
+                <a16:creationId xmlns:a16="http://schemas.microsoft.com/office/drawing/2014/main" id="{3A46D391-F9C9-E248-9DA8-385EB31B206B}"/>
+              </a:ext>
+            </a:extLst>
+          </p:cNvPr>
+          <p:cNvSpPr/>
+          <p:nvPr/>
+        </p:nvSpPr>
+        <p:spPr>
+          <a:xfrm>
+            <a:off x="2982070" y="2929483"/>
+            <a:ext cx="5780314" cy="1477328"/>
+          </a:xfrm>
+          <a:prstGeom prst="rect">
+            <a:avLst/>
+          </a:prstGeom>
+          <a:solidFill>
+            <a:schemeClr val="tx1"/>
+          </a:solidFill>
+        </p:spPr>
+        <p:txBody>
+          <a:bodyPr wrap="square">
+            <a:spAutoFit/>
+          </a:bodyPr>
+          <a:lstStyle/>
+          <a:p>
+            <a:r>
+              <a:rPr lang="en" altLang="ja-JP" dirty="0">
+                <a:solidFill>
+                  <a:srgbClr val="28FE14"/>
+                </a:solidFill>
+                <a:latin typeface="Andale Mono" panose="020B0509000000000004" pitchFamily="49" charset="0"/>
+              </a:rPr>
+              <a:t>$ git checkout -b </a:t>
+            </a:r>
+            <a:r>
+              <a:rPr lang="en" altLang="ja-JP" dirty="0" err="1">
+                <a:solidFill>
+                  <a:srgbClr val="28FE14"/>
+                </a:solidFill>
+                <a:latin typeface="Andale Mono" panose="020B0509000000000004" pitchFamily="49" charset="0"/>
+              </a:rPr>
+              <a:t>update_sample</a:t>
+            </a:r>
+            <a:endParaRPr lang="en" altLang="ja-JP" dirty="0">
+              <a:solidFill>
+                <a:srgbClr val="28FE14"/>
+              </a:solidFill>
+              <a:latin typeface="Andale Mono" panose="020B0509000000000004" pitchFamily="49" charset="0"/>
+            </a:endParaRPr>
+          </a:p>
+          <a:p>
+            <a:r>
+              <a:rPr lang="en" altLang="ja-JP" dirty="0">
+                <a:solidFill>
+                  <a:srgbClr val="28FE14"/>
+                </a:solidFill>
+                <a:latin typeface="Andale Mono" panose="020B0509000000000004" pitchFamily="49" charset="0"/>
+              </a:rPr>
+              <a:t>Switched to a new branch '</a:t>
+            </a:r>
+            <a:r>
+              <a:rPr lang="en" altLang="ja-JP" dirty="0" err="1">
+                <a:solidFill>
+                  <a:srgbClr val="28FE14"/>
+                </a:solidFill>
+                <a:latin typeface="Andale Mono" panose="020B0509000000000004" pitchFamily="49" charset="0"/>
+              </a:rPr>
+              <a:t>update_sample</a:t>
+            </a:r>
+            <a:r>
+              <a:rPr lang="en" altLang="ja-JP" dirty="0">
+                <a:solidFill>
+                  <a:srgbClr val="28FE14"/>
+                </a:solidFill>
+                <a:latin typeface="Andale Mono" panose="020B0509000000000004" pitchFamily="49" charset="0"/>
+              </a:rPr>
+              <a:t>'</a:t>
+            </a:r>
+          </a:p>
+          <a:p>
+            <a:r>
+              <a:rPr lang="en" altLang="ja-JP" dirty="0">
+                <a:solidFill>
+                  <a:srgbClr val="28FE14"/>
+                </a:solidFill>
+                <a:latin typeface="Andale Mono" panose="020B0509000000000004" pitchFamily="49" charset="0"/>
+              </a:rPr>
+              <a:t>$ git branch</a:t>
+            </a:r>
+          </a:p>
+          <a:p>
+            <a:r>
+              <a:rPr lang="en" altLang="ja-JP" dirty="0">
+                <a:solidFill>
+                  <a:srgbClr val="28FE14"/>
+                </a:solidFill>
+                <a:latin typeface="Andale Mono" panose="020B0509000000000004" pitchFamily="49" charset="0"/>
+              </a:rPr>
+              <a:t>  master</a:t>
+            </a:r>
+          </a:p>
+          <a:p>
+            <a:r>
+              <a:rPr lang="en" altLang="ja-JP" dirty="0">
+                <a:solidFill>
+                  <a:srgbClr val="28FE14"/>
+                </a:solidFill>
+                <a:latin typeface="Andale Mono" panose="020B0509000000000004" pitchFamily="49" charset="0"/>
+              </a:rPr>
+              <a:t>* </a:t>
+            </a:r>
+            <a:r>
+              <a:rPr lang="en" altLang="ja-JP" dirty="0" err="1">
+                <a:solidFill>
+                  <a:srgbClr val="34BC26"/>
+                </a:solidFill>
+                <a:latin typeface="Andale Mono" panose="020B0509000000000004" pitchFamily="49" charset="0"/>
+              </a:rPr>
+              <a:t>update_sample</a:t>
+            </a:r>
+            <a:endParaRPr lang="en" altLang="ja-JP" dirty="0">
+              <a:solidFill>
+                <a:srgbClr val="34BC26"/>
+              </a:solidFill>
+              <a:effectLst/>
+              <a:latin typeface="Andale Mono" panose="020B0509000000000004" pitchFamily="49" charset="0"/>
+            </a:endParaRPr>
+          </a:p>
+        </p:txBody>
+      </p:sp>
+      <p:sp>
+        <p:nvSpPr>
+          <p:cNvPr id="18" name="コンテンツ プレースホルダー 2">
+            <a:extLst>
+              <a:ext uri="{FF2B5EF4-FFF2-40B4-BE49-F238E27FC236}">
+                <a16:creationId xmlns:a16="http://schemas.microsoft.com/office/drawing/2014/main" id="{A844FFAE-7002-AA42-96E1-1471FA55C9BE}"/>
+              </a:ext>
+            </a:extLst>
+          </p:cNvPr>
+          <p:cNvSpPr txBox="1">
+            <a:spLocks/>
+          </p:cNvSpPr>
+          <p:nvPr/>
+        </p:nvSpPr>
+        <p:spPr>
+          <a:xfrm>
+            <a:off x="3741218" y="4685409"/>
+            <a:ext cx="4262017" cy="953083"/>
+          </a:xfrm>
+          <a:prstGeom prst="rect">
+            <a:avLst/>
+          </a:prstGeom>
+        </p:spPr>
+        <p:txBody>
+          <a:bodyPr>
+            <a:normAutofit/>
+          </a:bodyPr>
+          <a:lstStyle>
+            <a:lvl1pPr marL="228600" indent="-228600" algn="l" defTabSz="914400" rtl="0" eaLnBrk="1" latinLnBrk="0" hangingPunct="1">
+              <a:lnSpc>
+                <a:spcPct val="90000"/>
+              </a:lnSpc>
+              <a:spcBef>
+                <a:spcPts val="1000"/>
+              </a:spcBef>
+              <a:buFont typeface="Arial" panose="020B0604020202020204" pitchFamily="34" charset="0"/>
+              <a:buChar char="•"/>
+              <a:defRPr kumimoji="1" sz="2800" kern="1200">
+                <a:solidFill>
+                  <a:schemeClr val="tx1"/>
+                </a:solidFill>
+                <a:latin typeface="+mn-lt"/>
+                <a:ea typeface="+mn-ea"/>
+                <a:cs typeface="+mn-cs"/>
+              </a:defRPr>
+            </a:lvl1pPr>
+            <a:lvl2pPr marL="685800" indent="-228600" algn="l" defTabSz="914400" rtl="0" eaLnBrk="1" latinLnBrk="0" hangingPunct="1">
+              <a:lnSpc>
+                <a:spcPct val="90000"/>
+              </a:lnSpc>
+              <a:spcBef>
+                <a:spcPts val="500"/>
+              </a:spcBef>
+              <a:buFont typeface="Arial" panose="020B0604020202020204" pitchFamily="34" charset="0"/>
+              <a:buChar char="•"/>
+              <a:defRPr kumimoji="1" sz="2400" kern="1200">
+                <a:solidFill>
+                  <a:schemeClr val="tx1"/>
+                </a:solidFill>
+                <a:latin typeface="+mn-lt"/>
+                <a:ea typeface="+mn-ea"/>
+                <a:cs typeface="+mn-cs"/>
+              </a:defRPr>
+            </a:lvl2pPr>
+            <a:lvl3pPr marL="1143000" indent="-228600" algn="l" defTabSz="914400" rtl="0" eaLnBrk="1" latinLnBrk="0" hangingPunct="1">
+              <a:lnSpc>
+                <a:spcPct val="90000"/>
+              </a:lnSpc>
+              <a:spcBef>
+                <a:spcPts val="500"/>
+              </a:spcBef>
+              <a:buFont typeface="Arial" panose="020B0604020202020204" pitchFamily="34" charset="0"/>
+              <a:buChar char="•"/>
+              <a:defRPr kumimoji="1" sz="2000" kern="1200">
+                <a:solidFill>
+                  <a:schemeClr val="tx1"/>
+                </a:solidFill>
+                <a:latin typeface="+mn-lt"/>
+                <a:ea typeface="+mn-ea"/>
+                <a:cs typeface="+mn-cs"/>
+              </a:defRPr>
+            </a:lvl3pPr>
+            <a:lvl4pPr marL="1600200" indent="-228600" algn="l" defTabSz="914400" rtl="0" eaLnBrk="1" latinLnBrk="0" hangingPunct="1">
+              <a:lnSpc>
+                <a:spcPct val="90000"/>
+              </a:lnSpc>
+              <a:spcBef>
+                <a:spcPts val="500"/>
+              </a:spcBef>
+              <a:buFont typeface="Arial" panose="020B0604020202020204" pitchFamily="34" charset="0"/>
+              <a:buChar char="•"/>
+              <a:defRPr kumimoji="1" sz="1800" kern="1200">
+                <a:solidFill>
+                  <a:schemeClr val="tx1"/>
+                </a:solidFill>
+                <a:latin typeface="+mn-lt"/>
+                <a:ea typeface="+mn-ea"/>
+                <a:cs typeface="+mn-cs"/>
+              </a:defRPr>
+            </a:lvl4pPr>
+            <a:lvl5pPr marL="2057400" indent="-228600" algn="l" defTabSz="914400" rtl="0" eaLnBrk="1" latinLnBrk="0" hangingPunct="1">
+              <a:lnSpc>
+                <a:spcPct val="90000"/>
+              </a:lnSpc>
+              <a:spcBef>
+                <a:spcPts val="500"/>
+              </a:spcBef>
+              <a:buFont typeface="Arial" panose="020B0604020202020204" pitchFamily="34" charset="0"/>
+              <a:buChar char="•"/>
+              <a:defRPr kumimoji="1" sz="1800" kern="1200">
+                <a:solidFill>
+                  <a:schemeClr val="tx1"/>
+                </a:solidFill>
+                <a:latin typeface="+mn-lt"/>
+                <a:ea typeface="+mn-ea"/>
+                <a:cs typeface="+mn-cs"/>
+              </a:defRPr>
+            </a:lvl5pPr>
+            <a:lvl6pPr marL="2514600" indent="-228600" algn="l" defTabSz="914400" rtl="0" eaLnBrk="1" latinLnBrk="0" hangingPunct="1">
+              <a:lnSpc>
+                <a:spcPct val="90000"/>
+              </a:lnSpc>
+              <a:spcBef>
+                <a:spcPts val="500"/>
+              </a:spcBef>
+              <a:buFont typeface="Arial" panose="020B0604020202020204" pitchFamily="34" charset="0"/>
+              <a:buChar char="•"/>
+              <a:defRPr kumimoji="1" sz="1800" kern="1200">
+                <a:solidFill>
+                  <a:schemeClr val="tx1"/>
+                </a:solidFill>
+                <a:latin typeface="+mn-lt"/>
+                <a:ea typeface="+mn-ea"/>
+                <a:cs typeface="+mn-cs"/>
+              </a:defRPr>
+            </a:lvl6pPr>
+            <a:lvl7pPr marL="2971800" indent="-228600" algn="l" defTabSz="914400" rtl="0" eaLnBrk="1" latinLnBrk="0" hangingPunct="1">
+              <a:lnSpc>
+                <a:spcPct val="90000"/>
+              </a:lnSpc>
+              <a:spcBef>
+                <a:spcPts val="500"/>
+              </a:spcBef>
+              <a:buFont typeface="Arial" panose="020B0604020202020204" pitchFamily="34" charset="0"/>
+              <a:buChar char="•"/>
+              <a:defRPr kumimoji="1" sz="1800" kern="1200">
+                <a:solidFill>
+                  <a:schemeClr val="tx1"/>
+                </a:solidFill>
+                <a:latin typeface="+mn-lt"/>
+                <a:ea typeface="+mn-ea"/>
+                <a:cs typeface="+mn-cs"/>
+              </a:defRPr>
+            </a:lvl7pPr>
+            <a:lvl8pPr marL="3429000" indent="-228600" algn="l" defTabSz="914400" rtl="0" eaLnBrk="1" latinLnBrk="0" hangingPunct="1">
+              <a:lnSpc>
+                <a:spcPct val="90000"/>
+              </a:lnSpc>
+              <a:spcBef>
+                <a:spcPts val="500"/>
+              </a:spcBef>
+              <a:buFont typeface="Arial" panose="020B0604020202020204" pitchFamily="34" charset="0"/>
+              <a:buChar char="•"/>
+              <a:defRPr kumimoji="1" sz="1800" kern="1200">
+                <a:solidFill>
+                  <a:schemeClr val="tx1"/>
+                </a:solidFill>
+                <a:latin typeface="+mn-lt"/>
+                <a:ea typeface="+mn-ea"/>
+                <a:cs typeface="+mn-cs"/>
+              </a:defRPr>
+            </a:lvl8pPr>
+            <a:lvl9pPr marL="3886200" indent="-228600" algn="l" defTabSz="914400" rtl="0" eaLnBrk="1" latinLnBrk="0" hangingPunct="1">
+              <a:lnSpc>
+                <a:spcPct val="90000"/>
+              </a:lnSpc>
+              <a:spcBef>
+                <a:spcPts val="500"/>
+              </a:spcBef>
+              <a:buFont typeface="Arial" panose="020B0604020202020204" pitchFamily="34" charset="0"/>
+              <a:buChar char="•"/>
+              <a:defRPr kumimoji="1" sz="1800" kern="1200">
+                <a:solidFill>
+                  <a:schemeClr val="tx1"/>
+                </a:solidFill>
+                <a:latin typeface="+mn-lt"/>
+                <a:ea typeface="+mn-ea"/>
+                <a:cs typeface="+mn-cs"/>
+              </a:defRPr>
+            </a:lvl9pPr>
+          </a:lstStyle>
+          <a:p>
+            <a:pPr marL="0" indent="0">
+              <a:buFont typeface="Arial" panose="020B0604020202020204" pitchFamily="34" charset="0"/>
+              <a:buNone/>
+            </a:pPr>
+            <a:r>
+              <a:rPr lang="en-US" altLang="ja-JP" dirty="0">
+                <a:latin typeface="Gen Shin Gothic Medium" panose="020B0402020203020207" pitchFamily="34" charset="-128"/>
+                <a:ea typeface="Gen Shin Gothic Medium" panose="020B0402020203020207" pitchFamily="34" charset="-128"/>
+                <a:cs typeface="Gen Shin Gothic Medium" panose="020B0402020203020207" pitchFamily="34" charset="-128"/>
+              </a:rPr>
+              <a:t>git branch </a:t>
+            </a:r>
+            <a:r>
+              <a:rPr lang="ja-JP" altLang="en-US">
+                <a:latin typeface="Gen Shin Gothic Medium" panose="020B0402020203020207" pitchFamily="34" charset="-128"/>
+                <a:ea typeface="Gen Shin Gothic Medium" panose="020B0402020203020207" pitchFamily="34" charset="-128"/>
+                <a:cs typeface="Gen Shin Gothic Medium" panose="020B0402020203020207" pitchFamily="34" charset="-128"/>
+              </a:rPr>
+              <a:t>はブランチを可視化する</a:t>
+            </a:r>
+            <a:endParaRPr lang="en-US" altLang="ja-JP" dirty="0">
+              <a:latin typeface="Gen Shin Gothic Medium" panose="020B0402020203020207" pitchFamily="34" charset="-128"/>
+              <a:ea typeface="Gen Shin Gothic Medium" panose="020B0402020203020207" pitchFamily="34" charset="-128"/>
+              <a:cs typeface="Gen Shin Gothic Medium" panose="020B0402020203020207" pitchFamily="34" charset="-128"/>
+            </a:endParaRPr>
+          </a:p>
+        </p:txBody>
+      </p:sp>
     </p:spTree>
     <p:extLst>
       <p:ext uri="{BB962C8B-B14F-4D97-AF65-F5344CB8AC3E}">
@@ -6032,7 +10570,7 @@
 </p:sld>
 </file>
 
-<file path=ppt/slides/slide8.xml><?xml version="1.0" encoding="utf-8"?>
+<file path=ppt/slides/slide9.xml><?xml version="1.0" encoding="utf-8"?>
 <p:sld xmlns:a="http://schemas.openxmlformats.org/drawingml/2006/main" xmlns:r="http://schemas.openxmlformats.org/officeDocument/2006/relationships" xmlns:p="http://schemas.openxmlformats.org/presentationml/2006/main">
   <p:cSld>
     <p:spTree>
@@ -6081,7 +10619,7 @@
                 <a:ea typeface="Gen Shin Gothic Medium" panose="020B0402020203020207" pitchFamily="34" charset="-128"/>
                 <a:cs typeface="Gen Shin Gothic Medium" panose="020B0402020203020207" pitchFamily="34" charset="-128"/>
               </a:rPr>
-              <a:t>収束する歴史</a:t>
+              <a:t>パラレルワールド</a:t>
             </a:r>
             <a:endParaRPr kumimoji="1" lang="ja-JP" altLang="en-US">
               <a:latin typeface="Gen Shin Gothic Medium" panose="020B0402020203020207" pitchFamily="34" charset="-128"/>
@@ -6093,13 +10631,13 @@
       </p:sp>
       <p:sp>
         <p:nvSpPr>
-          <p:cNvPr id="14" name="テキスト ボックス 13"/>
+          <p:cNvPr id="8" name="テキスト ボックス 7"/>
           <p:cNvSpPr txBox="1"/>
           <p:nvPr/>
         </p:nvSpPr>
         <p:spPr>
           <a:xfrm>
-            <a:off x="1402674" y="6078255"/>
+            <a:off x="2567534" y="4657245"/>
             <a:ext cx="829073" cy="369332"/>
           </a:xfrm>
           <a:prstGeom prst="rect">
@@ -6141,16 +10679,132 @@
           </a:p>
         </p:txBody>
       </p:sp>
+      <p:sp>
+        <p:nvSpPr>
+          <p:cNvPr id="9" name="テキスト ボックス 8"/>
+          <p:cNvSpPr txBox="1"/>
+          <p:nvPr/>
+        </p:nvSpPr>
+        <p:spPr>
+          <a:xfrm>
+            <a:off x="1394223" y="3240337"/>
+            <a:ext cx="829073" cy="369332"/>
+          </a:xfrm>
+          <a:prstGeom prst="rect">
+            <a:avLst/>
+          </a:prstGeom>
+          <a:noFill/>
+        </p:spPr>
+        <p:txBody>
+          <a:bodyPr wrap="none" rtlCol="0">
+            <a:spAutoFit/>
+          </a:bodyPr>
+          <a:lstStyle/>
+          <a:p>
+            <a:r>
+              <a:rPr kumimoji="1" lang="en-US" altLang="ja-JP" dirty="0">
+                <a:solidFill>
+                  <a:schemeClr val="bg1">
+                    <a:lumMod val="75000"/>
+                  </a:schemeClr>
+                </a:solidFill>
+                <a:latin typeface="源真ゴシック Heavy" panose="020B0702020203020207" pitchFamily="50" charset="-128"/>
+                <a:ea typeface="源真ゴシック Heavy" panose="020B0702020203020207" pitchFamily="50" charset="-128"/>
+                <a:cs typeface="源真ゴシック Heavy" panose="020B0702020203020207" pitchFamily="50" charset="-128"/>
+              </a:rPr>
+              <a:t>HEAD</a:t>
+            </a:r>
+            <a:endParaRPr kumimoji="1" lang="ja-JP" altLang="en-US" dirty="0">
+              <a:solidFill>
+                <a:schemeClr val="bg1">
+                  <a:lumMod val="75000"/>
+                </a:schemeClr>
+              </a:solidFill>
+              <a:latin typeface="源真ゴシック Heavy" panose="020B0702020203020207" pitchFamily="50" charset="-128"/>
+              <a:ea typeface="源真ゴシック Heavy" panose="020B0702020203020207" pitchFamily="50" charset="-128"/>
+              <a:cs typeface="源真ゴシック Heavy" panose="020B0702020203020207" pitchFamily="50" charset="-128"/>
+            </a:endParaRPr>
+          </a:p>
+        </p:txBody>
+      </p:sp>
+      <p:sp>
+        <p:nvSpPr>
+          <p:cNvPr id="10" name="右矢印 9"/>
+          <p:cNvSpPr/>
+          <p:nvPr/>
+        </p:nvSpPr>
+        <p:spPr>
+          <a:xfrm rot="2966908" flipV="1">
+            <a:off x="2037808" y="3940497"/>
+            <a:ext cx="620721" cy="250546"/>
+          </a:xfrm>
+          <a:prstGeom prst="rightArrow">
+            <a:avLst>
+              <a:gd name="adj1" fmla="val 50000"/>
+              <a:gd name="adj2" fmla="val 80099"/>
+            </a:avLst>
+          </a:prstGeom>
+          <a:gradFill flip="none" rotWithShape="1">
+            <a:gsLst>
+              <a:gs pos="0">
+                <a:schemeClr val="tx1"/>
+              </a:gs>
+              <a:gs pos="38000">
+                <a:schemeClr val="tx1">
+                  <a:lumMod val="75000"/>
+                  <a:lumOff val="25000"/>
+                </a:schemeClr>
+              </a:gs>
+              <a:gs pos="100000">
+                <a:schemeClr val="bg1">
+                  <a:lumMod val="95000"/>
+                </a:schemeClr>
+              </a:gs>
+            </a:gsLst>
+            <a:path path="circle">
+              <a:fillToRect l="100000" b="100000"/>
+            </a:path>
+            <a:tileRect t="-100000" r="-100000"/>
+          </a:gradFill>
+          <a:ln>
+            <a:noFill/>
+          </a:ln>
+        </p:spPr>
+        <p:style>
+          <a:lnRef idx="2">
+            <a:schemeClr val="accent1">
+              <a:shade val="50000"/>
+            </a:schemeClr>
+          </a:lnRef>
+          <a:fillRef idx="1">
+            <a:schemeClr val="accent1"/>
+          </a:fillRef>
+          <a:effectRef idx="0">
+            <a:schemeClr val="accent1"/>
+          </a:effectRef>
+          <a:fontRef idx="minor">
+            <a:schemeClr val="lt1"/>
+          </a:fontRef>
+        </p:style>
+        <p:txBody>
+          <a:bodyPr rtlCol="0" anchor="ctr"/>
+          <a:lstStyle/>
+          <a:p>
+            <a:pPr algn="ctr"/>
+            <a:endParaRPr kumimoji="1" lang="ja-JP" altLang="en-US"/>
+          </a:p>
+        </p:txBody>
+      </p:sp>
       <p:cxnSp>
         <p:nvCxnSpPr>
-          <p:cNvPr id="16" name="直線コネクタ 15"/>
+          <p:cNvPr id="11" name="直線コネクタ 10"/>
           <p:cNvCxnSpPr/>
           <p:nvPr/>
         </p:nvCxnSpPr>
         <p:spPr>
           <a:xfrm>
             <a:off x="1074183" y="2010729"/>
-            <a:ext cx="0" cy="4245388"/>
+            <a:ext cx="0" cy="2831182"/>
           </a:xfrm>
           <a:prstGeom prst="line">
             <a:avLst/>
@@ -6178,7 +10832,7 @@
       </p:cxnSp>
       <p:sp>
         <p:nvSpPr>
-          <p:cNvPr id="17" name="楕円 16"/>
+          <p:cNvPr id="12" name="楕円 11"/>
           <p:cNvSpPr/>
           <p:nvPr/>
         </p:nvSpPr>
@@ -6224,7 +10878,7 @@
       </p:sp>
       <p:sp>
         <p:nvSpPr>
-          <p:cNvPr id="18" name="楕円 17"/>
+          <p:cNvPr id="13" name="楕円 12"/>
           <p:cNvSpPr/>
           <p:nvPr/>
         </p:nvSpPr>
@@ -6270,7 +10924,7 @@
       </p:sp>
       <p:sp>
         <p:nvSpPr>
-          <p:cNvPr id="19" name="楕円 18"/>
+          <p:cNvPr id="14" name="楕円 13"/>
           <p:cNvSpPr/>
           <p:nvPr/>
         </p:nvSpPr>
@@ -6316,7 +10970,7 @@
       </p:sp>
       <p:sp>
         <p:nvSpPr>
-          <p:cNvPr id="20" name="楕円 19"/>
+          <p:cNvPr id="15" name="楕円 14"/>
           <p:cNvSpPr/>
           <p:nvPr/>
         </p:nvSpPr>
@@ -6362,7 +11016,7 @@
       </p:sp>
       <p:cxnSp>
         <p:nvCxnSpPr>
-          <p:cNvPr id="21" name="直線コネクタ 20"/>
+          <p:cNvPr id="16" name="直線コネクタ 15"/>
           <p:cNvCxnSpPr/>
           <p:nvPr/>
         </p:nvCxnSpPr>
@@ -6397,163 +11051,10 @@
       </p:cxnSp>
       <p:sp>
         <p:nvSpPr>
-          <p:cNvPr id="22" name="楕円 21"/>
-          <p:cNvSpPr/>
-          <p:nvPr/>
-        </p:nvSpPr>
-        <p:spPr>
-          <a:xfrm>
-            <a:off x="754143" y="5936077"/>
-            <a:ext cx="640080" cy="640080"/>
-          </a:xfrm>
-          <a:prstGeom prst="ellipse">
-            <a:avLst/>
-          </a:prstGeom>
-          <a:solidFill>
-            <a:schemeClr val="accent1"/>
-          </a:solidFill>
-          <a:ln>
-            <a:noFill/>
-          </a:ln>
-        </p:spPr>
-        <p:style>
-          <a:lnRef idx="2">
-            <a:schemeClr val="accent5">
-              <a:shade val="50000"/>
-            </a:schemeClr>
-          </a:lnRef>
-          <a:fillRef idx="1">
-            <a:schemeClr val="accent5"/>
-          </a:fillRef>
-          <a:effectRef idx="0">
-            <a:schemeClr val="accent5"/>
-          </a:effectRef>
-          <a:fontRef idx="minor">
-            <a:schemeClr val="lt1"/>
-          </a:fontRef>
-        </p:style>
-        <p:txBody>
-          <a:bodyPr rtlCol="0" anchor="ctr"/>
-          <a:lstStyle/>
-          <a:p>
-            <a:pPr algn="ctr"/>
-            <a:endParaRPr kumimoji="1" lang="ja-JP" altLang="en-US"/>
-          </a:p>
-        </p:txBody>
-      </p:sp>
-      <p:cxnSp>
-        <p:nvCxnSpPr>
-          <p:cNvPr id="23" name="直線コネクタ 22"/>
-          <p:cNvCxnSpPr/>
-          <p:nvPr/>
-        </p:nvCxnSpPr>
-        <p:spPr>
-          <a:xfrm flipV="1">
-            <a:off x="1065732" y="4841911"/>
-            <a:ext cx="1122415" cy="1414206"/>
-          </a:xfrm>
-          <a:prstGeom prst="line">
-            <a:avLst/>
-          </a:prstGeom>
-          <a:ln w="292100">
-            <a:solidFill>
-              <a:schemeClr val="accent1"/>
-            </a:solidFill>
-          </a:ln>
-        </p:spPr>
-        <p:style>
-          <a:lnRef idx="3">
-            <a:schemeClr val="accent5"/>
-          </a:lnRef>
-          <a:fillRef idx="0">
-            <a:schemeClr val="accent5"/>
-          </a:fillRef>
-          <a:effectRef idx="2">
-            <a:schemeClr val="accent5"/>
-          </a:effectRef>
-          <a:fontRef idx="minor">
-            <a:schemeClr val="tx1"/>
-          </a:fontRef>
-        </p:style>
-      </p:cxnSp>
-    </p:spTree>
-    <p:extLst>
-      <p:ext uri="{BB962C8B-B14F-4D97-AF65-F5344CB8AC3E}">
-        <p14:creationId xmlns:p14="http://schemas.microsoft.com/office/powerpoint/2010/main" val="2244540021"/>
-      </p:ext>
-    </p:extLst>
-  </p:cSld>
-  <p:clrMapOvr>
-    <a:masterClrMapping/>
-  </p:clrMapOvr>
-</p:sld>
-</file>
-
-<file path=ppt/slides/slide9.xml><?xml version="1.0" encoding="utf-8"?>
-<p:sld xmlns:a="http://schemas.openxmlformats.org/drawingml/2006/main" xmlns:r="http://schemas.openxmlformats.org/officeDocument/2006/relationships" xmlns:p="http://schemas.openxmlformats.org/presentationml/2006/main">
-  <p:cSld>
-    <p:spTree>
-      <p:nvGrpSpPr>
-        <p:cNvPr id="1" name=""/>
-        <p:cNvGrpSpPr/>
-        <p:nvPr/>
-      </p:nvGrpSpPr>
-      <p:grpSpPr>
-        <a:xfrm>
-          <a:off x="0" y="0"/>
-          <a:ext cx="0" cy="0"/>
-          <a:chOff x="0" y="0"/>
-          <a:chExt cx="0" cy="0"/>
-        </a:xfrm>
-      </p:grpSpPr>
-      <p:sp>
-        <p:nvSpPr>
-          <p:cNvPr id="3" name="タイトル 1">
+          <p:cNvPr id="17" name="コンテンツ プレースホルダー 2">
             <a:extLst>
               <a:ext uri="{FF2B5EF4-FFF2-40B4-BE49-F238E27FC236}">
-                <a16:creationId xmlns:a16="http://schemas.microsoft.com/office/drawing/2014/main" id="{DA9EE778-DCC5-3040-9087-5B00F4C1F6EB}"/>
-              </a:ext>
-            </a:extLst>
-          </p:cNvPr>
-          <p:cNvSpPr>
-            <a:spLocks noGrp="1"/>
-          </p:cNvSpPr>
-          <p:nvPr>
-            <p:ph type="title"/>
-          </p:nvPr>
-        </p:nvSpPr>
-        <p:spPr>
-          <a:xfrm>
-            <a:off x="628650" y="365126"/>
-            <a:ext cx="7886700" cy="1325563"/>
-          </a:xfrm>
-        </p:spPr>
-        <p:txBody>
-          <a:bodyPr/>
-          <a:lstStyle/>
-          <a:p>
-            <a:r>
-              <a:rPr lang="ja-JP" altLang="en-US">
-                <a:latin typeface="Gen Shin Gothic Medium" panose="020B0402020203020207" pitchFamily="34" charset="-128"/>
-                <a:ea typeface="Gen Shin Gothic Medium" panose="020B0402020203020207" pitchFamily="34" charset="-128"/>
-                <a:cs typeface="Gen Shin Gothic Medium" panose="020B0402020203020207" pitchFamily="34" charset="-128"/>
-              </a:rPr>
-              <a:t>まとめ</a:t>
-            </a:r>
-            <a:endParaRPr kumimoji="1" lang="ja-JP" altLang="en-US">
-              <a:latin typeface="Gen Shin Gothic Medium" panose="020B0402020203020207" pitchFamily="34" charset="-128"/>
-              <a:ea typeface="Gen Shin Gothic Medium" panose="020B0402020203020207" pitchFamily="34" charset="-128"/>
-              <a:cs typeface="Gen Shin Gothic Medium" panose="020B0402020203020207" pitchFamily="34" charset="-128"/>
-            </a:endParaRPr>
-          </a:p>
-        </p:txBody>
-      </p:sp>
-      <p:sp>
-        <p:nvSpPr>
-          <p:cNvPr id="4" name="コンテンツ プレースホルダー 2">
-            <a:extLst>
-              <a:ext uri="{FF2B5EF4-FFF2-40B4-BE49-F238E27FC236}">
-                <a16:creationId xmlns:a16="http://schemas.microsoft.com/office/drawing/2014/main" id="{DF3958B9-2478-D94E-B34E-1ACF8A3EB15B}"/>
+                <a16:creationId xmlns:a16="http://schemas.microsoft.com/office/drawing/2014/main" id="{8E958CB8-3AFB-2340-B042-A22ED1ECA2B8}"/>
               </a:ext>
             </a:extLst>
           </p:cNvPr>
@@ -6564,15 +11065,17 @@
         </p:nvSpPr>
         <p:spPr>
           <a:xfrm>
-            <a:off x="628650" y="1825625"/>
-            <a:ext cx="7886700" cy="4351338"/>
+            <a:off x="2543331" y="1825060"/>
+            <a:ext cx="5972019" cy="711313"/>
           </a:xfrm>
           <a:prstGeom prst="rect">
             <a:avLst/>
           </a:prstGeom>
         </p:spPr>
         <p:txBody>
-          <a:bodyPr/>
+          <a:bodyPr>
+            <a:normAutofit/>
+          </a:bodyPr>
           <a:lstStyle>
             <a:lvl1pPr marL="228600" indent="-228600" algn="l" defTabSz="914400" rtl="0" eaLnBrk="1" latinLnBrk="0" hangingPunct="1">
               <a:lnSpc>
@@ -6738,323 +11241,19 @@
             </a:lvl9pPr>
           </a:lstStyle>
           <a:p>
-            <a:pPr>
-              <a:lnSpc>
-                <a:spcPct val="150000"/>
-              </a:lnSpc>
+            <a:pPr marL="0" indent="0">
+              <a:buFont typeface="Arial" panose="020B0604020202020204" pitchFamily="34" charset="0"/>
+              <a:buNone/>
             </a:pPr>
             <a:r>
-              <a:rPr lang="ja-JP" altLang="en-US" sz="2400">
+              <a:rPr lang="ja-JP" altLang="en-US">
                 <a:latin typeface="Gen Shin Gothic Medium" panose="020B0402020203020207" pitchFamily="34" charset="-128"/>
                 <a:ea typeface="Gen Shin Gothic Medium" panose="020B0402020203020207" pitchFamily="34" charset="-128"/>
                 <a:cs typeface="Gen Shin Gothic Medium" panose="020B0402020203020207" pitchFamily="34" charset="-128"/>
               </a:rPr>
-              <a:t>コミットなどを可視化する </a:t>
-            </a:r>
-            <a:r>
-              <a:rPr lang="en-US" altLang="ja-JP" sz="2400" dirty="0">
-                <a:latin typeface="Gen Shin Gothic Medium" panose="020B0402020203020207" pitchFamily="34" charset="-128"/>
-                <a:ea typeface="Gen Shin Gothic Medium" panose="020B0402020203020207" pitchFamily="34" charset="-128"/>
-                <a:cs typeface="Gen Shin Gothic Medium" panose="020B0402020203020207" pitchFamily="34" charset="-128"/>
-              </a:rPr>
-              <a:t>(</a:t>
-            </a:r>
-            <a:r>
-              <a:rPr lang="en" altLang="ja-JP" sz="2400" dirty="0">
-                <a:solidFill>
-                  <a:schemeClr val="accent1"/>
-                </a:solidFill>
-                <a:latin typeface="Gen Shin Gothic Medium" panose="020B0402020203020207" pitchFamily="34" charset="-128"/>
-                <a:ea typeface="Gen Shin Gothic Medium" panose="020B0402020203020207" pitchFamily="34" charset="-128"/>
-                <a:cs typeface="Gen Shin Gothic Medium" panose="020B0402020203020207" pitchFamily="34" charset="-128"/>
-              </a:rPr>
-              <a:t>status</a:t>
-            </a:r>
-            <a:r>
-              <a:rPr lang="en" altLang="ja-JP" sz="2400" dirty="0">
-                <a:latin typeface="Gen Shin Gothic Medium" panose="020B0402020203020207" pitchFamily="34" charset="-128"/>
-                <a:ea typeface="Gen Shin Gothic Medium" panose="020B0402020203020207" pitchFamily="34" charset="-128"/>
-                <a:cs typeface="Gen Shin Gothic Medium" panose="020B0402020203020207" pitchFamily="34" charset="-128"/>
-              </a:rPr>
-              <a:t>/</a:t>
-            </a:r>
-            <a:r>
-              <a:rPr lang="en" altLang="ja-JP" sz="2400" dirty="0">
-                <a:solidFill>
-                  <a:schemeClr val="accent1"/>
-                </a:solidFill>
-                <a:latin typeface="Gen Shin Gothic Medium" panose="020B0402020203020207" pitchFamily="34" charset="-128"/>
-                <a:ea typeface="Gen Shin Gothic Medium" panose="020B0402020203020207" pitchFamily="34" charset="-128"/>
-                <a:cs typeface="Gen Shin Gothic Medium" panose="020B0402020203020207" pitchFamily="34" charset="-128"/>
-              </a:rPr>
-              <a:t>log</a:t>
-            </a:r>
-            <a:r>
-              <a:rPr lang="en" altLang="ja-JP" sz="2400" dirty="0">
-                <a:latin typeface="Gen Shin Gothic Medium" panose="020B0402020203020207" pitchFamily="34" charset="-128"/>
-                <a:ea typeface="Gen Shin Gothic Medium" panose="020B0402020203020207" pitchFamily="34" charset="-128"/>
-                <a:cs typeface="Gen Shin Gothic Medium" panose="020B0402020203020207" pitchFamily="34" charset="-128"/>
-              </a:rPr>
-              <a:t>/</a:t>
-            </a:r>
-            <a:r>
-              <a:rPr lang="en" altLang="ja-JP" sz="2400" dirty="0">
-                <a:solidFill>
-                  <a:schemeClr val="accent1"/>
-                </a:solidFill>
-                <a:latin typeface="Gen Shin Gothic Medium" panose="020B0402020203020207" pitchFamily="34" charset="-128"/>
-                <a:ea typeface="Gen Shin Gothic Medium" panose="020B0402020203020207" pitchFamily="34" charset="-128"/>
-                <a:cs typeface="Gen Shin Gothic Medium" panose="020B0402020203020207" pitchFamily="34" charset="-128"/>
-              </a:rPr>
-              <a:t>diff</a:t>
-            </a:r>
-            <a:r>
-              <a:rPr lang="en" altLang="ja-JP" sz="2400" dirty="0">
-                <a:latin typeface="Gen Shin Gothic Medium" panose="020B0402020203020207" pitchFamily="34" charset="-128"/>
-                <a:ea typeface="Gen Shin Gothic Medium" panose="020B0402020203020207" pitchFamily="34" charset="-128"/>
-                <a:cs typeface="Gen Shin Gothic Medium" panose="020B0402020203020207" pitchFamily="34" charset="-128"/>
-              </a:rPr>
-              <a:t>)</a:t>
-            </a:r>
-          </a:p>
-          <a:p>
-            <a:pPr>
-              <a:lnSpc>
-                <a:spcPct val="150000"/>
-              </a:lnSpc>
-            </a:pPr>
-            <a:r>
-              <a:rPr lang="ja-JP" altLang="en-US" sz="2400">
-                <a:latin typeface="Gen Shin Gothic Medium" panose="020B0402020203020207" pitchFamily="34" charset="-128"/>
-                <a:ea typeface="Gen Shin Gothic Medium" panose="020B0402020203020207" pitchFamily="34" charset="-128"/>
-                <a:cs typeface="Gen Shin Gothic Medium" panose="020B0402020203020207" pitchFamily="34" charset="-128"/>
-              </a:rPr>
-              <a:t>コミットを作る </a:t>
-            </a:r>
-            <a:r>
-              <a:rPr lang="en-US" altLang="ja-JP" sz="2400" dirty="0">
-                <a:latin typeface="Gen Shin Gothic Medium" panose="020B0402020203020207" pitchFamily="34" charset="-128"/>
-                <a:ea typeface="Gen Shin Gothic Medium" panose="020B0402020203020207" pitchFamily="34" charset="-128"/>
-                <a:cs typeface="Gen Shin Gothic Medium" panose="020B0402020203020207" pitchFamily="34" charset="-128"/>
-              </a:rPr>
-              <a:t>(</a:t>
-            </a:r>
-            <a:r>
-              <a:rPr lang="en" altLang="ja-JP" sz="2400" dirty="0">
-                <a:solidFill>
-                  <a:schemeClr val="accent1"/>
-                </a:solidFill>
-                <a:latin typeface="Gen Shin Gothic Medium" panose="020B0402020203020207" pitchFamily="34" charset="-128"/>
-                <a:ea typeface="Gen Shin Gothic Medium" panose="020B0402020203020207" pitchFamily="34" charset="-128"/>
-                <a:cs typeface="Gen Shin Gothic Medium" panose="020B0402020203020207" pitchFamily="34" charset="-128"/>
-              </a:rPr>
-              <a:t>add</a:t>
-            </a:r>
-            <a:r>
-              <a:rPr lang="en" altLang="ja-JP" sz="2400" dirty="0">
-                <a:latin typeface="Gen Shin Gothic Medium" panose="020B0402020203020207" pitchFamily="34" charset="-128"/>
-                <a:ea typeface="Gen Shin Gothic Medium" panose="020B0402020203020207" pitchFamily="34" charset="-128"/>
-                <a:cs typeface="Gen Shin Gothic Medium" panose="020B0402020203020207" pitchFamily="34" charset="-128"/>
-              </a:rPr>
-              <a:t>/</a:t>
-            </a:r>
-            <a:r>
-              <a:rPr lang="en" altLang="ja-JP" sz="2400" dirty="0">
-                <a:solidFill>
-                  <a:schemeClr val="accent1"/>
-                </a:solidFill>
-                <a:latin typeface="Gen Shin Gothic Medium" panose="020B0402020203020207" pitchFamily="34" charset="-128"/>
-                <a:ea typeface="Gen Shin Gothic Medium" panose="020B0402020203020207" pitchFamily="34" charset="-128"/>
-                <a:cs typeface="Gen Shin Gothic Medium" panose="020B0402020203020207" pitchFamily="34" charset="-128"/>
-              </a:rPr>
-              <a:t>commit</a:t>
-            </a:r>
-            <a:r>
-              <a:rPr lang="en" altLang="ja-JP" sz="2400" dirty="0">
-                <a:latin typeface="Gen Shin Gothic Medium" panose="020B0402020203020207" pitchFamily="34" charset="-128"/>
-                <a:ea typeface="Gen Shin Gothic Medium" panose="020B0402020203020207" pitchFamily="34" charset="-128"/>
-                <a:cs typeface="Gen Shin Gothic Medium" panose="020B0402020203020207" pitchFamily="34" charset="-128"/>
-              </a:rPr>
-              <a:t>)</a:t>
-            </a:r>
-          </a:p>
-          <a:p>
-            <a:pPr>
-              <a:lnSpc>
-                <a:spcPct val="150000"/>
-              </a:lnSpc>
-            </a:pPr>
-            <a:r>
-              <a:rPr lang="ja-JP" altLang="en-US" sz="2400">
-                <a:latin typeface="Gen Shin Gothic Medium" panose="020B0402020203020207" pitchFamily="34" charset="-128"/>
-                <a:ea typeface="Gen Shin Gothic Medium" panose="020B0402020203020207" pitchFamily="34" charset="-128"/>
-                <a:cs typeface="Gen Shin Gothic Medium" panose="020B0402020203020207" pitchFamily="34" charset="-128"/>
-              </a:rPr>
-              <a:t>古いコミット・ブロブに行き来できる </a:t>
-            </a:r>
-            <a:r>
-              <a:rPr lang="en-US" altLang="ja-JP" sz="2400" dirty="0">
-                <a:latin typeface="Gen Shin Gothic Medium" panose="020B0402020203020207" pitchFamily="34" charset="-128"/>
-                <a:ea typeface="Gen Shin Gothic Medium" panose="020B0402020203020207" pitchFamily="34" charset="-128"/>
-                <a:cs typeface="Gen Shin Gothic Medium" panose="020B0402020203020207" pitchFamily="34" charset="-128"/>
-              </a:rPr>
-              <a:t>(</a:t>
-            </a:r>
-            <a:r>
-              <a:rPr lang="en" altLang="ja-JP" sz="2400" dirty="0">
-                <a:solidFill>
-                  <a:schemeClr val="accent1"/>
-                </a:solidFill>
-                <a:latin typeface="Gen Shin Gothic Medium" panose="020B0402020203020207" pitchFamily="34" charset="-128"/>
-                <a:ea typeface="Gen Shin Gothic Medium" panose="020B0402020203020207" pitchFamily="34" charset="-128"/>
-                <a:cs typeface="Gen Shin Gothic Medium" panose="020B0402020203020207" pitchFamily="34" charset="-128"/>
-              </a:rPr>
-              <a:t>checkout</a:t>
-            </a:r>
-            <a:r>
-              <a:rPr lang="en" altLang="ja-JP" sz="2400" dirty="0">
-                <a:latin typeface="Gen Shin Gothic Medium" panose="020B0402020203020207" pitchFamily="34" charset="-128"/>
-                <a:ea typeface="Gen Shin Gothic Medium" panose="020B0402020203020207" pitchFamily="34" charset="-128"/>
-                <a:cs typeface="Gen Shin Gothic Medium" panose="020B0402020203020207" pitchFamily="34" charset="-128"/>
-              </a:rPr>
-              <a:t>)</a:t>
-            </a:r>
-          </a:p>
-          <a:p>
-            <a:pPr>
-              <a:lnSpc>
-                <a:spcPct val="150000"/>
-              </a:lnSpc>
-            </a:pPr>
-            <a:r>
-              <a:rPr lang="ja-JP" altLang="en-US" sz="2400">
-                <a:latin typeface="Gen Shin Gothic Medium" panose="020B0402020203020207" pitchFamily="34" charset="-128"/>
-                <a:ea typeface="Gen Shin Gothic Medium" panose="020B0402020203020207" pitchFamily="34" charset="-128"/>
-                <a:cs typeface="Gen Shin Gothic Medium" panose="020B0402020203020207" pitchFamily="34" charset="-128"/>
-              </a:rPr>
-              <a:t>複数のコミットを並列管理する </a:t>
-            </a:r>
-            <a:r>
-              <a:rPr lang="en-US" altLang="ja-JP" sz="2400" dirty="0">
-                <a:latin typeface="Gen Shin Gothic Medium" panose="020B0402020203020207" pitchFamily="34" charset="-128"/>
-                <a:ea typeface="Gen Shin Gothic Medium" panose="020B0402020203020207" pitchFamily="34" charset="-128"/>
-                <a:cs typeface="Gen Shin Gothic Medium" panose="020B0402020203020207" pitchFamily="34" charset="-128"/>
-              </a:rPr>
-              <a:t>(</a:t>
-            </a:r>
-            <a:r>
-              <a:rPr lang="en" altLang="ja-JP" sz="2400" dirty="0">
-                <a:solidFill>
-                  <a:schemeClr val="accent1"/>
-                </a:solidFill>
-                <a:latin typeface="Gen Shin Gothic Medium" panose="020B0402020203020207" pitchFamily="34" charset="-128"/>
-                <a:ea typeface="Gen Shin Gothic Medium" panose="020B0402020203020207" pitchFamily="34" charset="-128"/>
-                <a:cs typeface="Gen Shin Gothic Medium" panose="020B0402020203020207" pitchFamily="34" charset="-128"/>
-              </a:rPr>
-              <a:t>checkout -b</a:t>
-            </a:r>
-            <a:r>
-              <a:rPr lang="en" altLang="ja-JP" sz="2400" dirty="0">
-                <a:latin typeface="Gen Shin Gothic Medium" panose="020B0402020203020207" pitchFamily="34" charset="-128"/>
-                <a:ea typeface="Gen Shin Gothic Medium" panose="020B0402020203020207" pitchFamily="34" charset="-128"/>
-                <a:cs typeface="Gen Shin Gothic Medium" panose="020B0402020203020207" pitchFamily="34" charset="-128"/>
-              </a:rPr>
-              <a:t>/</a:t>
-            </a:r>
-            <a:r>
-              <a:rPr lang="en" altLang="ja-JP" sz="2400" dirty="0">
-                <a:solidFill>
-                  <a:schemeClr val="accent1"/>
-                </a:solidFill>
-                <a:latin typeface="Gen Shin Gothic Medium" panose="020B0402020203020207" pitchFamily="34" charset="-128"/>
-                <a:ea typeface="Gen Shin Gothic Medium" panose="020B0402020203020207" pitchFamily="34" charset="-128"/>
-                <a:cs typeface="Gen Shin Gothic Medium" panose="020B0402020203020207" pitchFamily="34" charset="-128"/>
-              </a:rPr>
-              <a:t>branch</a:t>
-            </a:r>
-            <a:r>
-              <a:rPr lang="en" altLang="ja-JP" sz="2400" dirty="0">
-                <a:latin typeface="Gen Shin Gothic Medium" panose="020B0402020203020207" pitchFamily="34" charset="-128"/>
-                <a:ea typeface="Gen Shin Gothic Medium" panose="020B0402020203020207" pitchFamily="34" charset="-128"/>
-                <a:cs typeface="Gen Shin Gothic Medium" panose="020B0402020203020207" pitchFamily="34" charset="-128"/>
-              </a:rPr>
-              <a:t>)</a:t>
-            </a:r>
-          </a:p>
-          <a:p>
-            <a:pPr>
-              <a:lnSpc>
-                <a:spcPct val="150000"/>
-              </a:lnSpc>
-            </a:pPr>
-            <a:r>
-              <a:rPr lang="ja-JP" altLang="en-US" sz="2400">
-                <a:latin typeface="Gen Shin Gothic Medium" panose="020B0402020203020207" pitchFamily="34" charset="-128"/>
-                <a:ea typeface="Gen Shin Gothic Medium" panose="020B0402020203020207" pitchFamily="34" charset="-128"/>
-                <a:cs typeface="Gen Shin Gothic Medium" panose="020B0402020203020207" pitchFamily="34" charset="-128"/>
-              </a:rPr>
-              <a:t>２つのコミットを合体させる </a:t>
-            </a:r>
-            <a:r>
-              <a:rPr lang="en-US" altLang="ja-JP" sz="2400" dirty="0">
-                <a:latin typeface="Gen Shin Gothic Medium" panose="020B0402020203020207" pitchFamily="34" charset="-128"/>
-                <a:ea typeface="Gen Shin Gothic Medium" panose="020B0402020203020207" pitchFamily="34" charset="-128"/>
-                <a:cs typeface="Gen Shin Gothic Medium" panose="020B0402020203020207" pitchFamily="34" charset="-128"/>
-              </a:rPr>
-              <a:t>(</a:t>
-            </a:r>
-            <a:r>
-              <a:rPr lang="en" altLang="ja-JP" sz="2400" dirty="0">
-                <a:solidFill>
-                  <a:schemeClr val="accent1"/>
-                </a:solidFill>
-                <a:latin typeface="Gen Shin Gothic Medium" panose="020B0402020203020207" pitchFamily="34" charset="-128"/>
-                <a:ea typeface="Gen Shin Gothic Medium" panose="020B0402020203020207" pitchFamily="34" charset="-128"/>
-                <a:cs typeface="Gen Shin Gothic Medium" panose="020B0402020203020207" pitchFamily="34" charset="-128"/>
-              </a:rPr>
-              <a:t>merge</a:t>
-            </a:r>
-            <a:r>
-              <a:rPr lang="en" altLang="ja-JP" sz="2400" dirty="0">
-                <a:latin typeface="Gen Shin Gothic Medium" panose="020B0402020203020207" pitchFamily="34" charset="-128"/>
-                <a:ea typeface="Gen Shin Gothic Medium" panose="020B0402020203020207" pitchFamily="34" charset="-128"/>
-                <a:cs typeface="Gen Shin Gothic Medium" panose="020B0402020203020207" pitchFamily="34" charset="-128"/>
-              </a:rPr>
-              <a:t>)</a:t>
-            </a:r>
-          </a:p>
-          <a:p>
-            <a:pPr marL="0" indent="0">
-              <a:lnSpc>
-                <a:spcPct val="150000"/>
-              </a:lnSpc>
-              <a:buNone/>
-            </a:pPr>
-            <a:r>
-              <a:rPr lang="ja-JP" altLang="en-US" sz="2400">
-                <a:latin typeface="Gen Shin Gothic Medium" panose="020B0402020203020207" pitchFamily="34" charset="-128"/>
-                <a:ea typeface="Gen Shin Gothic Medium" panose="020B0402020203020207" pitchFamily="34" charset="-128"/>
-                <a:cs typeface="Gen Shin Gothic Medium" panose="020B0402020203020207" pitchFamily="34" charset="-128"/>
-              </a:rPr>
-              <a:t>というコマンドが</a:t>
-            </a:r>
-            <a:r>
-              <a:rPr lang="en-US" altLang="ja-JP" sz="2400" dirty="0">
-                <a:latin typeface="Gen Shin Gothic Medium" panose="020B0402020203020207" pitchFamily="34" charset="-128"/>
-                <a:ea typeface="Gen Shin Gothic Medium" panose="020B0402020203020207" pitchFamily="34" charset="-128"/>
-                <a:cs typeface="Gen Shin Gothic Medium" panose="020B0402020203020207" pitchFamily="34" charset="-128"/>
-              </a:rPr>
-              <a:t> git </a:t>
-            </a:r>
-            <a:r>
-              <a:rPr lang="ja-JP" altLang="en-US" sz="2400">
-                <a:latin typeface="Gen Shin Gothic Medium" panose="020B0402020203020207" pitchFamily="34" charset="-128"/>
-                <a:ea typeface="Gen Shin Gothic Medium" panose="020B0402020203020207" pitchFamily="34" charset="-128"/>
-                <a:cs typeface="Gen Shin Gothic Medium" panose="020B0402020203020207" pitchFamily="34" charset="-128"/>
-              </a:rPr>
-              <a:t>にはある</a:t>
-            </a:r>
-            <a:endParaRPr lang="en" altLang="ja-JP" sz="2400" dirty="0">
+              <a:t>試しに適当にコミットして</a:t>
+            </a:r>
+            <a:endParaRPr lang="en-US" altLang="ja-JP" dirty="0">
               <a:latin typeface="Gen Shin Gothic Medium" panose="020B0402020203020207" pitchFamily="34" charset="-128"/>
               <a:ea typeface="Gen Shin Gothic Medium" panose="020B0402020203020207" pitchFamily="34" charset="-128"/>
               <a:cs typeface="Gen Shin Gothic Medium" panose="020B0402020203020207" pitchFamily="34" charset="-128"/>
@@ -7062,10 +11261,353 @@
           </a:p>
         </p:txBody>
       </p:sp>
+      <p:sp>
+        <p:nvSpPr>
+          <p:cNvPr id="5" name="正方形/長方形 4">
+            <a:extLst>
+              <a:ext uri="{FF2B5EF4-FFF2-40B4-BE49-F238E27FC236}">
+                <a16:creationId xmlns:a16="http://schemas.microsoft.com/office/drawing/2014/main" id="{34B6976F-0BAA-514B-9FF6-9E596CD890C3}"/>
+              </a:ext>
+            </a:extLst>
+          </p:cNvPr>
+          <p:cNvSpPr/>
+          <p:nvPr/>
+        </p:nvSpPr>
+        <p:spPr>
+          <a:xfrm>
+            <a:off x="1631165" y="2536373"/>
+            <a:ext cx="7108371" cy="3693319"/>
+          </a:xfrm>
+          <a:prstGeom prst="rect">
+            <a:avLst/>
+          </a:prstGeom>
+          <a:solidFill>
+            <a:schemeClr val="tx1"/>
+          </a:solidFill>
+        </p:spPr>
+        <p:txBody>
+          <a:bodyPr wrap="square">
+            <a:spAutoFit/>
+          </a:bodyPr>
+          <a:lstStyle/>
+          <a:p>
+            <a:r>
+              <a:rPr lang="en" altLang="ja-JP" dirty="0">
+                <a:solidFill>
+                  <a:srgbClr val="28FE14"/>
+                </a:solidFill>
+                <a:latin typeface="Andale Mono" panose="020B0509000000000004" pitchFamily="49" charset="0"/>
+              </a:rPr>
+              <a:t>$ git diff</a:t>
+            </a:r>
+          </a:p>
+          <a:p>
+            <a:r>
+              <a:rPr lang="en" altLang="ja-JP" dirty="0">
+                <a:solidFill>
+                  <a:srgbClr val="00F900"/>
+                </a:solidFill>
+                <a:latin typeface="Andale Mono" panose="020B0509000000000004" pitchFamily="49" charset="0"/>
+              </a:rPr>
+              <a:t>diff --git a/</a:t>
+            </a:r>
+            <a:r>
+              <a:rPr lang="en" altLang="ja-JP" dirty="0" err="1">
+                <a:solidFill>
+                  <a:srgbClr val="00F900"/>
+                </a:solidFill>
+                <a:latin typeface="Andale Mono" panose="020B0509000000000004" pitchFamily="49" charset="0"/>
+              </a:rPr>
+              <a:t>sample.csv</a:t>
+            </a:r>
+            <a:r>
+              <a:rPr lang="en" altLang="ja-JP" dirty="0">
+                <a:solidFill>
+                  <a:srgbClr val="00F900"/>
+                </a:solidFill>
+                <a:latin typeface="Andale Mono" panose="020B0509000000000004" pitchFamily="49" charset="0"/>
+              </a:rPr>
+              <a:t> b/</a:t>
+            </a:r>
+            <a:r>
+              <a:rPr lang="en" altLang="ja-JP" dirty="0" err="1">
+                <a:solidFill>
+                  <a:srgbClr val="00F900"/>
+                </a:solidFill>
+                <a:latin typeface="Andale Mono" panose="020B0509000000000004" pitchFamily="49" charset="0"/>
+              </a:rPr>
+              <a:t>sample.csv</a:t>
+            </a:r>
+            <a:endParaRPr lang="en" altLang="ja-JP" dirty="0">
+              <a:solidFill>
+                <a:srgbClr val="00F900"/>
+              </a:solidFill>
+              <a:latin typeface="Andale Mono" panose="020B0509000000000004" pitchFamily="49" charset="0"/>
+            </a:endParaRPr>
+          </a:p>
+          <a:p>
+            <a:r>
+              <a:rPr lang="en" altLang="ja-JP" dirty="0">
+                <a:solidFill>
+                  <a:srgbClr val="00F900"/>
+                </a:solidFill>
+                <a:latin typeface="Andale Mono" panose="020B0509000000000004" pitchFamily="49" charset="0"/>
+              </a:rPr>
+              <a:t>index 35f79c2..2993642 100644</a:t>
+            </a:r>
+          </a:p>
+          <a:p>
+            <a:r>
+              <a:rPr lang="en" altLang="ja-JP" dirty="0">
+                <a:solidFill>
+                  <a:srgbClr val="00F900"/>
+                </a:solidFill>
+                <a:latin typeface="Andale Mono" panose="020B0509000000000004" pitchFamily="49" charset="0"/>
+              </a:rPr>
+              <a:t>--- a/</a:t>
+            </a:r>
+            <a:r>
+              <a:rPr lang="en" altLang="ja-JP" dirty="0" err="1">
+                <a:solidFill>
+                  <a:srgbClr val="00F900"/>
+                </a:solidFill>
+                <a:latin typeface="Andale Mono" panose="020B0509000000000004" pitchFamily="49" charset="0"/>
+              </a:rPr>
+              <a:t>sample.csv</a:t>
+            </a:r>
+            <a:endParaRPr lang="en" altLang="ja-JP" dirty="0">
+              <a:solidFill>
+                <a:srgbClr val="00F900"/>
+              </a:solidFill>
+              <a:latin typeface="Andale Mono" panose="020B0509000000000004" pitchFamily="49" charset="0"/>
+            </a:endParaRPr>
+          </a:p>
+          <a:p>
+            <a:r>
+              <a:rPr lang="en" altLang="ja-JP" dirty="0">
+                <a:solidFill>
+                  <a:srgbClr val="00F900"/>
+                </a:solidFill>
+                <a:latin typeface="Andale Mono" panose="020B0509000000000004" pitchFamily="49" charset="0"/>
+              </a:rPr>
+              <a:t>+++ b/</a:t>
+            </a:r>
+            <a:r>
+              <a:rPr lang="en" altLang="ja-JP" dirty="0" err="1">
+                <a:solidFill>
+                  <a:srgbClr val="00F900"/>
+                </a:solidFill>
+                <a:latin typeface="Andale Mono" panose="020B0509000000000004" pitchFamily="49" charset="0"/>
+              </a:rPr>
+              <a:t>sample.csv</a:t>
+            </a:r>
+            <a:endParaRPr lang="en" altLang="ja-JP" dirty="0">
+              <a:solidFill>
+                <a:srgbClr val="00F900"/>
+              </a:solidFill>
+              <a:latin typeface="Andale Mono" panose="020B0509000000000004" pitchFamily="49" charset="0"/>
+            </a:endParaRPr>
+          </a:p>
+          <a:p>
+            <a:r>
+              <a:rPr lang="en" altLang="ja-JP" dirty="0">
+                <a:solidFill>
+                  <a:srgbClr val="34BBC8"/>
+                </a:solidFill>
+                <a:latin typeface="Andale Mono" panose="020B0509000000000004" pitchFamily="49" charset="0"/>
+              </a:rPr>
+              <a:t>@@ -1,3 +1,4 @@</a:t>
+            </a:r>
+          </a:p>
+          <a:p>
+            <a:r>
+              <a:rPr lang="en" altLang="ja-JP" dirty="0">
+                <a:solidFill>
+                  <a:srgbClr val="28FE14"/>
+                </a:solidFill>
+                <a:latin typeface="Andale Mono" panose="020B0509000000000004" pitchFamily="49" charset="0"/>
+              </a:rPr>
+              <a:t> 71,fb2735f5-88f3-48ec-8b7a-109c1cfea7f0,</a:t>
+            </a:r>
+            <a:r>
+              <a:rPr lang="ja-JP" altLang="en-US">
+                <a:solidFill>
+                  <a:srgbClr val="28FE14"/>
+                </a:solidFill>
+                <a:latin typeface="Andale Mono" panose="020B0509000000000004" pitchFamily="49" charset="0"/>
+              </a:rPr>
+              <a:t>田中 愛菜</a:t>
+            </a:r>
+          </a:p>
+          <a:p>
+            <a:r>
+              <a:rPr lang="ja-JP" altLang="en-US">
+                <a:solidFill>
+                  <a:srgbClr val="28FE14"/>
+                </a:solidFill>
+                <a:latin typeface="Andale Mono" panose="020B0509000000000004" pitchFamily="49" charset="0"/>
+              </a:rPr>
+              <a:t> </a:t>
+            </a:r>
+            <a:r>
+              <a:rPr lang="en-US" altLang="ja-JP" dirty="0">
+                <a:solidFill>
+                  <a:srgbClr val="28FE14"/>
+                </a:solidFill>
+                <a:latin typeface="Andale Mono" panose="020B0509000000000004" pitchFamily="49" charset="0"/>
+              </a:rPr>
+              <a:t>83,</a:t>
+            </a:r>
+            <a:r>
+              <a:rPr lang="en" altLang="ja-JP" dirty="0">
+                <a:solidFill>
+                  <a:srgbClr val="28FE14"/>
+                </a:solidFill>
+                <a:latin typeface="Andale Mono" panose="020B0509000000000004" pitchFamily="49" charset="0"/>
+              </a:rPr>
+              <a:t>bd3f7e8f-99c4-4882-b0be-5cc26670f92a,</a:t>
+            </a:r>
+            <a:r>
+              <a:rPr lang="ja-JP" altLang="en-US">
+                <a:solidFill>
+                  <a:srgbClr val="28FE14"/>
+                </a:solidFill>
+                <a:latin typeface="Andale Mono" panose="020B0509000000000004" pitchFamily="49" charset="0"/>
+              </a:rPr>
+              <a:t>山本 美咲</a:t>
+            </a:r>
+          </a:p>
+          <a:p>
+            <a:r>
+              <a:rPr lang="ja-JP" altLang="en-US">
+                <a:solidFill>
+                  <a:srgbClr val="28FE14"/>
+                </a:solidFill>
+                <a:latin typeface="Andale Mono" panose="020B0509000000000004" pitchFamily="49" charset="0"/>
+              </a:rPr>
+              <a:t> </a:t>
+            </a:r>
+            <a:r>
+              <a:rPr lang="en-US" altLang="ja-JP" dirty="0">
+                <a:solidFill>
+                  <a:srgbClr val="28FE14"/>
+                </a:solidFill>
+                <a:latin typeface="Andale Mono" panose="020B0509000000000004" pitchFamily="49" charset="0"/>
+              </a:rPr>
+              <a:t>51,</a:t>
+            </a:r>
+            <a:r>
+              <a:rPr lang="en" altLang="ja-JP" dirty="0">
+                <a:solidFill>
+                  <a:srgbClr val="28FE14"/>
+                </a:solidFill>
+                <a:latin typeface="Andale Mono" panose="020B0509000000000004" pitchFamily="49" charset="0"/>
+              </a:rPr>
+              <a:t>ccf3a690-d087-4c69-b843-ccf7b1f393ed,</a:t>
+            </a:r>
+            <a:r>
+              <a:rPr lang="ja-JP" altLang="en-US">
+                <a:solidFill>
+                  <a:srgbClr val="28FE14"/>
+                </a:solidFill>
+                <a:latin typeface="Andale Mono" panose="020B0509000000000004" pitchFamily="49" charset="0"/>
+              </a:rPr>
+              <a:t>鈴木 大翔</a:t>
+            </a:r>
+          </a:p>
+          <a:p>
+            <a:r>
+              <a:rPr lang="en-US" altLang="ja-JP" dirty="0">
+                <a:solidFill>
+                  <a:srgbClr val="34BC26"/>
+                </a:solidFill>
+                <a:latin typeface="Andale Mono" panose="020B0509000000000004" pitchFamily="49" charset="0"/>
+              </a:rPr>
+              <a:t>+52,</a:t>
+            </a:r>
+            <a:r>
+              <a:rPr lang="en" altLang="ja-JP" dirty="0">
+                <a:solidFill>
+                  <a:srgbClr val="34BC26"/>
+                </a:solidFill>
+                <a:latin typeface="Andale Mono" panose="020B0509000000000004" pitchFamily="49" charset="0"/>
+              </a:rPr>
+              <a:t>ecf3a690-d087-4c69-b843-ccf7b1f393ed,</a:t>
+            </a:r>
+            <a:r>
+              <a:rPr lang="ja-JP" altLang="en-US">
+                <a:solidFill>
+                  <a:srgbClr val="34BC26"/>
+                </a:solidFill>
+                <a:latin typeface="Andale Mono" panose="020B0509000000000004" pitchFamily="49" charset="0"/>
+              </a:rPr>
+              <a:t>鈴木 小翔</a:t>
+            </a:r>
+          </a:p>
+          <a:p>
+            <a:r>
+              <a:rPr lang="en" altLang="ja-JP" dirty="0">
+                <a:solidFill>
+                  <a:srgbClr val="28FE14"/>
+                </a:solidFill>
+                <a:latin typeface="Andale Mono" panose="020B0509000000000004" pitchFamily="49" charset="0"/>
+              </a:rPr>
+              <a:t>$ git commit -a -m "Change sample"</a:t>
+            </a:r>
+          </a:p>
+          <a:p>
+            <a:r>
+              <a:rPr lang="en" altLang="ja-JP" dirty="0">
+                <a:solidFill>
+                  <a:srgbClr val="28FE14"/>
+                </a:solidFill>
+                <a:latin typeface="Andale Mono" panose="020B0509000000000004" pitchFamily="49" charset="0"/>
+              </a:rPr>
+              <a:t>[</a:t>
+            </a:r>
+            <a:r>
+              <a:rPr lang="en" altLang="ja-JP" dirty="0" err="1">
+                <a:solidFill>
+                  <a:srgbClr val="28FE14"/>
+                </a:solidFill>
+                <a:latin typeface="Andale Mono" panose="020B0509000000000004" pitchFamily="49" charset="0"/>
+              </a:rPr>
+              <a:t>update_sample</a:t>
+            </a:r>
+            <a:r>
+              <a:rPr lang="en" altLang="ja-JP" dirty="0">
+                <a:solidFill>
+                  <a:srgbClr val="28FE14"/>
+                </a:solidFill>
+                <a:latin typeface="Andale Mono" panose="020B0509000000000004" pitchFamily="49" charset="0"/>
+              </a:rPr>
+              <a:t> e9fbd47] Change sample</a:t>
+            </a:r>
+          </a:p>
+          <a:p>
+            <a:r>
+              <a:rPr lang="en" altLang="ja-JP" dirty="0">
+                <a:solidFill>
+                  <a:srgbClr val="28FE14"/>
+                </a:solidFill>
+                <a:latin typeface="Andale Mono" panose="020B0509000000000004" pitchFamily="49" charset="0"/>
+              </a:rPr>
+              <a:t> 1 file changed, 1 insertion(+)</a:t>
+            </a:r>
+            <a:endParaRPr lang="en" altLang="ja-JP" dirty="0">
+              <a:solidFill>
+                <a:srgbClr val="28FE14"/>
+              </a:solidFill>
+              <a:effectLst/>
+              <a:latin typeface="Andale Mono" panose="020B0509000000000004" pitchFamily="49" charset="0"/>
+            </a:endParaRPr>
+          </a:p>
+        </p:txBody>
+      </p:sp>
     </p:spTree>
     <p:extLst>
       <p:ext uri="{BB962C8B-B14F-4D97-AF65-F5344CB8AC3E}">
-        <p14:creationId xmlns:p14="http://schemas.microsoft.com/office/powerpoint/2010/main" val="2087482666"/>
+        <p14:creationId xmlns:p14="http://schemas.microsoft.com/office/powerpoint/2010/main" val="3828421918"/>
       </p:ext>
     </p:extLst>
   </p:cSld>
